--- a/presentation/Presentation1.pptx
+++ b/presentation/Presentation1.pptx
@@ -3358,7 +3358,12 @@
             <p:ph type="ctrTitle"/>
           </p:nvPr>
         </p:nvSpPr>
-        <p:spPr/>
+        <p:spPr>
+          <a:xfrm>
+            <a:off x="1684638" y="863600"/>
+            <a:ext cx="9144000" cy="2387600"/>
+          </a:xfrm>
+        </p:spPr>
         <p:txBody>
           <a:bodyPr>
             <a:normAutofit fontScale="90000"/>
@@ -3367,36 +3372,110 @@
           <a:p>
             <a:r>
               <a:rPr lang="en-NL" dirty="0"/>
-              <a:t>On the Relation between Software 2.0 and Godels Incompleteness Theorem</a:t>
-            </a:r>
-          </a:p>
-        </p:txBody>
-      </p:sp>
-      <p:sp>
-        <p:nvSpPr>
-          <p:cNvPr id="3" name="Subtitle 2">
-            <a:extLst>
-              <a:ext uri="{FF2B5EF4-FFF2-40B4-BE49-F238E27FC236}">
-                <a16:creationId xmlns:a16="http://schemas.microsoft.com/office/drawing/2014/main" id="{FB029C15-94E3-3B44-9F0F-DD50B9C9D721}"/>
-              </a:ext>
-            </a:extLst>
-          </p:cNvPr>
-          <p:cNvSpPr>
-            <a:spLocks noGrp="1"/>
-          </p:cNvSpPr>
-          <p:nvPr>
-            <p:ph type="subTitle" idx="1"/>
-          </p:nvPr>
-        </p:nvSpPr>
-        <p:spPr/>
-        <p:txBody>
-          <a:bodyPr/>
-          <a:lstStyle/>
-          <a:p>
-            <a:endParaRPr lang="en-NL"/>
-          </a:p>
-        </p:txBody>
-      </p:sp>
+              <a:t>On the Relation between Software 2.0 and </a:t>
+            </a:r>
+            <a:r>
+              <a:rPr lang="en-GB" dirty="0"/>
+              <a:t>Gödel’s Incompleteness Theorems</a:t>
+            </a:r>
+            <a:endParaRPr lang="en-NL" dirty="0"/>
+          </a:p>
+        </p:txBody>
+      </p:sp>
+      <p:pic>
+        <p:nvPicPr>
+          <p:cNvPr id="1026" name="Picture 2" descr="Gödel's incompleteness theorem – Kapernikov">
+            <a:extLst>
+              <a:ext uri="{FF2B5EF4-FFF2-40B4-BE49-F238E27FC236}">
+                <a16:creationId xmlns:a16="http://schemas.microsoft.com/office/drawing/2014/main" id="{6B13A44C-7177-4749-B073-51F0DD034DDD}"/>
+              </a:ext>
+            </a:extLst>
+          </p:cNvPr>
+          <p:cNvPicPr>
+            <a:picLocks noChangeAspect="1" noChangeArrowheads="1"/>
+          </p:cNvPicPr>
+          <p:nvPr/>
+        </p:nvPicPr>
+        <p:blipFill>
+          <a:blip r:embed="rId2">
+            <a:extLst>
+              <a:ext uri="{28A0092B-C50C-407E-A947-70E740481C1C}">
+                <a14:useLocalDpi xmlns:a14="http://schemas.microsoft.com/office/drawing/2010/main" val="0"/>
+              </a:ext>
+            </a:extLst>
+          </a:blip>
+          <a:srcRect/>
+          <a:stretch>
+            <a:fillRect/>
+          </a:stretch>
+        </p:blipFill>
+        <p:spPr bwMode="auto">
+          <a:xfrm>
+            <a:off x="543697" y="4120978"/>
+            <a:ext cx="5136292" cy="2311331"/>
+          </a:xfrm>
+          <a:prstGeom prst="rect">
+            <a:avLst/>
+          </a:prstGeom>
+          <a:noFill/>
+          <a:extLst>
+            <a:ext uri="{909E8E84-426E-40DD-AFC4-6F175D3DCCD1}">
+              <a14:hiddenFill xmlns:a14="http://schemas.microsoft.com/office/drawing/2010/main">
+                <a:solidFill>
+                  <a:srgbClr val="FFFFFF"/>
+                </a:solidFill>
+              </a14:hiddenFill>
+            </a:ext>
+          </a:extLst>
+        </p:spPr>
+      </p:pic>
+      <p:pic>
+        <p:nvPicPr>
+          <p:cNvPr id="1028" name="Picture 4" descr="Are deep neural nets &quot;Software 2.0&quot;? - Michael's Bioinformatics Blog">
+            <a:extLst>
+              <a:ext uri="{FF2B5EF4-FFF2-40B4-BE49-F238E27FC236}">
+                <a16:creationId xmlns:a16="http://schemas.microsoft.com/office/drawing/2014/main" id="{0B1823F2-5288-3C4D-B685-47339C586A3A}"/>
+              </a:ext>
+            </a:extLst>
+          </p:cNvPr>
+          <p:cNvPicPr>
+            <a:picLocks noChangeAspect="1" noChangeArrowheads="1"/>
+          </p:cNvPicPr>
+          <p:nvPr/>
+        </p:nvPicPr>
+        <p:blipFill>
+          <a:blip r:embed="rId3">
+            <a:extLst>
+              <a:ext uri="{28A0092B-C50C-407E-A947-70E740481C1C}">
+                <a14:useLocalDpi xmlns:a14="http://schemas.microsoft.com/office/drawing/2010/main" val="0"/>
+              </a:ext>
+            </a:extLst>
+          </a:blip>
+          <a:srcRect/>
+          <a:stretch>
+            <a:fillRect/>
+          </a:stretch>
+        </p:blipFill>
+        <p:spPr bwMode="auto">
+          <a:xfrm>
+            <a:off x="6840838" y="4254293"/>
+            <a:ext cx="3987800" cy="2044700"/>
+          </a:xfrm>
+          <a:prstGeom prst="rect">
+            <a:avLst/>
+          </a:prstGeom>
+          <a:noFill/>
+          <a:extLst>
+            <a:ext uri="{909E8E84-426E-40DD-AFC4-6F175D3DCCD1}">
+              <a14:hiddenFill xmlns:a14="http://schemas.microsoft.com/office/drawing/2010/main">
+                <a:solidFill>
+                  <a:srgbClr val="FFFFFF"/>
+                </a:solidFill>
+              </a14:hiddenFill>
+            </a:ext>
+          </a:extLst>
+        </p:spPr>
+      </p:pic>
     </p:spTree>
     <p:extLst>
       <p:ext uri="{BB962C8B-B14F-4D97-AF65-F5344CB8AC3E}">

--- a/presentation/Presentation1.pptx
+++ b/presentation/Presentation1.pptx
@@ -6,6 +6,8 @@
   </p:sldMasterIdLst>
   <p:sldIdLst>
     <p:sldId id="256" r:id="rId2"/>
+    <p:sldId id="257" r:id="rId3"/>
+    <p:sldId id="258" r:id="rId4"/>
   </p:sldIdLst>
   <p:sldSz cx="12192000" cy="6858000"/>
   <p:notesSz cx="6858000" cy="9144000"/>
@@ -3489,6 +3491,173 @@
 </p:sld>
 </file>
 
+<file path=ppt/slides/slide2.xml><?xml version="1.0" encoding="utf-8"?>
+<p:sld xmlns:a="http://schemas.openxmlformats.org/drawingml/2006/main" xmlns:r="http://schemas.openxmlformats.org/officeDocument/2006/relationships" xmlns:p="http://schemas.openxmlformats.org/presentationml/2006/main">
+  <p:cSld>
+    <p:spTree>
+      <p:nvGrpSpPr>
+        <p:cNvPr id="1" name=""/>
+        <p:cNvGrpSpPr/>
+        <p:nvPr/>
+      </p:nvGrpSpPr>
+      <p:grpSpPr>
+        <a:xfrm>
+          <a:off x="0" y="0"/>
+          <a:ext cx="0" cy="0"/>
+          <a:chOff x="0" y="0"/>
+          <a:chExt cx="0" cy="0"/>
+        </a:xfrm>
+      </p:grpSpPr>
+      <p:sp>
+        <p:nvSpPr>
+          <p:cNvPr id="2" name="Title 1">
+            <a:extLst>
+              <a:ext uri="{FF2B5EF4-FFF2-40B4-BE49-F238E27FC236}">
+                <a16:creationId xmlns:a16="http://schemas.microsoft.com/office/drawing/2014/main" id="{3C86F914-DDA2-CB4A-B6B9-3FEFA18FDE8C}"/>
+              </a:ext>
+            </a:extLst>
+          </p:cNvPr>
+          <p:cNvSpPr>
+            <a:spLocks noGrp="1"/>
+          </p:cNvSpPr>
+          <p:nvPr>
+            <p:ph type="title"/>
+          </p:nvPr>
+        </p:nvSpPr>
+        <p:spPr/>
+        <p:txBody>
+          <a:bodyPr/>
+          <a:lstStyle/>
+          <a:p>
+            <a:r>
+              <a:rPr lang="en-NL" dirty="0"/>
+              <a:t>Software 0 -&gt; 1.X -&gt; 2.0</a:t>
+            </a:r>
+          </a:p>
+        </p:txBody>
+      </p:sp>
+      <p:sp>
+        <p:nvSpPr>
+          <p:cNvPr id="3" name="Content Placeholder 2">
+            <a:extLst>
+              <a:ext uri="{FF2B5EF4-FFF2-40B4-BE49-F238E27FC236}">
+                <a16:creationId xmlns:a16="http://schemas.microsoft.com/office/drawing/2014/main" id="{07408C6F-FD88-E54E-8268-A88990674831}"/>
+              </a:ext>
+            </a:extLst>
+          </p:cNvPr>
+          <p:cNvSpPr>
+            <a:spLocks noGrp="1"/>
+          </p:cNvSpPr>
+          <p:nvPr>
+            <p:ph idx="1"/>
+          </p:nvPr>
+        </p:nvSpPr>
+        <p:spPr/>
+        <p:txBody>
+          <a:bodyPr/>
+          <a:lstStyle/>
+          <a:p>
+            <a:endParaRPr lang="en-NL"/>
+          </a:p>
+        </p:txBody>
+      </p:sp>
+    </p:spTree>
+    <p:extLst>
+      <p:ext uri="{BB962C8B-B14F-4D97-AF65-F5344CB8AC3E}">
+        <p14:creationId xmlns:p14="http://schemas.microsoft.com/office/powerpoint/2010/main" val="4049905856"/>
+      </p:ext>
+    </p:extLst>
+  </p:cSld>
+  <p:clrMapOvr>
+    <a:masterClrMapping/>
+  </p:clrMapOvr>
+</p:sld>
+</file>
+
+<file path=ppt/slides/slide3.xml><?xml version="1.0" encoding="utf-8"?>
+<p:sld xmlns:a="http://schemas.openxmlformats.org/drawingml/2006/main" xmlns:r="http://schemas.openxmlformats.org/officeDocument/2006/relationships" xmlns:p="http://schemas.openxmlformats.org/presentationml/2006/main">
+  <p:cSld>
+    <p:spTree>
+      <p:nvGrpSpPr>
+        <p:cNvPr id="1" name=""/>
+        <p:cNvGrpSpPr/>
+        <p:nvPr/>
+      </p:nvGrpSpPr>
+      <p:grpSpPr>
+        <a:xfrm>
+          <a:off x="0" y="0"/>
+          <a:ext cx="0" cy="0"/>
+          <a:chOff x="0" y="0"/>
+          <a:chExt cx="0" cy="0"/>
+        </a:xfrm>
+      </p:grpSpPr>
+      <p:sp>
+        <p:nvSpPr>
+          <p:cNvPr id="2" name="Title 1">
+            <a:extLst>
+              <a:ext uri="{FF2B5EF4-FFF2-40B4-BE49-F238E27FC236}">
+                <a16:creationId xmlns:a16="http://schemas.microsoft.com/office/drawing/2014/main" id="{A34C498C-846F-BF4F-9986-8D31FF6CE521}"/>
+              </a:ext>
+            </a:extLst>
+          </p:cNvPr>
+          <p:cNvSpPr>
+            <a:spLocks noGrp="1"/>
+          </p:cNvSpPr>
+          <p:nvPr>
+            <p:ph type="title"/>
+          </p:nvPr>
+        </p:nvSpPr>
+        <p:spPr/>
+        <p:txBody>
+          <a:bodyPr/>
+          <a:lstStyle/>
+          <a:p>
+            <a:r>
+              <a:rPr lang="en-GB"/>
+              <a:t>Incompleteness</a:t>
+            </a:r>
+            <a:endParaRPr lang="en-NL"/>
+          </a:p>
+        </p:txBody>
+      </p:sp>
+      <p:sp>
+        <p:nvSpPr>
+          <p:cNvPr id="3" name="Content Placeholder 2">
+            <a:extLst>
+              <a:ext uri="{FF2B5EF4-FFF2-40B4-BE49-F238E27FC236}">
+                <a16:creationId xmlns:a16="http://schemas.microsoft.com/office/drawing/2014/main" id="{5443F6DD-4851-C14D-B47B-89B25DB743B6}"/>
+              </a:ext>
+            </a:extLst>
+          </p:cNvPr>
+          <p:cNvSpPr>
+            <a:spLocks noGrp="1"/>
+          </p:cNvSpPr>
+          <p:nvPr>
+            <p:ph idx="1"/>
+          </p:nvPr>
+        </p:nvSpPr>
+        <p:spPr/>
+        <p:txBody>
+          <a:bodyPr/>
+          <a:lstStyle/>
+          <a:p>
+            <a:endParaRPr lang="en-NL"/>
+          </a:p>
+        </p:txBody>
+      </p:sp>
+    </p:spTree>
+    <p:extLst>
+      <p:ext uri="{BB962C8B-B14F-4D97-AF65-F5344CB8AC3E}">
+        <p14:creationId xmlns:p14="http://schemas.microsoft.com/office/powerpoint/2010/main" val="2642275506"/>
+      </p:ext>
+    </p:extLst>
+  </p:cSld>
+  <p:clrMapOvr>
+    <a:masterClrMapping/>
+  </p:clrMapOvr>
+</p:sld>
+</file>
+
 <file path=ppt/theme/theme1.xml><?xml version="1.0" encoding="utf-8"?>
 <a:theme xmlns:a="http://schemas.openxmlformats.org/drawingml/2006/main" name="Office Theme">
   <a:themeElements>

--- a/presentation/Presentation1.pptx
+++ b/presentation/Presentation1.pptx
@@ -3413,7 +3413,7 @@
         </p:blipFill>
         <p:spPr bwMode="auto">
           <a:xfrm>
-            <a:off x="543697" y="4120978"/>
+            <a:off x="214871" y="3787346"/>
             <a:ext cx="5136292" cy="2311331"/>
           </a:xfrm>
           <a:prstGeom prst="rect">
@@ -3613,10 +3613,10 @@
           <a:lstStyle/>
           <a:p>
             <a:r>
-              <a:rPr lang="en-GB"/>
+              <a:rPr lang="en-GB" dirty="0"/>
               <a:t>Incompleteness</a:t>
             </a:r>
-            <a:endParaRPr lang="en-NL"/>
+            <a:endParaRPr lang="en-NL" dirty="0"/>
           </a:p>
         </p:txBody>
       </p:sp>

--- a/presentation/Presentation1.pptx
+++ b/presentation/Presentation1.pptx
@@ -6,8 +6,8 @@
   </p:sldMasterIdLst>
   <p:sldIdLst>
     <p:sldId id="256" r:id="rId2"/>
-    <p:sldId id="257" r:id="rId3"/>
-    <p:sldId id="258" r:id="rId4"/>
+    <p:sldId id="258" r:id="rId3"/>
+    <p:sldId id="257" r:id="rId4"/>
   </p:sldIdLst>
   <p:sldSz cx="12192000" cy="6858000"/>
   <p:notesSz cx="6858000" cy="9144000"/>
@@ -106,6 +106,11 @@
       </a:defRPr>
     </a:lvl9pPr>
   </p:defaultTextStyle>
+  <p:extLst>
+    <p:ext uri="{EFAFB233-063F-42B5-8137-9DF3F51BA10A}">
+      <p15:sldGuideLst xmlns:p15="http://schemas.microsoft.com/office/powerpoint/2012/main"/>
+    </p:ext>
+  </p:extLst>
 </p:presentation>
 </file>
 
@@ -258,7 +263,7 @@
           <a:p>
             <a:fld id="{BA6C9D77-8464-2246-AD90-410A3606C8B0}" type="datetimeFigureOut">
               <a:rPr lang="en-NL" smtClean="0"/>
-              <a:t>21/12/2020</a:t>
+              <a:t>23/12/2020</a:t>
             </a:fld>
             <a:endParaRPr lang="en-NL"/>
           </a:p>
@@ -458,7 +463,7 @@
           <a:p>
             <a:fld id="{BA6C9D77-8464-2246-AD90-410A3606C8B0}" type="datetimeFigureOut">
               <a:rPr lang="en-NL" smtClean="0"/>
-              <a:t>21/12/2020</a:t>
+              <a:t>23/12/2020</a:t>
             </a:fld>
             <a:endParaRPr lang="en-NL"/>
           </a:p>
@@ -668,7 +673,7 @@
           <a:p>
             <a:fld id="{BA6C9D77-8464-2246-AD90-410A3606C8B0}" type="datetimeFigureOut">
               <a:rPr lang="en-NL" smtClean="0"/>
-              <a:t>21/12/2020</a:t>
+              <a:t>23/12/2020</a:t>
             </a:fld>
             <a:endParaRPr lang="en-NL"/>
           </a:p>
@@ -868,7 +873,7 @@
           <a:p>
             <a:fld id="{BA6C9D77-8464-2246-AD90-410A3606C8B0}" type="datetimeFigureOut">
               <a:rPr lang="en-NL" smtClean="0"/>
-              <a:t>21/12/2020</a:t>
+              <a:t>23/12/2020</a:t>
             </a:fld>
             <a:endParaRPr lang="en-NL"/>
           </a:p>
@@ -1144,7 +1149,7 @@
           <a:p>
             <a:fld id="{BA6C9D77-8464-2246-AD90-410A3606C8B0}" type="datetimeFigureOut">
               <a:rPr lang="en-NL" smtClean="0"/>
-              <a:t>21/12/2020</a:t>
+              <a:t>23/12/2020</a:t>
             </a:fld>
             <a:endParaRPr lang="en-NL"/>
           </a:p>
@@ -1412,7 +1417,7 @@
           <a:p>
             <a:fld id="{BA6C9D77-8464-2246-AD90-410A3606C8B0}" type="datetimeFigureOut">
               <a:rPr lang="en-NL" smtClean="0"/>
-              <a:t>21/12/2020</a:t>
+              <a:t>23/12/2020</a:t>
             </a:fld>
             <a:endParaRPr lang="en-NL"/>
           </a:p>
@@ -1827,7 +1832,7 @@
           <a:p>
             <a:fld id="{BA6C9D77-8464-2246-AD90-410A3606C8B0}" type="datetimeFigureOut">
               <a:rPr lang="en-NL" smtClean="0"/>
-              <a:t>21/12/2020</a:t>
+              <a:t>23/12/2020</a:t>
             </a:fld>
             <a:endParaRPr lang="en-NL"/>
           </a:p>
@@ -1969,7 +1974,7 @@
           <a:p>
             <a:fld id="{BA6C9D77-8464-2246-AD90-410A3606C8B0}" type="datetimeFigureOut">
               <a:rPr lang="en-NL" smtClean="0"/>
-              <a:t>21/12/2020</a:t>
+              <a:t>23/12/2020</a:t>
             </a:fld>
             <a:endParaRPr lang="en-NL"/>
           </a:p>
@@ -2082,7 +2087,7 @@
           <a:p>
             <a:fld id="{BA6C9D77-8464-2246-AD90-410A3606C8B0}" type="datetimeFigureOut">
               <a:rPr lang="en-NL" smtClean="0"/>
-              <a:t>21/12/2020</a:t>
+              <a:t>23/12/2020</a:t>
             </a:fld>
             <a:endParaRPr lang="en-NL"/>
           </a:p>
@@ -2395,7 +2400,7 @@
           <a:p>
             <a:fld id="{BA6C9D77-8464-2246-AD90-410A3606C8B0}" type="datetimeFigureOut">
               <a:rPr lang="en-NL" smtClean="0"/>
-              <a:t>21/12/2020</a:t>
+              <a:t>23/12/2020</a:t>
             </a:fld>
             <a:endParaRPr lang="en-NL"/>
           </a:p>
@@ -2684,7 +2689,7 @@
           <a:p>
             <a:fld id="{BA6C9D77-8464-2246-AD90-410A3606C8B0}" type="datetimeFigureOut">
               <a:rPr lang="en-NL" smtClean="0"/>
-              <a:t>21/12/2020</a:t>
+              <a:t>23/12/2020</a:t>
             </a:fld>
             <a:endParaRPr lang="en-NL"/>
           </a:p>
@@ -2927,7 +2932,7 @@
           <a:p>
             <a:fld id="{BA6C9D77-8464-2246-AD90-410A3606C8B0}" type="datetimeFigureOut">
               <a:rPr lang="en-NL" smtClean="0"/>
-              <a:t>21/12/2020</a:t>
+              <a:t>23/12/2020</a:t>
             </a:fld>
             <a:endParaRPr lang="en-NL"/>
           </a:p>
@@ -3513,7 +3518,7 @@
           <p:cNvPr id="2" name="Title 1">
             <a:extLst>
               <a:ext uri="{FF2B5EF4-FFF2-40B4-BE49-F238E27FC236}">
-                <a16:creationId xmlns:a16="http://schemas.microsoft.com/office/drawing/2014/main" id="{3C86F914-DDA2-CB4A-B6B9-3FEFA18FDE8C}"/>
+                <a16:creationId xmlns:a16="http://schemas.microsoft.com/office/drawing/2014/main" id="{A34C498C-846F-BF4F-9986-8D31FF6CE521}"/>
               </a:ext>
             </a:extLst>
           </p:cNvPr>
@@ -3530,9 +3535,10 @@
           <a:lstStyle/>
           <a:p>
             <a:r>
-              <a:rPr lang="en-NL" dirty="0"/>
-              <a:t>Software 0 -&gt; 1.X -&gt; 2.0</a:t>
-            </a:r>
+              <a:rPr lang="en-GB" dirty="0"/>
+              <a:t>Incompleteness</a:t>
+            </a:r>
+            <a:endParaRPr lang="en-NL" dirty="0"/>
           </a:p>
         </p:txBody>
       </p:sp>
@@ -3541,7 +3547,7 @@
           <p:cNvPr id="3" name="Content Placeholder 2">
             <a:extLst>
               <a:ext uri="{FF2B5EF4-FFF2-40B4-BE49-F238E27FC236}">
-                <a16:creationId xmlns:a16="http://schemas.microsoft.com/office/drawing/2014/main" id="{07408C6F-FD88-E54E-8268-A88990674831}"/>
+                <a16:creationId xmlns:a16="http://schemas.microsoft.com/office/drawing/2014/main" id="{5443F6DD-4851-C14D-B47B-89B25DB743B6}"/>
               </a:ext>
             </a:extLst>
           </p:cNvPr>
@@ -3564,7 +3570,7 @@
     </p:spTree>
     <p:extLst>
       <p:ext uri="{BB962C8B-B14F-4D97-AF65-F5344CB8AC3E}">
-        <p14:creationId xmlns:p14="http://schemas.microsoft.com/office/powerpoint/2010/main" val="4049905856"/>
+        <p14:creationId xmlns:p14="http://schemas.microsoft.com/office/powerpoint/2010/main" val="2642275506"/>
       </p:ext>
     </p:extLst>
   </p:cSld>
@@ -3596,7 +3602,7 @@
           <p:cNvPr id="2" name="Title 1">
             <a:extLst>
               <a:ext uri="{FF2B5EF4-FFF2-40B4-BE49-F238E27FC236}">
-                <a16:creationId xmlns:a16="http://schemas.microsoft.com/office/drawing/2014/main" id="{A34C498C-846F-BF4F-9986-8D31FF6CE521}"/>
+                <a16:creationId xmlns:a16="http://schemas.microsoft.com/office/drawing/2014/main" id="{3C86F914-DDA2-CB4A-B6B9-3FEFA18FDE8C}"/>
               </a:ext>
             </a:extLst>
           </p:cNvPr>
@@ -3613,10 +3619,9 @@
           <a:lstStyle/>
           <a:p>
             <a:r>
-              <a:rPr lang="en-GB" dirty="0"/>
-              <a:t>Incompleteness</a:t>
-            </a:r>
-            <a:endParaRPr lang="en-NL" dirty="0"/>
+              <a:rPr lang="en-NL" dirty="0"/>
+              <a:t>Software 0 -&gt; 1.X -&gt; 2.0</a:t>
+            </a:r>
           </a:p>
         </p:txBody>
       </p:sp>
@@ -3625,7 +3630,7 @@
           <p:cNvPr id="3" name="Content Placeholder 2">
             <a:extLst>
               <a:ext uri="{FF2B5EF4-FFF2-40B4-BE49-F238E27FC236}">
-                <a16:creationId xmlns:a16="http://schemas.microsoft.com/office/drawing/2014/main" id="{5443F6DD-4851-C14D-B47B-89B25DB743B6}"/>
+                <a16:creationId xmlns:a16="http://schemas.microsoft.com/office/drawing/2014/main" id="{07408C6F-FD88-E54E-8268-A88990674831}"/>
               </a:ext>
             </a:extLst>
           </p:cNvPr>
@@ -3648,7 +3653,7 @@
     </p:spTree>
     <p:extLst>
       <p:ext uri="{BB962C8B-B14F-4D97-AF65-F5344CB8AC3E}">
-        <p14:creationId xmlns:p14="http://schemas.microsoft.com/office/powerpoint/2010/main" val="2642275506"/>
+        <p14:creationId xmlns:p14="http://schemas.microsoft.com/office/powerpoint/2010/main" val="4049905856"/>
       </p:ext>
     </p:extLst>
   </p:cSld>

--- a/presentation/Presentation1.pptx
+++ b/presentation/Presentation1.pptx
@@ -6,8 +6,10 @@
   </p:sldMasterIdLst>
   <p:sldIdLst>
     <p:sldId id="256" r:id="rId2"/>
-    <p:sldId id="258" r:id="rId3"/>
+    <p:sldId id="259" r:id="rId3"/>
     <p:sldId id="257" r:id="rId4"/>
+    <p:sldId id="260" r:id="rId5"/>
+    <p:sldId id="258" r:id="rId6"/>
   </p:sldIdLst>
   <p:sldSz cx="12192000" cy="6858000"/>
   <p:notesSz cx="6858000" cy="9144000"/>
@@ -263,7 +265,7 @@
           <a:p>
             <a:fld id="{BA6C9D77-8464-2246-AD90-410A3606C8B0}" type="datetimeFigureOut">
               <a:rPr lang="en-NL" smtClean="0"/>
-              <a:t>23/12/2020</a:t>
+              <a:t>24/12/2020</a:t>
             </a:fld>
             <a:endParaRPr lang="en-NL"/>
           </a:p>
@@ -463,7 +465,7 @@
           <a:p>
             <a:fld id="{BA6C9D77-8464-2246-AD90-410A3606C8B0}" type="datetimeFigureOut">
               <a:rPr lang="en-NL" smtClean="0"/>
-              <a:t>23/12/2020</a:t>
+              <a:t>24/12/2020</a:t>
             </a:fld>
             <a:endParaRPr lang="en-NL"/>
           </a:p>
@@ -673,7 +675,7 @@
           <a:p>
             <a:fld id="{BA6C9D77-8464-2246-AD90-410A3606C8B0}" type="datetimeFigureOut">
               <a:rPr lang="en-NL" smtClean="0"/>
-              <a:t>23/12/2020</a:t>
+              <a:t>24/12/2020</a:t>
             </a:fld>
             <a:endParaRPr lang="en-NL"/>
           </a:p>
@@ -873,7 +875,7 @@
           <a:p>
             <a:fld id="{BA6C9D77-8464-2246-AD90-410A3606C8B0}" type="datetimeFigureOut">
               <a:rPr lang="en-NL" smtClean="0"/>
-              <a:t>23/12/2020</a:t>
+              <a:t>24/12/2020</a:t>
             </a:fld>
             <a:endParaRPr lang="en-NL"/>
           </a:p>
@@ -1149,7 +1151,7 @@
           <a:p>
             <a:fld id="{BA6C9D77-8464-2246-AD90-410A3606C8B0}" type="datetimeFigureOut">
               <a:rPr lang="en-NL" smtClean="0"/>
-              <a:t>23/12/2020</a:t>
+              <a:t>24/12/2020</a:t>
             </a:fld>
             <a:endParaRPr lang="en-NL"/>
           </a:p>
@@ -1417,7 +1419,7 @@
           <a:p>
             <a:fld id="{BA6C9D77-8464-2246-AD90-410A3606C8B0}" type="datetimeFigureOut">
               <a:rPr lang="en-NL" smtClean="0"/>
-              <a:t>23/12/2020</a:t>
+              <a:t>24/12/2020</a:t>
             </a:fld>
             <a:endParaRPr lang="en-NL"/>
           </a:p>
@@ -1832,7 +1834,7 @@
           <a:p>
             <a:fld id="{BA6C9D77-8464-2246-AD90-410A3606C8B0}" type="datetimeFigureOut">
               <a:rPr lang="en-NL" smtClean="0"/>
-              <a:t>23/12/2020</a:t>
+              <a:t>24/12/2020</a:t>
             </a:fld>
             <a:endParaRPr lang="en-NL"/>
           </a:p>
@@ -1974,7 +1976,7 @@
           <a:p>
             <a:fld id="{BA6C9D77-8464-2246-AD90-410A3606C8B0}" type="datetimeFigureOut">
               <a:rPr lang="en-NL" smtClean="0"/>
-              <a:t>23/12/2020</a:t>
+              <a:t>24/12/2020</a:t>
             </a:fld>
             <a:endParaRPr lang="en-NL"/>
           </a:p>
@@ -2087,7 +2089,7 @@
           <a:p>
             <a:fld id="{BA6C9D77-8464-2246-AD90-410A3606C8B0}" type="datetimeFigureOut">
               <a:rPr lang="en-NL" smtClean="0"/>
-              <a:t>23/12/2020</a:t>
+              <a:t>24/12/2020</a:t>
             </a:fld>
             <a:endParaRPr lang="en-NL"/>
           </a:p>
@@ -2400,7 +2402,7 @@
           <a:p>
             <a:fld id="{BA6C9D77-8464-2246-AD90-410A3606C8B0}" type="datetimeFigureOut">
               <a:rPr lang="en-NL" smtClean="0"/>
-              <a:t>23/12/2020</a:t>
+              <a:t>24/12/2020</a:t>
             </a:fld>
             <a:endParaRPr lang="en-NL"/>
           </a:p>
@@ -2689,7 +2691,7 @@
           <a:p>
             <a:fld id="{BA6C9D77-8464-2246-AD90-410A3606C8B0}" type="datetimeFigureOut">
               <a:rPr lang="en-NL" smtClean="0"/>
-              <a:t>23/12/2020</a:t>
+              <a:t>24/12/2020</a:t>
             </a:fld>
             <a:endParaRPr lang="en-NL"/>
           </a:p>
@@ -2932,7 +2934,7 @@
           <a:p>
             <a:fld id="{BA6C9D77-8464-2246-AD90-410A3606C8B0}" type="datetimeFigureOut">
               <a:rPr lang="en-NL" smtClean="0"/>
-              <a:t>23/12/2020</a:t>
+              <a:t>24/12/2020</a:t>
             </a:fld>
             <a:endParaRPr lang="en-NL"/>
           </a:p>
@@ -3499,6 +3501,14 @@
 <file path=ppt/slides/slide2.xml><?xml version="1.0" encoding="utf-8"?>
 <p:sld xmlns:a="http://schemas.openxmlformats.org/drawingml/2006/main" xmlns:r="http://schemas.openxmlformats.org/officeDocument/2006/relationships" xmlns:p="http://schemas.openxmlformats.org/presentationml/2006/main">
   <p:cSld>
+    <p:bg>
+      <p:bgPr>
+        <a:solidFill>
+          <a:schemeClr val="bg1"/>
+        </a:solidFill>
+        <a:effectLst/>
+      </p:bgPr>
+    </p:bg>
     <p:spTree>
       <p:nvGrpSpPr>
         <p:cNvPr id="1" name=""/>
@@ -3513,12 +3523,103 @@
           <a:chExt cx="0" cy="0"/>
         </a:xfrm>
       </p:grpSpPr>
+      <p:sp useBgFill="1">
+        <p:nvSpPr>
+          <p:cNvPr id="15" name="Rectangle 14">
+            <a:extLst>
+              <a:ext uri="{FF2B5EF4-FFF2-40B4-BE49-F238E27FC236}">
+                <a16:creationId xmlns:a16="http://schemas.microsoft.com/office/drawing/2014/main" id="{657F69E0-C4B0-4BEC-A689-4F8D877F05D4}"/>
+              </a:ext>
+              <a:ext uri="{C183D7F6-B498-43B3-948B-1728B52AA6E4}">
+                <adec:decorative xmlns:adec="http://schemas.microsoft.com/office/drawing/2017/decorative" val="1"/>
+              </a:ext>
+            </a:extLst>
+          </p:cNvPr>
+          <p:cNvSpPr>
+            <a:spLocks noGrp="1" noRot="1" noChangeAspect="1" noMove="1" noResize="1" noEditPoints="1" noAdjustHandles="1" noChangeArrowheads="1" noChangeShapeType="1" noTextEdit="1"/>
+          </p:cNvSpPr>
+          <p:nvPr>
+            <p:extLst>
+              <p:ext uri="{386F3935-93C4-4BCD-93E2-E3B085C9AB24}">
+                <p16:designElem xmlns:p16="http://schemas.microsoft.com/office/powerpoint/2015/main" val="1"/>
+              </p:ext>
+            </p:extLst>
+          </p:nvPr>
+        </p:nvSpPr>
+        <p:spPr>
+          <a:xfrm>
+            <a:off x="0" y="0"/>
+            <a:ext cx="12188952" cy="6858000"/>
+          </a:xfrm>
+          <a:prstGeom prst="rect">
+            <a:avLst/>
+          </a:prstGeom>
+          <a:ln>
+            <a:noFill/>
+          </a:ln>
+        </p:spPr>
+        <p:style>
+          <a:lnRef idx="2">
+            <a:schemeClr val="accent1">
+              <a:shade val="50000"/>
+            </a:schemeClr>
+          </a:lnRef>
+          <a:fillRef idx="1">
+            <a:schemeClr val="accent1"/>
+          </a:fillRef>
+          <a:effectRef idx="0">
+            <a:schemeClr val="accent1"/>
+          </a:effectRef>
+          <a:fontRef idx="minor">
+            <a:schemeClr val="lt1"/>
+          </a:fontRef>
+        </p:style>
+        <p:txBody>
+          <a:bodyPr rtlCol="0" anchor="ctr"/>
+          <a:lstStyle/>
+          <a:p>
+            <a:pPr algn="ctr"/>
+            <a:endParaRPr lang="en-US"/>
+          </a:p>
+        </p:txBody>
+      </p:sp>
+      <p:pic>
+        <p:nvPicPr>
+          <p:cNvPr id="4" name="Picture 3">
+            <a:extLst>
+              <a:ext uri="{FF2B5EF4-FFF2-40B4-BE49-F238E27FC236}">
+                <a16:creationId xmlns:a16="http://schemas.microsoft.com/office/drawing/2014/main" id="{899E9C14-E944-4023-ACEF-2A2161F9EC7F}"/>
+              </a:ext>
+            </a:extLst>
+          </p:cNvPr>
+          <p:cNvPicPr>
+            <a:picLocks noChangeAspect="1"/>
+          </p:cNvPicPr>
+          <p:nvPr/>
+        </p:nvPicPr>
+        <p:blipFill rotWithShape="1">
+          <a:blip r:embed="rId2">
+            <a:alphaModFix amt="50000"/>
+          </a:blip>
+          <a:srcRect t="5632" r="-1" b="4344"/>
+          <a:stretch/>
+        </p:blipFill>
+        <p:spPr>
+          <a:xfrm>
+            <a:off x="20" y="10"/>
+            <a:ext cx="12188930" cy="6857990"/>
+          </a:xfrm>
+          <a:prstGeom prst="rect">
+            <a:avLst/>
+          </a:prstGeom>
+        </p:spPr>
+      </p:pic>
       <p:sp>
         <p:nvSpPr>
           <p:cNvPr id="2" name="Title 1">
             <a:extLst>
               <a:ext uri="{FF2B5EF4-FFF2-40B4-BE49-F238E27FC236}">
-                <a16:creationId xmlns:a16="http://schemas.microsoft.com/office/drawing/2014/main" id="{A34C498C-846F-BF4F-9986-8D31FF6CE521}"/>
+                <a16:creationId xmlns:a16="http://schemas.microsoft.com/office/drawing/2014/main" id="{971AB687-76A6-BD41-94E1-E71150EBE52D}"/>
               </a:ext>
             </a:extLst>
           </p:cNvPr>
@@ -3529,58 +3630,1181 @@
             <p:ph type="title"/>
           </p:nvPr>
         </p:nvSpPr>
-        <p:spPr/>
-        <p:txBody>
-          <a:bodyPr/>
-          <a:lstStyle/>
-          <a:p>
-            <a:r>
-              <a:rPr lang="en-GB" dirty="0"/>
-              <a:t>Incompleteness</a:t>
-            </a:r>
-            <a:endParaRPr lang="en-NL" dirty="0"/>
-          </a:p>
-        </p:txBody>
-      </p:sp>
-      <p:sp>
-        <p:nvSpPr>
-          <p:cNvPr id="3" name="Content Placeholder 2">
-            <a:extLst>
-              <a:ext uri="{FF2B5EF4-FFF2-40B4-BE49-F238E27FC236}">
-                <a16:creationId xmlns:a16="http://schemas.microsoft.com/office/drawing/2014/main" id="{5443F6DD-4851-C14D-B47B-89B25DB743B6}"/>
-              </a:ext>
-            </a:extLst>
-          </p:cNvPr>
-          <p:cNvSpPr>
-            <a:spLocks noGrp="1"/>
-          </p:cNvSpPr>
-          <p:nvPr>
-            <p:ph idx="1"/>
-          </p:nvPr>
-        </p:nvSpPr>
-        <p:spPr/>
-        <p:txBody>
-          <a:bodyPr/>
-          <a:lstStyle/>
-          <a:p>
-            <a:endParaRPr lang="en-NL"/>
+        <p:spPr>
+          <a:xfrm>
+            <a:off x="1524000" y="1122363"/>
+            <a:ext cx="9144000" cy="3063240"/>
+          </a:xfrm>
+        </p:spPr>
+        <p:txBody>
+          <a:bodyPr vert="horz" lIns="91440" tIns="45720" rIns="91440" bIns="45720" rtlCol="0" anchor="b">
+            <a:normAutofit/>
+          </a:bodyPr>
+          <a:lstStyle/>
+          <a:p>
+            <a:pPr algn="ctr"/>
+            <a:r>
+              <a:rPr lang="en-US" sz="6600">
+                <a:solidFill>
+                  <a:srgbClr val="FFFFFF"/>
+                </a:solidFill>
+              </a:rPr>
+              <a:t>How do we encode information into a computer?</a:t>
+            </a:r>
+          </a:p>
+        </p:txBody>
+      </p:sp>
+      <p:sp>
+        <p:nvSpPr>
+          <p:cNvPr id="17" name="sketchy line">
+            <a:extLst>
+              <a:ext uri="{FF2B5EF4-FFF2-40B4-BE49-F238E27FC236}">
+                <a16:creationId xmlns:a16="http://schemas.microsoft.com/office/drawing/2014/main" id="{9F6380B4-6A1C-481E-8408-B4E6C75B9B81}"/>
+              </a:ext>
+              <a:ext uri="{C183D7F6-B498-43B3-948B-1728B52AA6E4}">
+                <adec:decorative xmlns:adec="http://schemas.microsoft.com/office/drawing/2017/decorative" val="1"/>
+              </a:ext>
+            </a:extLst>
+          </p:cNvPr>
+          <p:cNvSpPr>
+            <a:spLocks noGrp="1" noRot="1" noChangeAspect="1" noMove="1" noResize="1" noEditPoints="1" noAdjustHandles="1" noChangeArrowheads="1" noChangeShapeType="1" noTextEdit="1"/>
+          </p:cNvSpPr>
+          <p:nvPr>
+            <p:extLst>
+              <p:ext uri="{386F3935-93C4-4BCD-93E2-E3B085C9AB24}">
+                <p16:designElem xmlns:p16="http://schemas.microsoft.com/office/powerpoint/2015/main" val="1"/>
+              </p:ext>
+            </p:extLst>
+          </p:nvPr>
+        </p:nvSpPr>
+        <p:spPr>
+          <a:xfrm>
+            <a:off x="3974206" y="4368623"/>
+            <a:ext cx="4243589" cy="18288"/>
+          </a:xfrm>
+          <a:custGeom>
+            <a:avLst/>
+            <a:gdLst>
+              <a:gd name="connsiteX0" fmla="*/ 0 w 4243589"/>
+              <a:gd name="connsiteY0" fmla="*/ 0 h 18288"/>
+              <a:gd name="connsiteX1" fmla="*/ 478919 w 4243589"/>
+              <a:gd name="connsiteY1" fmla="*/ 0 h 18288"/>
+              <a:gd name="connsiteX2" fmla="*/ 957839 w 4243589"/>
+              <a:gd name="connsiteY2" fmla="*/ 0 h 18288"/>
+              <a:gd name="connsiteX3" fmla="*/ 1521630 w 4243589"/>
+              <a:gd name="connsiteY3" fmla="*/ 0 h 18288"/>
+              <a:gd name="connsiteX4" fmla="*/ 2212729 w 4243589"/>
+              <a:gd name="connsiteY4" fmla="*/ 0 h 18288"/>
+              <a:gd name="connsiteX5" fmla="*/ 2734084 w 4243589"/>
+              <a:gd name="connsiteY5" fmla="*/ 0 h 18288"/>
+              <a:gd name="connsiteX6" fmla="*/ 3255439 w 4243589"/>
+              <a:gd name="connsiteY6" fmla="*/ 0 h 18288"/>
+              <a:gd name="connsiteX7" fmla="*/ 4243589 w 4243589"/>
+              <a:gd name="connsiteY7" fmla="*/ 0 h 18288"/>
+              <a:gd name="connsiteX8" fmla="*/ 4243589 w 4243589"/>
+              <a:gd name="connsiteY8" fmla="*/ 18288 h 18288"/>
+              <a:gd name="connsiteX9" fmla="*/ 3594926 w 4243589"/>
+              <a:gd name="connsiteY9" fmla="*/ 18288 h 18288"/>
+              <a:gd name="connsiteX10" fmla="*/ 3073571 w 4243589"/>
+              <a:gd name="connsiteY10" fmla="*/ 18288 h 18288"/>
+              <a:gd name="connsiteX11" fmla="*/ 2552216 w 4243589"/>
+              <a:gd name="connsiteY11" fmla="*/ 18288 h 18288"/>
+              <a:gd name="connsiteX12" fmla="*/ 1903553 w 4243589"/>
+              <a:gd name="connsiteY12" fmla="*/ 18288 h 18288"/>
+              <a:gd name="connsiteX13" fmla="*/ 1212454 w 4243589"/>
+              <a:gd name="connsiteY13" fmla="*/ 18288 h 18288"/>
+              <a:gd name="connsiteX14" fmla="*/ 733535 w 4243589"/>
+              <a:gd name="connsiteY14" fmla="*/ 18288 h 18288"/>
+              <a:gd name="connsiteX15" fmla="*/ 0 w 4243589"/>
+              <a:gd name="connsiteY15" fmla="*/ 18288 h 18288"/>
+              <a:gd name="connsiteX16" fmla="*/ 0 w 4243589"/>
+              <a:gd name="connsiteY16" fmla="*/ 0 h 18288"/>
+            </a:gdLst>
+            <a:ahLst/>
+            <a:cxnLst>
+              <a:cxn ang="0">
+                <a:pos x="connsiteX0" y="connsiteY0"/>
+              </a:cxn>
+              <a:cxn ang="0">
+                <a:pos x="connsiteX1" y="connsiteY1"/>
+              </a:cxn>
+              <a:cxn ang="0">
+                <a:pos x="connsiteX2" y="connsiteY2"/>
+              </a:cxn>
+              <a:cxn ang="0">
+                <a:pos x="connsiteX3" y="connsiteY3"/>
+              </a:cxn>
+              <a:cxn ang="0">
+                <a:pos x="connsiteX4" y="connsiteY4"/>
+              </a:cxn>
+              <a:cxn ang="0">
+                <a:pos x="connsiteX5" y="connsiteY5"/>
+              </a:cxn>
+              <a:cxn ang="0">
+                <a:pos x="connsiteX6" y="connsiteY6"/>
+              </a:cxn>
+              <a:cxn ang="0">
+                <a:pos x="connsiteX7" y="connsiteY7"/>
+              </a:cxn>
+              <a:cxn ang="0">
+                <a:pos x="connsiteX8" y="connsiteY8"/>
+              </a:cxn>
+              <a:cxn ang="0">
+                <a:pos x="connsiteX9" y="connsiteY9"/>
+              </a:cxn>
+              <a:cxn ang="0">
+                <a:pos x="connsiteX10" y="connsiteY10"/>
+              </a:cxn>
+              <a:cxn ang="0">
+                <a:pos x="connsiteX11" y="connsiteY11"/>
+              </a:cxn>
+              <a:cxn ang="0">
+                <a:pos x="connsiteX12" y="connsiteY12"/>
+              </a:cxn>
+              <a:cxn ang="0">
+                <a:pos x="connsiteX13" y="connsiteY13"/>
+              </a:cxn>
+              <a:cxn ang="0">
+                <a:pos x="connsiteX14" y="connsiteY14"/>
+              </a:cxn>
+              <a:cxn ang="0">
+                <a:pos x="connsiteX15" y="connsiteY15"/>
+              </a:cxn>
+              <a:cxn ang="0">
+                <a:pos x="connsiteX16" y="connsiteY16"/>
+              </a:cxn>
+            </a:cxnLst>
+            <a:rect l="l" t="t" r="r" b="b"/>
+            <a:pathLst>
+              <a:path w="4243589" h="18288" fill="none" extrusionOk="0">
+                <a:moveTo>
+                  <a:pt x="0" y="0"/>
+                </a:moveTo>
+                <a:cubicBezTo>
+                  <a:pt x="213395" y="-21006"/>
+                  <a:pt x="307421" y="-18116"/>
+                  <a:pt x="478919" y="0"/>
+                </a:cubicBezTo>
+                <a:cubicBezTo>
+                  <a:pt x="650417" y="18116"/>
+                  <a:pt x="831092" y="-21237"/>
+                  <a:pt x="957839" y="0"/>
+                </a:cubicBezTo>
+                <a:cubicBezTo>
+                  <a:pt x="1084586" y="21237"/>
+                  <a:pt x="1301682" y="25124"/>
+                  <a:pt x="1521630" y="0"/>
+                </a:cubicBezTo>
+                <a:cubicBezTo>
+                  <a:pt x="1741578" y="-25124"/>
+                  <a:pt x="1970269" y="-29139"/>
+                  <a:pt x="2212729" y="0"/>
+                </a:cubicBezTo>
+                <a:cubicBezTo>
+                  <a:pt x="2455189" y="29139"/>
+                  <a:pt x="2558847" y="-4796"/>
+                  <a:pt x="2734084" y="0"/>
+                </a:cubicBezTo>
+                <a:cubicBezTo>
+                  <a:pt x="2909321" y="4796"/>
+                  <a:pt x="3097217" y="-13409"/>
+                  <a:pt x="3255439" y="0"/>
+                </a:cubicBezTo>
+                <a:cubicBezTo>
+                  <a:pt x="3413662" y="13409"/>
+                  <a:pt x="3979999" y="-10121"/>
+                  <a:pt x="4243589" y="0"/>
+                </a:cubicBezTo>
+                <a:cubicBezTo>
+                  <a:pt x="4244484" y="8974"/>
+                  <a:pt x="4243043" y="9359"/>
+                  <a:pt x="4243589" y="18288"/>
+                </a:cubicBezTo>
+                <a:cubicBezTo>
+                  <a:pt x="4058777" y="31246"/>
+                  <a:pt x="3910348" y="3158"/>
+                  <a:pt x="3594926" y="18288"/>
+                </a:cubicBezTo>
+                <a:cubicBezTo>
+                  <a:pt x="3279504" y="33418"/>
+                  <a:pt x="3319955" y="-3977"/>
+                  <a:pt x="3073571" y="18288"/>
+                </a:cubicBezTo>
+                <a:cubicBezTo>
+                  <a:pt x="2827187" y="40553"/>
+                  <a:pt x="2767387" y="1863"/>
+                  <a:pt x="2552216" y="18288"/>
+                </a:cubicBezTo>
+                <a:cubicBezTo>
+                  <a:pt x="2337046" y="34713"/>
+                  <a:pt x="2181871" y="19527"/>
+                  <a:pt x="1903553" y="18288"/>
+                </a:cubicBezTo>
+                <a:cubicBezTo>
+                  <a:pt x="1625235" y="17049"/>
+                  <a:pt x="1557672" y="24174"/>
+                  <a:pt x="1212454" y="18288"/>
+                </a:cubicBezTo>
+                <a:cubicBezTo>
+                  <a:pt x="867236" y="12402"/>
+                  <a:pt x="874382" y="15627"/>
+                  <a:pt x="733535" y="18288"/>
+                </a:cubicBezTo>
+                <a:cubicBezTo>
+                  <a:pt x="592688" y="20949"/>
+                  <a:pt x="183477" y="14753"/>
+                  <a:pt x="0" y="18288"/>
+                </a:cubicBezTo>
+                <a:cubicBezTo>
+                  <a:pt x="-229" y="14222"/>
+                  <a:pt x="509" y="5816"/>
+                  <a:pt x="0" y="0"/>
+                </a:cubicBezTo>
+                <a:close/>
+              </a:path>
+              <a:path w="4243589" h="18288" stroke="0" extrusionOk="0">
+                <a:moveTo>
+                  <a:pt x="0" y="0"/>
+                </a:moveTo>
+                <a:cubicBezTo>
+                  <a:pt x="143690" y="16630"/>
+                  <a:pt x="266667" y="14847"/>
+                  <a:pt x="521355" y="0"/>
+                </a:cubicBezTo>
+                <a:cubicBezTo>
+                  <a:pt x="776043" y="-14847"/>
+                  <a:pt x="814491" y="-17363"/>
+                  <a:pt x="1000275" y="0"/>
+                </a:cubicBezTo>
+                <a:cubicBezTo>
+                  <a:pt x="1186059" y="17363"/>
+                  <a:pt x="1352504" y="-23507"/>
+                  <a:pt x="1521630" y="0"/>
+                </a:cubicBezTo>
+                <a:cubicBezTo>
+                  <a:pt x="1690756" y="23507"/>
+                  <a:pt x="1889525" y="5871"/>
+                  <a:pt x="2127857" y="0"/>
+                </a:cubicBezTo>
+                <a:cubicBezTo>
+                  <a:pt x="2366189" y="-5871"/>
+                  <a:pt x="2620628" y="-27997"/>
+                  <a:pt x="2776520" y="0"/>
+                </a:cubicBezTo>
+                <a:cubicBezTo>
+                  <a:pt x="2932412" y="27997"/>
+                  <a:pt x="3131683" y="-25073"/>
+                  <a:pt x="3467618" y="0"/>
+                </a:cubicBezTo>
+                <a:cubicBezTo>
+                  <a:pt x="3803553" y="25073"/>
+                  <a:pt x="4017371" y="3071"/>
+                  <a:pt x="4243589" y="0"/>
+                </a:cubicBezTo>
+                <a:cubicBezTo>
+                  <a:pt x="4243134" y="6162"/>
+                  <a:pt x="4243492" y="11775"/>
+                  <a:pt x="4243589" y="18288"/>
+                </a:cubicBezTo>
+                <a:cubicBezTo>
+                  <a:pt x="4017834" y="-5779"/>
+                  <a:pt x="3834586" y="13376"/>
+                  <a:pt x="3594926" y="18288"/>
+                </a:cubicBezTo>
+                <a:cubicBezTo>
+                  <a:pt x="3355266" y="23200"/>
+                  <a:pt x="3204179" y="2869"/>
+                  <a:pt x="2903827" y="18288"/>
+                </a:cubicBezTo>
+                <a:cubicBezTo>
+                  <a:pt x="2603475" y="33707"/>
+                  <a:pt x="2526187" y="46187"/>
+                  <a:pt x="2212729" y="18288"/>
+                </a:cubicBezTo>
+                <a:cubicBezTo>
+                  <a:pt x="1899271" y="-9611"/>
+                  <a:pt x="1966289" y="29692"/>
+                  <a:pt x="1733809" y="18288"/>
+                </a:cubicBezTo>
+                <a:cubicBezTo>
+                  <a:pt x="1501329" y="6884"/>
+                  <a:pt x="1343612" y="12492"/>
+                  <a:pt x="1085146" y="18288"/>
+                </a:cubicBezTo>
+                <a:cubicBezTo>
+                  <a:pt x="826680" y="24084"/>
+                  <a:pt x="778184" y="35607"/>
+                  <a:pt x="521355" y="18288"/>
+                </a:cubicBezTo>
+                <a:cubicBezTo>
+                  <a:pt x="264526" y="969"/>
+                  <a:pt x="120277" y="4268"/>
+                  <a:pt x="0" y="18288"/>
+                </a:cubicBezTo>
+                <a:cubicBezTo>
+                  <a:pt x="766" y="10800"/>
+                  <a:pt x="-457" y="8180"/>
+                  <a:pt x="0" y="0"/>
+                </a:cubicBezTo>
+                <a:close/>
+              </a:path>
+            </a:pathLst>
+          </a:custGeom>
+          <a:solidFill>
+            <a:srgbClr val="FFFFFF">
+              <a:alpha val="75000"/>
+            </a:srgbClr>
+          </a:solidFill>
+          <a:ln w="44450" cap="rnd">
+            <a:solidFill>
+              <a:srgbClr val="FFFFFF">
+                <a:alpha val="75000"/>
+              </a:srgbClr>
+            </a:solidFill>
+            <a:round/>
+            <a:extLst>
+              <a:ext uri="{C807C97D-BFC1-408E-A445-0C87EB9F89A2}">
+                <ask:lineSketchStyleProps xmlns:ask="http://schemas.microsoft.com/office/drawing/2018/sketchyshapes" sd="2727557108">
+                  <a:prstGeom prst="rect">
+                    <a:avLst/>
+                  </a:prstGeom>
+                  <ask:type>
+                    <ask:lineSketchFreehand/>
+                  </ask:type>
+                </ask:lineSketchStyleProps>
+              </a:ext>
+            </a:extLst>
+          </a:ln>
+        </p:spPr>
+        <p:style>
+          <a:lnRef idx="2">
+            <a:schemeClr val="accent1">
+              <a:shade val="50000"/>
+            </a:schemeClr>
+          </a:lnRef>
+          <a:fillRef idx="1">
+            <a:schemeClr val="accent1"/>
+          </a:fillRef>
+          <a:effectRef idx="0">
+            <a:schemeClr val="accent1"/>
+          </a:effectRef>
+          <a:fontRef idx="minor">
+            <a:schemeClr val="lt1"/>
+          </a:fontRef>
+        </p:style>
+        <p:txBody>
+          <a:bodyPr rtlCol="0" anchor="ctr"/>
+          <a:lstStyle/>
+          <a:p>
+            <a:pPr algn="ctr"/>
+            <a:endParaRPr lang="en-US"/>
           </a:p>
         </p:txBody>
       </p:sp>
     </p:spTree>
     <p:extLst>
       <p:ext uri="{BB962C8B-B14F-4D97-AF65-F5344CB8AC3E}">
-        <p14:creationId xmlns:p14="http://schemas.microsoft.com/office/powerpoint/2010/main" val="2642275506"/>
+        <p14:creationId xmlns:p14="http://schemas.microsoft.com/office/powerpoint/2010/main" val="4216553839"/>
       </p:ext>
     </p:extLst>
   </p:cSld>
   <p:clrMapOvr>
-    <a:masterClrMapping/>
+    <a:overrideClrMapping bg1="dk1" tx1="lt1" bg2="dk2" tx2="lt2" accent1="accent1" accent2="accent2" accent3="accent3" accent4="accent4" accent5="accent5" accent6="accent6" hlink="hlink" folHlink="folHlink"/>
   </p:clrMapOvr>
 </p:sld>
 </file>
 
 <file path=ppt/slides/slide3.xml><?xml version="1.0" encoding="utf-8"?>
+<p:sld xmlns:a="http://schemas.openxmlformats.org/drawingml/2006/main" xmlns:r="http://schemas.openxmlformats.org/officeDocument/2006/relationships" xmlns:p="http://schemas.openxmlformats.org/presentationml/2006/main">
+  <p:cSld>
+    <p:bg>
+      <p:bgPr>
+        <a:solidFill>
+          <a:schemeClr val="bg1">
+            <a:tint val="95000"/>
+            <a:satMod val="170000"/>
+          </a:schemeClr>
+        </a:solidFill>
+        <a:effectLst/>
+      </p:bgPr>
+    </p:bg>
+    <p:spTree>
+      <p:nvGrpSpPr>
+        <p:cNvPr id="1" name=""/>
+        <p:cNvGrpSpPr/>
+        <p:nvPr/>
+      </p:nvGrpSpPr>
+      <p:grpSpPr>
+        <a:xfrm>
+          <a:off x="0" y="0"/>
+          <a:ext cx="0" cy="0"/>
+          <a:chOff x="0" y="0"/>
+          <a:chExt cx="0" cy="0"/>
+        </a:xfrm>
+      </p:grpSpPr>
+      <p:sp>
+        <p:nvSpPr>
+          <p:cNvPr id="2" name="Title 1">
+            <a:extLst>
+              <a:ext uri="{FF2B5EF4-FFF2-40B4-BE49-F238E27FC236}">
+                <a16:creationId xmlns:a16="http://schemas.microsoft.com/office/drawing/2014/main" id="{3C86F914-DDA2-CB4A-B6B9-3FEFA18FDE8C}"/>
+              </a:ext>
+            </a:extLst>
+          </p:cNvPr>
+          <p:cNvSpPr>
+            <a:spLocks noGrp="1"/>
+          </p:cNvSpPr>
+          <p:nvPr>
+            <p:ph type="title"/>
+          </p:nvPr>
+        </p:nvSpPr>
+        <p:spPr>
+          <a:xfrm>
+            <a:off x="714756" y="4498848"/>
+            <a:ext cx="10762488" cy="1207008"/>
+          </a:xfrm>
+        </p:spPr>
+        <p:txBody>
+          <a:bodyPr vert="horz" lIns="91440" tIns="45720" rIns="91440" bIns="45720" rtlCol="0" anchor="b">
+            <a:normAutofit/>
+          </a:bodyPr>
+          <a:lstStyle/>
+          <a:p>
+            <a:pPr algn="ctr"/>
+            <a:r>
+              <a:rPr lang="en-US" sz="6000" kern="1200">
+                <a:solidFill>
+                  <a:schemeClr val="tx1"/>
+                </a:solidFill>
+                <a:latin typeface="+mj-lt"/>
+                <a:ea typeface="+mj-ea"/>
+                <a:cs typeface="+mj-cs"/>
+              </a:rPr>
+              <a:t>Software 1.0</a:t>
+            </a:r>
+          </a:p>
+        </p:txBody>
+      </p:sp>
+      <p:sp>
+        <p:nvSpPr>
+          <p:cNvPr id="3" name="Content Placeholder 2">
+            <a:extLst>
+              <a:ext uri="{FF2B5EF4-FFF2-40B4-BE49-F238E27FC236}">
+                <a16:creationId xmlns:a16="http://schemas.microsoft.com/office/drawing/2014/main" id="{07408C6F-FD88-E54E-8268-A88990674831}"/>
+              </a:ext>
+            </a:extLst>
+          </p:cNvPr>
+          <p:cNvSpPr>
+            <a:spLocks noGrp="1"/>
+          </p:cNvSpPr>
+          <p:nvPr>
+            <p:ph idx="1"/>
+          </p:nvPr>
+        </p:nvSpPr>
+        <p:spPr>
+          <a:xfrm>
+            <a:off x="1382268" y="5669280"/>
+            <a:ext cx="9427464" cy="722376"/>
+          </a:xfrm>
+        </p:spPr>
+        <p:txBody>
+          <a:bodyPr vert="horz" lIns="91440" tIns="45720" rIns="91440" bIns="45720" rtlCol="0">
+            <a:normAutofit/>
+          </a:bodyPr>
+          <a:lstStyle/>
+          <a:p>
+            <a:pPr marL="0" indent="0" algn="ctr">
+              <a:buNone/>
+            </a:pPr>
+            <a:r>
+              <a:rPr lang="en-US" sz="2400" kern="1200">
+                <a:solidFill>
+                  <a:schemeClr val="tx1"/>
+                </a:solidFill>
+                <a:latin typeface="+mn-lt"/>
+                <a:ea typeface="+mn-ea"/>
+                <a:cs typeface="+mn-cs"/>
+              </a:rPr>
+              <a:t>Tic-Tac Toe</a:t>
+            </a:r>
+          </a:p>
+        </p:txBody>
+      </p:sp>
+      <p:pic>
+        <p:nvPicPr>
+          <p:cNvPr id="1028" name="Picture 4" descr="Tic-tac-toe maps with diagrams | blog :: Brent -&gt; [String]">
+            <a:extLst>
+              <a:ext uri="{FF2B5EF4-FFF2-40B4-BE49-F238E27FC236}">
+                <a16:creationId xmlns:a16="http://schemas.microsoft.com/office/drawing/2014/main" id="{37971828-55FE-3D4F-901A-DD2AD5849C99}"/>
+              </a:ext>
+            </a:extLst>
+          </p:cNvPr>
+          <p:cNvPicPr>
+            <a:picLocks noChangeAspect="1" noChangeArrowheads="1"/>
+          </p:cNvPicPr>
+          <p:nvPr/>
+        </p:nvPicPr>
+        <p:blipFill rotWithShape="1">
+          <a:blip r:embed="rId2">
+            <a:extLst>
+              <a:ext uri="{28A0092B-C50C-407E-A947-70E740481C1C}">
+                <a14:useLocalDpi xmlns:a14="http://schemas.microsoft.com/office/drawing/2010/main" val="0"/>
+              </a:ext>
+            </a:extLst>
+          </a:blip>
+          <a:srcRect t="23705" r="-2" b="2294"/>
+          <a:stretch/>
+        </p:blipFill>
+        <p:spPr bwMode="auto">
+          <a:xfrm>
+            <a:off x="609600" y="320749"/>
+            <a:ext cx="5212080" cy="3856948"/>
+          </a:xfrm>
+          <a:prstGeom prst="rect">
+            <a:avLst/>
+          </a:prstGeom>
+          <a:noFill/>
+          <a:extLst>
+            <a:ext uri="{909E8E84-426E-40DD-AFC4-6F175D3DCCD1}">
+              <a14:hiddenFill xmlns:a14="http://schemas.microsoft.com/office/drawing/2010/main">
+                <a:solidFill>
+                  <a:srgbClr val="FFFFFF"/>
+                </a:solidFill>
+              </a14:hiddenFill>
+            </a:ext>
+          </a:extLst>
+        </p:spPr>
+      </p:pic>
+      <p:cxnSp>
+        <p:nvCxnSpPr>
+          <p:cNvPr id="73" name="Straight Connector 72">
+            <a:extLst>
+              <a:ext uri="{FF2B5EF4-FFF2-40B4-BE49-F238E27FC236}">
+                <a16:creationId xmlns:a16="http://schemas.microsoft.com/office/drawing/2014/main" id="{B6375111-306C-49EA-9DD1-79A2ED78FA30}"/>
+              </a:ext>
+              <a:ext uri="{C183D7F6-B498-43B3-948B-1728B52AA6E4}">
+                <adec:decorative xmlns:adec="http://schemas.microsoft.com/office/drawing/2017/decorative" val="1"/>
+              </a:ext>
+            </a:extLst>
+          </p:cNvPr>
+          <p:cNvCxnSpPr>
+            <a:cxnSpLocks noGrp="1" noRot="1" noChangeAspect="1" noMove="1" noResize="1" noEditPoints="1" noAdjustHandles="1" noChangeArrowheads="1" noChangeShapeType="1"/>
+          </p:cNvCxnSpPr>
+          <p:nvPr>
+            <p:extLst>
+              <p:ext uri="{386F3935-93C4-4BCD-93E2-E3B085C9AB24}">
+                <p16:designElem xmlns:p16="http://schemas.microsoft.com/office/powerpoint/2015/main" val="1"/>
+              </p:ext>
+            </p:extLst>
+          </p:nvPr>
+        </p:nvCxnSpPr>
+        <p:spPr>
+          <a:xfrm>
+            <a:off x="6096000" y="1251845"/>
+            <a:ext cx="0" cy="2120900"/>
+          </a:xfrm>
+          <a:prstGeom prst="line">
+            <a:avLst/>
+          </a:prstGeom>
+          <a:ln w="19050">
+            <a:solidFill>
+              <a:schemeClr val="tx1">
+                <a:lumMod val="85000"/>
+                <a:lumOff val="15000"/>
+              </a:schemeClr>
+            </a:solidFill>
+          </a:ln>
+        </p:spPr>
+        <p:style>
+          <a:lnRef idx="1">
+            <a:schemeClr val="accent1"/>
+          </a:lnRef>
+          <a:fillRef idx="0">
+            <a:schemeClr val="accent1"/>
+          </a:fillRef>
+          <a:effectRef idx="0">
+            <a:schemeClr val="accent1"/>
+          </a:effectRef>
+          <a:fontRef idx="minor">
+            <a:schemeClr val="tx1"/>
+          </a:fontRef>
+        </p:style>
+      </p:cxnSp>
+      <p:pic>
+        <p:nvPicPr>
+          <p:cNvPr id="1026" name="Picture 2" descr="Minimax Algorithm in Game Theory | Set 3 (Tic-Tac-Toe AI - Finding optimal  move) - GeeksforGeeks">
+            <a:extLst>
+              <a:ext uri="{FF2B5EF4-FFF2-40B4-BE49-F238E27FC236}">
+                <a16:creationId xmlns:a16="http://schemas.microsoft.com/office/drawing/2014/main" id="{9B0C6EC0-E39D-9B4B-B809-FB824E482E4A}"/>
+              </a:ext>
+            </a:extLst>
+          </p:cNvPr>
+          <p:cNvPicPr>
+            <a:picLocks noChangeAspect="1" noChangeArrowheads="1"/>
+          </p:cNvPicPr>
+          <p:nvPr/>
+        </p:nvPicPr>
+        <p:blipFill rotWithShape="1">
+          <a:blip r:embed="rId3">
+            <a:extLst>
+              <a:ext uri="{28A0092B-C50C-407E-A947-70E740481C1C}">
+                <a14:useLocalDpi xmlns:a14="http://schemas.microsoft.com/office/drawing/2010/main" val="0"/>
+              </a:ext>
+            </a:extLst>
+          </a:blip>
+          <a:srcRect r="5421"/>
+          <a:stretch/>
+        </p:blipFill>
+        <p:spPr bwMode="auto">
+          <a:xfrm>
+            <a:off x="6370320" y="320109"/>
+            <a:ext cx="5212080" cy="3857568"/>
+          </a:xfrm>
+          <a:prstGeom prst="rect">
+            <a:avLst/>
+          </a:prstGeom>
+          <a:noFill/>
+          <a:extLst>
+            <a:ext uri="{909E8E84-426E-40DD-AFC4-6F175D3DCCD1}">
+              <a14:hiddenFill xmlns:a14="http://schemas.microsoft.com/office/drawing/2010/main">
+                <a:solidFill>
+                  <a:srgbClr val="FFFFFF"/>
+                </a:solidFill>
+              </a14:hiddenFill>
+            </a:ext>
+          </a:extLst>
+        </p:spPr>
+      </p:pic>
+    </p:spTree>
+    <p:extLst>
+      <p:ext uri="{BB962C8B-B14F-4D97-AF65-F5344CB8AC3E}">
+        <p14:creationId xmlns:p14="http://schemas.microsoft.com/office/powerpoint/2010/main" val="4049905856"/>
+      </p:ext>
+    </p:extLst>
+  </p:cSld>
+  <p:clrMapOvr>
+    <a:overrideClrMapping bg1="dk1" tx1="lt1" bg2="dk2" tx2="lt2" accent1="accent1" accent2="accent2" accent3="accent3" accent4="accent4" accent5="accent5" accent6="accent6" hlink="hlink" folHlink="folHlink"/>
+  </p:clrMapOvr>
+</p:sld>
+</file>
+
+<file path=ppt/slides/slide4.xml><?xml version="1.0" encoding="utf-8"?>
+<p:sld xmlns:a="http://schemas.openxmlformats.org/drawingml/2006/main" xmlns:r="http://schemas.openxmlformats.org/officeDocument/2006/relationships" xmlns:p="http://schemas.openxmlformats.org/presentationml/2006/main">
+  <p:cSld>
+    <p:bg>
+      <p:bgPr>
+        <a:solidFill>
+          <a:schemeClr val="bg1"/>
+        </a:solidFill>
+        <a:effectLst/>
+      </p:bgPr>
+    </p:bg>
+    <p:spTree>
+      <p:nvGrpSpPr>
+        <p:cNvPr id="1" name=""/>
+        <p:cNvGrpSpPr/>
+        <p:nvPr/>
+      </p:nvGrpSpPr>
+      <p:grpSpPr>
+        <a:xfrm>
+          <a:off x="0" y="0"/>
+          <a:ext cx="0" cy="0"/>
+          <a:chOff x="0" y="0"/>
+          <a:chExt cx="0" cy="0"/>
+        </a:xfrm>
+      </p:grpSpPr>
+      <p:sp useBgFill="1">
+        <p:nvSpPr>
+          <p:cNvPr id="9" name="Rectangle 8">
+            <a:extLst>
+              <a:ext uri="{FF2B5EF4-FFF2-40B4-BE49-F238E27FC236}">
+                <a16:creationId xmlns:a16="http://schemas.microsoft.com/office/drawing/2014/main" id="{657F69E0-C4B0-4BEC-A689-4F8D877F05D4}"/>
+              </a:ext>
+              <a:ext uri="{C183D7F6-B498-43B3-948B-1728B52AA6E4}">
+                <adec:decorative xmlns:adec="http://schemas.microsoft.com/office/drawing/2017/decorative" val="1"/>
+              </a:ext>
+            </a:extLst>
+          </p:cNvPr>
+          <p:cNvSpPr>
+            <a:spLocks noGrp="1" noRot="1" noChangeAspect="1" noMove="1" noResize="1" noEditPoints="1" noAdjustHandles="1" noChangeArrowheads="1" noChangeShapeType="1" noTextEdit="1"/>
+          </p:cNvSpPr>
+          <p:nvPr>
+            <p:extLst>
+              <p:ext uri="{386F3935-93C4-4BCD-93E2-E3B085C9AB24}">
+                <p16:designElem xmlns:p16="http://schemas.microsoft.com/office/powerpoint/2015/main" val="1"/>
+              </p:ext>
+            </p:extLst>
+          </p:nvPr>
+        </p:nvSpPr>
+        <p:spPr>
+          <a:xfrm>
+            <a:off x="0" y="0"/>
+            <a:ext cx="12188952" cy="6858000"/>
+          </a:xfrm>
+          <a:prstGeom prst="rect">
+            <a:avLst/>
+          </a:prstGeom>
+          <a:ln>
+            <a:noFill/>
+          </a:ln>
+        </p:spPr>
+        <p:style>
+          <a:lnRef idx="2">
+            <a:schemeClr val="accent1">
+              <a:shade val="50000"/>
+            </a:schemeClr>
+          </a:lnRef>
+          <a:fillRef idx="1">
+            <a:schemeClr val="accent1"/>
+          </a:fillRef>
+          <a:effectRef idx="0">
+            <a:schemeClr val="accent1"/>
+          </a:effectRef>
+          <a:fontRef idx="minor">
+            <a:schemeClr val="lt1"/>
+          </a:fontRef>
+        </p:style>
+        <p:txBody>
+          <a:bodyPr rtlCol="0" anchor="ctr"/>
+          <a:lstStyle/>
+          <a:p>
+            <a:pPr algn="ctr"/>
+            <a:endParaRPr lang="en-US"/>
+          </a:p>
+        </p:txBody>
+      </p:sp>
+      <p:pic>
+        <p:nvPicPr>
+          <p:cNvPr id="4" name="Picture 3">
+            <a:extLst>
+              <a:ext uri="{FF2B5EF4-FFF2-40B4-BE49-F238E27FC236}">
+                <a16:creationId xmlns:a16="http://schemas.microsoft.com/office/drawing/2014/main" id="{899E9C14-E944-4023-ACEF-2A2161F9EC7F}"/>
+              </a:ext>
+            </a:extLst>
+          </p:cNvPr>
+          <p:cNvPicPr>
+            <a:picLocks noChangeAspect="1"/>
+          </p:cNvPicPr>
+          <p:nvPr/>
+        </p:nvPicPr>
+        <p:blipFill rotWithShape="1">
+          <a:blip r:embed="rId2">
+            <a:alphaModFix amt="50000"/>
+          </a:blip>
+          <a:srcRect t="5632" r="-1" b="4344"/>
+          <a:stretch/>
+        </p:blipFill>
+        <p:spPr>
+          <a:xfrm>
+            <a:off x="20" y="10"/>
+            <a:ext cx="12188930" cy="6857990"/>
+          </a:xfrm>
+          <a:prstGeom prst="rect">
+            <a:avLst/>
+          </a:prstGeom>
+        </p:spPr>
+      </p:pic>
+      <p:sp>
+        <p:nvSpPr>
+          <p:cNvPr id="2" name="Title 1">
+            <a:extLst>
+              <a:ext uri="{FF2B5EF4-FFF2-40B4-BE49-F238E27FC236}">
+                <a16:creationId xmlns:a16="http://schemas.microsoft.com/office/drawing/2014/main" id="{971AB687-76A6-BD41-94E1-E71150EBE52D}"/>
+              </a:ext>
+            </a:extLst>
+          </p:cNvPr>
+          <p:cNvSpPr>
+            <a:spLocks noGrp="1"/>
+          </p:cNvSpPr>
+          <p:nvPr>
+            <p:ph type="title"/>
+          </p:nvPr>
+        </p:nvSpPr>
+        <p:spPr>
+          <a:xfrm>
+            <a:off x="1524000" y="1122363"/>
+            <a:ext cx="9144000" cy="3063240"/>
+          </a:xfrm>
+        </p:spPr>
+        <p:txBody>
+          <a:bodyPr vert="horz" lIns="91440" tIns="45720" rIns="91440" bIns="45720" rtlCol="0" anchor="b">
+            <a:normAutofit/>
+          </a:bodyPr>
+          <a:lstStyle/>
+          <a:p>
+            <a:pPr algn="ctr"/>
+            <a:r>
+              <a:rPr lang="en-US" sz="6600" dirty="0">
+                <a:solidFill>
+                  <a:srgbClr val="FFFFFF"/>
+                </a:solidFill>
+              </a:rPr>
+              <a:t>Enter Software 2.0</a:t>
+            </a:r>
+          </a:p>
+        </p:txBody>
+      </p:sp>
+      <p:sp>
+        <p:nvSpPr>
+          <p:cNvPr id="11" name="sketchy line">
+            <a:extLst>
+              <a:ext uri="{FF2B5EF4-FFF2-40B4-BE49-F238E27FC236}">
+                <a16:creationId xmlns:a16="http://schemas.microsoft.com/office/drawing/2014/main" id="{9F6380B4-6A1C-481E-8408-B4E6C75B9B81}"/>
+              </a:ext>
+              <a:ext uri="{C183D7F6-B498-43B3-948B-1728B52AA6E4}">
+                <adec:decorative xmlns:adec="http://schemas.microsoft.com/office/drawing/2017/decorative" val="1"/>
+              </a:ext>
+            </a:extLst>
+          </p:cNvPr>
+          <p:cNvSpPr>
+            <a:spLocks noGrp="1" noRot="1" noChangeAspect="1" noMove="1" noResize="1" noEditPoints="1" noAdjustHandles="1" noChangeArrowheads="1" noChangeShapeType="1" noTextEdit="1"/>
+          </p:cNvSpPr>
+          <p:nvPr>
+            <p:extLst>
+              <p:ext uri="{386F3935-93C4-4BCD-93E2-E3B085C9AB24}">
+                <p16:designElem xmlns:p16="http://schemas.microsoft.com/office/powerpoint/2015/main" val="1"/>
+              </p:ext>
+            </p:extLst>
+          </p:nvPr>
+        </p:nvSpPr>
+        <p:spPr>
+          <a:xfrm>
+            <a:off x="3974206" y="4368623"/>
+            <a:ext cx="4243589" cy="18288"/>
+          </a:xfrm>
+          <a:custGeom>
+            <a:avLst/>
+            <a:gdLst>
+              <a:gd name="connsiteX0" fmla="*/ 0 w 4243589"/>
+              <a:gd name="connsiteY0" fmla="*/ 0 h 18288"/>
+              <a:gd name="connsiteX1" fmla="*/ 478919 w 4243589"/>
+              <a:gd name="connsiteY1" fmla="*/ 0 h 18288"/>
+              <a:gd name="connsiteX2" fmla="*/ 957839 w 4243589"/>
+              <a:gd name="connsiteY2" fmla="*/ 0 h 18288"/>
+              <a:gd name="connsiteX3" fmla="*/ 1521630 w 4243589"/>
+              <a:gd name="connsiteY3" fmla="*/ 0 h 18288"/>
+              <a:gd name="connsiteX4" fmla="*/ 2212729 w 4243589"/>
+              <a:gd name="connsiteY4" fmla="*/ 0 h 18288"/>
+              <a:gd name="connsiteX5" fmla="*/ 2734084 w 4243589"/>
+              <a:gd name="connsiteY5" fmla="*/ 0 h 18288"/>
+              <a:gd name="connsiteX6" fmla="*/ 3255439 w 4243589"/>
+              <a:gd name="connsiteY6" fmla="*/ 0 h 18288"/>
+              <a:gd name="connsiteX7" fmla="*/ 4243589 w 4243589"/>
+              <a:gd name="connsiteY7" fmla="*/ 0 h 18288"/>
+              <a:gd name="connsiteX8" fmla="*/ 4243589 w 4243589"/>
+              <a:gd name="connsiteY8" fmla="*/ 18288 h 18288"/>
+              <a:gd name="connsiteX9" fmla="*/ 3594926 w 4243589"/>
+              <a:gd name="connsiteY9" fmla="*/ 18288 h 18288"/>
+              <a:gd name="connsiteX10" fmla="*/ 3073571 w 4243589"/>
+              <a:gd name="connsiteY10" fmla="*/ 18288 h 18288"/>
+              <a:gd name="connsiteX11" fmla="*/ 2552216 w 4243589"/>
+              <a:gd name="connsiteY11" fmla="*/ 18288 h 18288"/>
+              <a:gd name="connsiteX12" fmla="*/ 1903553 w 4243589"/>
+              <a:gd name="connsiteY12" fmla="*/ 18288 h 18288"/>
+              <a:gd name="connsiteX13" fmla="*/ 1212454 w 4243589"/>
+              <a:gd name="connsiteY13" fmla="*/ 18288 h 18288"/>
+              <a:gd name="connsiteX14" fmla="*/ 733535 w 4243589"/>
+              <a:gd name="connsiteY14" fmla="*/ 18288 h 18288"/>
+              <a:gd name="connsiteX15" fmla="*/ 0 w 4243589"/>
+              <a:gd name="connsiteY15" fmla="*/ 18288 h 18288"/>
+              <a:gd name="connsiteX16" fmla="*/ 0 w 4243589"/>
+              <a:gd name="connsiteY16" fmla="*/ 0 h 18288"/>
+            </a:gdLst>
+            <a:ahLst/>
+            <a:cxnLst>
+              <a:cxn ang="0">
+                <a:pos x="connsiteX0" y="connsiteY0"/>
+              </a:cxn>
+              <a:cxn ang="0">
+                <a:pos x="connsiteX1" y="connsiteY1"/>
+              </a:cxn>
+              <a:cxn ang="0">
+                <a:pos x="connsiteX2" y="connsiteY2"/>
+              </a:cxn>
+              <a:cxn ang="0">
+                <a:pos x="connsiteX3" y="connsiteY3"/>
+              </a:cxn>
+              <a:cxn ang="0">
+                <a:pos x="connsiteX4" y="connsiteY4"/>
+              </a:cxn>
+              <a:cxn ang="0">
+                <a:pos x="connsiteX5" y="connsiteY5"/>
+              </a:cxn>
+              <a:cxn ang="0">
+                <a:pos x="connsiteX6" y="connsiteY6"/>
+              </a:cxn>
+              <a:cxn ang="0">
+                <a:pos x="connsiteX7" y="connsiteY7"/>
+              </a:cxn>
+              <a:cxn ang="0">
+                <a:pos x="connsiteX8" y="connsiteY8"/>
+              </a:cxn>
+              <a:cxn ang="0">
+                <a:pos x="connsiteX9" y="connsiteY9"/>
+              </a:cxn>
+              <a:cxn ang="0">
+                <a:pos x="connsiteX10" y="connsiteY10"/>
+              </a:cxn>
+              <a:cxn ang="0">
+                <a:pos x="connsiteX11" y="connsiteY11"/>
+              </a:cxn>
+              <a:cxn ang="0">
+                <a:pos x="connsiteX12" y="connsiteY12"/>
+              </a:cxn>
+              <a:cxn ang="0">
+                <a:pos x="connsiteX13" y="connsiteY13"/>
+              </a:cxn>
+              <a:cxn ang="0">
+                <a:pos x="connsiteX14" y="connsiteY14"/>
+              </a:cxn>
+              <a:cxn ang="0">
+                <a:pos x="connsiteX15" y="connsiteY15"/>
+              </a:cxn>
+              <a:cxn ang="0">
+                <a:pos x="connsiteX16" y="connsiteY16"/>
+              </a:cxn>
+            </a:cxnLst>
+            <a:rect l="l" t="t" r="r" b="b"/>
+            <a:pathLst>
+              <a:path w="4243589" h="18288" fill="none" extrusionOk="0">
+                <a:moveTo>
+                  <a:pt x="0" y="0"/>
+                </a:moveTo>
+                <a:cubicBezTo>
+                  <a:pt x="213395" y="-21006"/>
+                  <a:pt x="307421" y="-18116"/>
+                  <a:pt x="478919" y="0"/>
+                </a:cubicBezTo>
+                <a:cubicBezTo>
+                  <a:pt x="650417" y="18116"/>
+                  <a:pt x="831092" y="-21237"/>
+                  <a:pt x="957839" y="0"/>
+                </a:cubicBezTo>
+                <a:cubicBezTo>
+                  <a:pt x="1084586" y="21237"/>
+                  <a:pt x="1301682" y="25124"/>
+                  <a:pt x="1521630" y="0"/>
+                </a:cubicBezTo>
+                <a:cubicBezTo>
+                  <a:pt x="1741578" y="-25124"/>
+                  <a:pt x="1970269" y="-29139"/>
+                  <a:pt x="2212729" y="0"/>
+                </a:cubicBezTo>
+                <a:cubicBezTo>
+                  <a:pt x="2455189" y="29139"/>
+                  <a:pt x="2558847" y="-4796"/>
+                  <a:pt x="2734084" y="0"/>
+                </a:cubicBezTo>
+                <a:cubicBezTo>
+                  <a:pt x="2909321" y="4796"/>
+                  <a:pt x="3097217" y="-13409"/>
+                  <a:pt x="3255439" y="0"/>
+                </a:cubicBezTo>
+                <a:cubicBezTo>
+                  <a:pt x="3413662" y="13409"/>
+                  <a:pt x="3979999" y="-10121"/>
+                  <a:pt x="4243589" y="0"/>
+                </a:cubicBezTo>
+                <a:cubicBezTo>
+                  <a:pt x="4244484" y="8974"/>
+                  <a:pt x="4243043" y="9359"/>
+                  <a:pt x="4243589" y="18288"/>
+                </a:cubicBezTo>
+                <a:cubicBezTo>
+                  <a:pt x="4058777" y="31246"/>
+                  <a:pt x="3910348" y="3158"/>
+                  <a:pt x="3594926" y="18288"/>
+                </a:cubicBezTo>
+                <a:cubicBezTo>
+                  <a:pt x="3279504" y="33418"/>
+                  <a:pt x="3319955" y="-3977"/>
+                  <a:pt x="3073571" y="18288"/>
+                </a:cubicBezTo>
+                <a:cubicBezTo>
+                  <a:pt x="2827187" y="40553"/>
+                  <a:pt x="2767387" y="1863"/>
+                  <a:pt x="2552216" y="18288"/>
+                </a:cubicBezTo>
+                <a:cubicBezTo>
+                  <a:pt x="2337046" y="34713"/>
+                  <a:pt x="2181871" y="19527"/>
+                  <a:pt x="1903553" y="18288"/>
+                </a:cubicBezTo>
+                <a:cubicBezTo>
+                  <a:pt x="1625235" y="17049"/>
+                  <a:pt x="1557672" y="24174"/>
+                  <a:pt x="1212454" y="18288"/>
+                </a:cubicBezTo>
+                <a:cubicBezTo>
+                  <a:pt x="867236" y="12402"/>
+                  <a:pt x="874382" y="15627"/>
+                  <a:pt x="733535" y="18288"/>
+                </a:cubicBezTo>
+                <a:cubicBezTo>
+                  <a:pt x="592688" y="20949"/>
+                  <a:pt x="183477" y="14753"/>
+                  <a:pt x="0" y="18288"/>
+                </a:cubicBezTo>
+                <a:cubicBezTo>
+                  <a:pt x="-229" y="14222"/>
+                  <a:pt x="509" y="5816"/>
+                  <a:pt x="0" y="0"/>
+                </a:cubicBezTo>
+                <a:close/>
+              </a:path>
+              <a:path w="4243589" h="18288" stroke="0" extrusionOk="0">
+                <a:moveTo>
+                  <a:pt x="0" y="0"/>
+                </a:moveTo>
+                <a:cubicBezTo>
+                  <a:pt x="143690" y="16630"/>
+                  <a:pt x="266667" y="14847"/>
+                  <a:pt x="521355" y="0"/>
+                </a:cubicBezTo>
+                <a:cubicBezTo>
+                  <a:pt x="776043" y="-14847"/>
+                  <a:pt x="814491" y="-17363"/>
+                  <a:pt x="1000275" y="0"/>
+                </a:cubicBezTo>
+                <a:cubicBezTo>
+                  <a:pt x="1186059" y="17363"/>
+                  <a:pt x="1352504" y="-23507"/>
+                  <a:pt x="1521630" y="0"/>
+                </a:cubicBezTo>
+                <a:cubicBezTo>
+                  <a:pt x="1690756" y="23507"/>
+                  <a:pt x="1889525" y="5871"/>
+                  <a:pt x="2127857" y="0"/>
+                </a:cubicBezTo>
+                <a:cubicBezTo>
+                  <a:pt x="2366189" y="-5871"/>
+                  <a:pt x="2620628" y="-27997"/>
+                  <a:pt x="2776520" y="0"/>
+                </a:cubicBezTo>
+                <a:cubicBezTo>
+                  <a:pt x="2932412" y="27997"/>
+                  <a:pt x="3131683" y="-25073"/>
+                  <a:pt x="3467618" y="0"/>
+                </a:cubicBezTo>
+                <a:cubicBezTo>
+                  <a:pt x="3803553" y="25073"/>
+                  <a:pt x="4017371" y="3071"/>
+                  <a:pt x="4243589" y="0"/>
+                </a:cubicBezTo>
+                <a:cubicBezTo>
+                  <a:pt x="4243134" y="6162"/>
+                  <a:pt x="4243492" y="11775"/>
+                  <a:pt x="4243589" y="18288"/>
+                </a:cubicBezTo>
+                <a:cubicBezTo>
+                  <a:pt x="4017834" y="-5779"/>
+                  <a:pt x="3834586" y="13376"/>
+                  <a:pt x="3594926" y="18288"/>
+                </a:cubicBezTo>
+                <a:cubicBezTo>
+                  <a:pt x="3355266" y="23200"/>
+                  <a:pt x="3204179" y="2869"/>
+                  <a:pt x="2903827" y="18288"/>
+                </a:cubicBezTo>
+                <a:cubicBezTo>
+                  <a:pt x="2603475" y="33707"/>
+                  <a:pt x="2526187" y="46187"/>
+                  <a:pt x="2212729" y="18288"/>
+                </a:cubicBezTo>
+                <a:cubicBezTo>
+                  <a:pt x="1899271" y="-9611"/>
+                  <a:pt x="1966289" y="29692"/>
+                  <a:pt x="1733809" y="18288"/>
+                </a:cubicBezTo>
+                <a:cubicBezTo>
+                  <a:pt x="1501329" y="6884"/>
+                  <a:pt x="1343612" y="12492"/>
+                  <a:pt x="1085146" y="18288"/>
+                </a:cubicBezTo>
+                <a:cubicBezTo>
+                  <a:pt x="826680" y="24084"/>
+                  <a:pt x="778184" y="35607"/>
+                  <a:pt x="521355" y="18288"/>
+                </a:cubicBezTo>
+                <a:cubicBezTo>
+                  <a:pt x="264526" y="969"/>
+                  <a:pt x="120277" y="4268"/>
+                  <a:pt x="0" y="18288"/>
+                </a:cubicBezTo>
+                <a:cubicBezTo>
+                  <a:pt x="766" y="10800"/>
+                  <a:pt x="-457" y="8180"/>
+                  <a:pt x="0" y="0"/>
+                </a:cubicBezTo>
+                <a:close/>
+              </a:path>
+            </a:pathLst>
+          </a:custGeom>
+          <a:solidFill>
+            <a:srgbClr val="FFFFFF">
+              <a:alpha val="75000"/>
+            </a:srgbClr>
+          </a:solidFill>
+          <a:ln w="44450" cap="rnd">
+            <a:solidFill>
+              <a:srgbClr val="FFFFFF">
+                <a:alpha val="75000"/>
+              </a:srgbClr>
+            </a:solidFill>
+            <a:round/>
+            <a:extLst>
+              <a:ext uri="{C807C97D-BFC1-408E-A445-0C87EB9F89A2}">
+                <ask:lineSketchStyleProps xmlns:ask="http://schemas.microsoft.com/office/drawing/2018/sketchyshapes" sd="2727557108">
+                  <a:prstGeom prst="rect">
+                    <a:avLst/>
+                  </a:prstGeom>
+                  <ask:type>
+                    <ask:lineSketchFreehand/>
+                  </ask:type>
+                </ask:lineSketchStyleProps>
+              </a:ext>
+            </a:extLst>
+          </a:ln>
+        </p:spPr>
+        <p:style>
+          <a:lnRef idx="2">
+            <a:schemeClr val="accent1">
+              <a:shade val="50000"/>
+            </a:schemeClr>
+          </a:lnRef>
+          <a:fillRef idx="1">
+            <a:schemeClr val="accent1"/>
+          </a:fillRef>
+          <a:effectRef idx="0">
+            <a:schemeClr val="accent1"/>
+          </a:effectRef>
+          <a:fontRef idx="minor">
+            <a:schemeClr val="lt1"/>
+          </a:fontRef>
+        </p:style>
+        <p:txBody>
+          <a:bodyPr rtlCol="0" anchor="ctr"/>
+          <a:lstStyle/>
+          <a:p>
+            <a:pPr algn="ctr"/>
+            <a:endParaRPr lang="en-US"/>
+          </a:p>
+        </p:txBody>
+      </p:sp>
+    </p:spTree>
+    <p:extLst>
+      <p:ext uri="{BB962C8B-B14F-4D97-AF65-F5344CB8AC3E}">
+        <p14:creationId xmlns:p14="http://schemas.microsoft.com/office/powerpoint/2010/main" val="4094830817"/>
+      </p:ext>
+    </p:extLst>
+  </p:cSld>
+  <p:clrMapOvr>
+    <a:overrideClrMapping bg1="dk1" tx1="lt1" bg2="dk2" tx2="lt2" accent1="accent1" accent2="accent2" accent3="accent3" accent4="accent4" accent5="accent5" accent6="accent6" hlink="hlink" folHlink="folHlink"/>
+  </p:clrMapOvr>
+</p:sld>
+</file>
+
+<file path=ppt/slides/slide5.xml><?xml version="1.0" encoding="utf-8"?>
 <p:sld xmlns:a="http://schemas.openxmlformats.org/drawingml/2006/main" xmlns:r="http://schemas.openxmlformats.org/officeDocument/2006/relationships" xmlns:p="http://schemas.openxmlformats.org/presentationml/2006/main">
   <p:cSld>
     <p:spTree>
@@ -3602,7 +4826,7 @@
           <p:cNvPr id="2" name="Title 1">
             <a:extLst>
               <a:ext uri="{FF2B5EF4-FFF2-40B4-BE49-F238E27FC236}">
-                <a16:creationId xmlns:a16="http://schemas.microsoft.com/office/drawing/2014/main" id="{3C86F914-DDA2-CB4A-B6B9-3FEFA18FDE8C}"/>
+                <a16:creationId xmlns:a16="http://schemas.microsoft.com/office/drawing/2014/main" id="{A34C498C-846F-BF4F-9986-8D31FF6CE521}"/>
               </a:ext>
             </a:extLst>
           </p:cNvPr>
@@ -3619,9 +4843,10 @@
           <a:lstStyle/>
           <a:p>
             <a:r>
-              <a:rPr lang="en-NL" dirty="0"/>
-              <a:t>Software 0 -&gt; 1.X -&gt; 2.0</a:t>
-            </a:r>
+              <a:rPr lang="en-GB" dirty="0"/>
+              <a:t>Incompleteness</a:t>
+            </a:r>
+            <a:endParaRPr lang="en-NL" dirty="0"/>
           </a:p>
         </p:txBody>
       </p:sp>
@@ -3630,7 +4855,7 @@
           <p:cNvPr id="3" name="Content Placeholder 2">
             <a:extLst>
               <a:ext uri="{FF2B5EF4-FFF2-40B4-BE49-F238E27FC236}">
-                <a16:creationId xmlns:a16="http://schemas.microsoft.com/office/drawing/2014/main" id="{07408C6F-FD88-E54E-8268-A88990674831}"/>
+                <a16:creationId xmlns:a16="http://schemas.microsoft.com/office/drawing/2014/main" id="{5443F6DD-4851-C14D-B47B-89B25DB743B6}"/>
               </a:ext>
             </a:extLst>
           </p:cNvPr>
@@ -3653,7 +4878,7 @@
     </p:spTree>
     <p:extLst>
       <p:ext uri="{BB962C8B-B14F-4D97-AF65-F5344CB8AC3E}">
-        <p14:creationId xmlns:p14="http://schemas.microsoft.com/office/powerpoint/2010/main" val="4049905856"/>
+        <p14:creationId xmlns:p14="http://schemas.microsoft.com/office/powerpoint/2010/main" val="2642275506"/>
       </p:ext>
     </p:extLst>
   </p:cSld>

--- a/presentation/Presentation1.pptx
+++ b/presentation/Presentation1.pptx
@@ -7,9 +7,10 @@
   <p:sldIdLst>
     <p:sldId id="256" r:id="rId2"/>
     <p:sldId id="259" r:id="rId3"/>
-    <p:sldId id="257" r:id="rId4"/>
-    <p:sldId id="260" r:id="rId5"/>
-    <p:sldId id="258" r:id="rId6"/>
+    <p:sldId id="261" r:id="rId4"/>
+    <p:sldId id="257" r:id="rId5"/>
+    <p:sldId id="260" r:id="rId6"/>
+    <p:sldId id="258" r:id="rId7"/>
   </p:sldIdLst>
   <p:sldSz cx="12192000" cy="6858000"/>
   <p:notesSz cx="6858000" cy="9144000"/>
@@ -4042,6 +4043,337 @@
           <a:chExt cx="0" cy="0"/>
         </a:xfrm>
       </p:grpSpPr>
+      <p:sp useBgFill="1">
+        <p:nvSpPr>
+          <p:cNvPr id="71" name="Rectangle 70">
+            <a:extLst>
+              <a:ext uri="{FF2B5EF4-FFF2-40B4-BE49-F238E27FC236}">
+                <a16:creationId xmlns:a16="http://schemas.microsoft.com/office/drawing/2014/main" id="{9B76D444-2756-434F-AE61-96D69830C13E}"/>
+              </a:ext>
+              <a:ext uri="{C183D7F6-B498-43B3-948B-1728B52AA6E4}">
+                <adec:decorative xmlns:adec="http://schemas.microsoft.com/office/drawing/2017/decorative" val="1"/>
+              </a:ext>
+            </a:extLst>
+          </p:cNvPr>
+          <p:cNvSpPr>
+            <a:spLocks noGrp="1" noRot="1" noChangeAspect="1" noMove="1" noResize="1" noEditPoints="1" noAdjustHandles="1" noChangeArrowheads="1" noChangeShapeType="1" noTextEdit="1"/>
+          </p:cNvSpPr>
+          <p:nvPr>
+            <p:extLst>
+              <p:ext uri="{386F3935-93C4-4BCD-93E2-E3B085C9AB24}">
+                <p16:designElem xmlns:p16="http://schemas.microsoft.com/office/powerpoint/2015/main" val="1"/>
+              </p:ext>
+            </p:extLst>
+          </p:nvPr>
+        </p:nvSpPr>
+        <p:spPr>
+          <a:xfrm>
+            <a:off x="0" y="0"/>
+            <a:ext cx="12188952" cy="6858000"/>
+          </a:xfrm>
+          <a:prstGeom prst="rect">
+            <a:avLst/>
+          </a:prstGeom>
+          <a:ln>
+            <a:noFill/>
+          </a:ln>
+        </p:spPr>
+        <p:style>
+          <a:lnRef idx="2">
+            <a:schemeClr val="accent1">
+              <a:shade val="50000"/>
+            </a:schemeClr>
+          </a:lnRef>
+          <a:fillRef idx="1">
+            <a:schemeClr val="accent1"/>
+          </a:fillRef>
+          <a:effectRef idx="0">
+            <a:schemeClr val="accent1"/>
+          </a:effectRef>
+          <a:fontRef idx="minor">
+            <a:schemeClr val="lt1"/>
+          </a:fontRef>
+        </p:style>
+        <p:txBody>
+          <a:bodyPr rtlCol="0" anchor="ctr"/>
+          <a:lstStyle/>
+          <a:p>
+            <a:pPr algn="ctr"/>
+            <a:endParaRPr lang="en-US"/>
+          </a:p>
+        </p:txBody>
+      </p:sp>
+      <p:sp>
+        <p:nvSpPr>
+          <p:cNvPr id="2" name="Title 1">
+            <a:extLst>
+              <a:ext uri="{FF2B5EF4-FFF2-40B4-BE49-F238E27FC236}">
+                <a16:creationId xmlns:a16="http://schemas.microsoft.com/office/drawing/2014/main" id="{D9A8A42C-CEE1-0945-B240-DE710040AF31}"/>
+              </a:ext>
+            </a:extLst>
+          </p:cNvPr>
+          <p:cNvSpPr>
+            <a:spLocks noGrp="1"/>
+          </p:cNvSpPr>
+          <p:nvPr>
+            <p:ph type="title"/>
+          </p:nvPr>
+        </p:nvSpPr>
+        <p:spPr>
+          <a:xfrm>
+            <a:off x="841247" y="474146"/>
+            <a:ext cx="10515593" cy="1197864"/>
+          </a:xfrm>
+        </p:spPr>
+        <p:txBody>
+          <a:bodyPr vert="horz" lIns="91440" tIns="45720" rIns="91440" bIns="45720" rtlCol="0" anchor="ctr">
+            <a:normAutofit/>
+          </a:bodyPr>
+          <a:lstStyle/>
+          <a:p>
+            <a:r>
+              <a:rPr lang="en-US" dirty="0">
+                <a:solidFill>
+                  <a:srgbClr val="FFC000"/>
+                </a:solidFill>
+              </a:rPr>
+              <a:t>A Simple Case -- Tic-Tac Toe</a:t>
+            </a:r>
+          </a:p>
+        </p:txBody>
+      </p:sp>
+      <p:cxnSp>
+        <p:nvCxnSpPr>
+          <p:cNvPr id="73" name="Straight Connector 72">
+            <a:extLst>
+              <a:ext uri="{FF2B5EF4-FFF2-40B4-BE49-F238E27FC236}">
+                <a16:creationId xmlns:a16="http://schemas.microsoft.com/office/drawing/2014/main" id="{EDF5FE34-0A41-407A-8D94-10FCF68F1D0B}"/>
+              </a:ext>
+              <a:ext uri="{C183D7F6-B498-43B3-948B-1728B52AA6E4}">
+                <adec:decorative xmlns:adec="http://schemas.microsoft.com/office/drawing/2017/decorative" val="1"/>
+              </a:ext>
+            </a:extLst>
+          </p:cNvPr>
+          <p:cNvCxnSpPr>
+            <a:cxnSpLocks noGrp="1" noRot="1" noChangeAspect="1" noMove="1" noResize="1" noEditPoints="1" noAdjustHandles="1" noChangeArrowheads="1" noChangeShapeType="1"/>
+          </p:cNvCxnSpPr>
+          <p:nvPr>
+            <p:extLst>
+              <p:ext uri="{386F3935-93C4-4BCD-93E2-E3B085C9AB24}">
+                <p16:designElem xmlns:p16="http://schemas.microsoft.com/office/powerpoint/2015/main" val="1"/>
+              </p:ext>
+            </p:extLst>
+          </p:nvPr>
+        </p:nvCxnSpPr>
+        <p:spPr>
+          <a:xfrm flipV="1">
+            <a:off x="475488" y="587238"/>
+            <a:ext cx="0" cy="914400"/>
+          </a:xfrm>
+          <a:prstGeom prst="line">
+            <a:avLst/>
+          </a:prstGeom>
+          <a:ln w="19050">
+            <a:solidFill>
+              <a:schemeClr val="tx1">
+                <a:alpha val="80000"/>
+              </a:schemeClr>
+            </a:solidFill>
+          </a:ln>
+        </p:spPr>
+        <p:style>
+          <a:lnRef idx="1">
+            <a:schemeClr val="accent1"/>
+          </a:lnRef>
+          <a:fillRef idx="0">
+            <a:schemeClr val="accent1"/>
+          </a:fillRef>
+          <a:effectRef idx="0">
+            <a:schemeClr val="accent1"/>
+          </a:effectRef>
+          <a:fontRef idx="minor">
+            <a:schemeClr val="tx1"/>
+          </a:fontRef>
+        </p:style>
+      </p:cxnSp>
+      <p:pic>
+        <p:nvPicPr>
+          <p:cNvPr id="2050" name="Picture 2" descr="FINALLY! The Secrets To Winning Tic Tac Toe REVEALED! - Wise DIY | Wise DIY">
+            <a:extLst>
+              <a:ext uri="{FF2B5EF4-FFF2-40B4-BE49-F238E27FC236}">
+                <a16:creationId xmlns:a16="http://schemas.microsoft.com/office/drawing/2014/main" id="{A68766C3-0661-5149-A530-2CD4F9A4BAEB}"/>
+              </a:ext>
+            </a:extLst>
+          </p:cNvPr>
+          <p:cNvPicPr>
+            <a:picLocks noChangeAspect="1" noChangeArrowheads="1"/>
+          </p:cNvPicPr>
+          <p:nvPr/>
+        </p:nvPicPr>
+        <p:blipFill rotWithShape="1">
+          <a:blip r:embed="rId2">
+            <a:extLst>
+              <a:ext uri="{28A0092B-C50C-407E-A947-70E740481C1C}">
+                <a14:useLocalDpi xmlns:a14="http://schemas.microsoft.com/office/drawing/2010/main" val="0"/>
+              </a:ext>
+            </a:extLst>
+          </a:blip>
+          <a:srcRect l="8647" r="4560" b="2"/>
+          <a:stretch/>
+        </p:blipFill>
+        <p:spPr bwMode="auto">
+          <a:xfrm>
+            <a:off x="835153" y="2002117"/>
+            <a:ext cx="6215794" cy="4171569"/>
+          </a:xfrm>
+          <a:prstGeom prst="rect">
+            <a:avLst/>
+          </a:prstGeom>
+          <a:noFill/>
+          <a:extLst>
+            <a:ext uri="{909E8E84-426E-40DD-AFC4-6F175D3DCCD1}">
+              <a14:hiddenFill xmlns:a14="http://schemas.microsoft.com/office/drawing/2010/main">
+                <a:solidFill>
+                  <a:srgbClr val="FFFFFF"/>
+                </a:solidFill>
+              </a14:hiddenFill>
+            </a:ext>
+          </a:extLst>
+        </p:spPr>
+      </p:pic>
+      <p:sp>
+        <p:nvSpPr>
+          <p:cNvPr id="3" name="TextBox 2">
+            <a:extLst>
+              <a:ext uri="{FF2B5EF4-FFF2-40B4-BE49-F238E27FC236}">
+                <a16:creationId xmlns:a16="http://schemas.microsoft.com/office/drawing/2014/main" id="{9F80B2F2-DF8A-0841-90F2-533FB6C52CF6}"/>
+              </a:ext>
+            </a:extLst>
+          </p:cNvPr>
+          <p:cNvSpPr txBox="1"/>
+          <p:nvPr/>
+        </p:nvSpPr>
+        <p:spPr>
+          <a:xfrm>
+            <a:off x="7533314" y="1999578"/>
+            <a:ext cx="3823525" cy="4171568"/>
+          </a:xfrm>
+          <a:prstGeom prst="rect">
+            <a:avLst/>
+          </a:prstGeom>
+        </p:spPr>
+        <p:txBody>
+          <a:bodyPr vert="horz" lIns="91440" tIns="45720" rIns="91440" bIns="45720" rtlCol="0" anchor="ctr">
+            <a:normAutofit/>
+          </a:bodyPr>
+          <a:lstStyle/>
+          <a:p>
+            <a:pPr marL="285750" indent="-228600">
+              <a:lnSpc>
+                <a:spcPct val="90000"/>
+              </a:lnSpc>
+              <a:spcAft>
+                <a:spcPts val="600"/>
+              </a:spcAft>
+              <a:buFont typeface="Arial" panose="020B0604020202020204" pitchFamily="34" charset="0"/>
+              <a:buChar char="•"/>
+            </a:pPr>
+            <a:r>
+              <a:rPr lang="en-US" sz="2000" i="1" dirty="0">
+                <a:solidFill>
+                  <a:srgbClr val="FFC000"/>
+                </a:solidFill>
+              </a:rPr>
+              <a:t>Define Rules</a:t>
+            </a:r>
+          </a:p>
+          <a:p>
+            <a:pPr marL="285750" indent="-228600">
+              <a:lnSpc>
+                <a:spcPct val="90000"/>
+              </a:lnSpc>
+              <a:spcAft>
+                <a:spcPts val="600"/>
+              </a:spcAft>
+              <a:buFont typeface="Arial" panose="020B0604020202020204" pitchFamily="34" charset="0"/>
+              <a:buChar char="•"/>
+            </a:pPr>
+            <a:r>
+              <a:rPr lang="en-US" sz="2000" i="1">
+                <a:solidFill>
+                  <a:srgbClr val="FFC000"/>
+                </a:solidFill>
+              </a:rPr>
+              <a:t>Execute </a:t>
+            </a:r>
+            <a:r>
+              <a:rPr lang="en-US" sz="2000" i="1" dirty="0">
+                <a:solidFill>
+                  <a:srgbClr val="FFC000"/>
+                </a:solidFill>
+              </a:rPr>
+              <a:t>a</a:t>
+            </a:r>
+            <a:r>
+              <a:rPr lang="en-US" sz="2000" i="1">
+                <a:solidFill>
+                  <a:srgbClr val="FFC000"/>
+                </a:solidFill>
+              </a:rPr>
+              <a:t> </a:t>
+            </a:r>
+            <a:r>
+              <a:rPr lang="en-US" sz="2000" i="1" dirty="0">
+                <a:solidFill>
+                  <a:srgbClr val="FFC000"/>
+                </a:solidFill>
+              </a:rPr>
+              <a:t>Search Algorithm </a:t>
+            </a:r>
+          </a:p>
+        </p:txBody>
+      </p:sp>
+    </p:spTree>
+    <p:extLst>
+      <p:ext uri="{BB962C8B-B14F-4D97-AF65-F5344CB8AC3E}">
+        <p14:creationId xmlns:p14="http://schemas.microsoft.com/office/powerpoint/2010/main" val="1773962466"/>
+      </p:ext>
+    </p:extLst>
+  </p:cSld>
+  <p:clrMapOvr>
+    <a:overrideClrMapping bg1="dk1" tx1="lt1" bg2="dk2" tx2="lt2" accent1="accent1" accent2="accent2" accent3="accent3" accent4="accent4" accent5="accent5" accent6="accent6" hlink="hlink" folHlink="folHlink"/>
+  </p:clrMapOvr>
+</p:sld>
+</file>
+
+<file path=ppt/slides/slide4.xml><?xml version="1.0" encoding="utf-8"?>
+<p:sld xmlns:a="http://schemas.openxmlformats.org/drawingml/2006/main" xmlns:r="http://schemas.openxmlformats.org/officeDocument/2006/relationships" xmlns:p="http://schemas.openxmlformats.org/presentationml/2006/main">
+  <p:cSld>
+    <p:bg>
+      <p:bgPr>
+        <a:solidFill>
+          <a:schemeClr val="bg1">
+            <a:tint val="95000"/>
+            <a:satMod val="170000"/>
+          </a:schemeClr>
+        </a:solidFill>
+        <a:effectLst/>
+      </p:bgPr>
+    </p:bg>
+    <p:spTree>
+      <p:nvGrpSpPr>
+        <p:cNvPr id="1" name=""/>
+        <p:cNvGrpSpPr/>
+        <p:nvPr/>
+      </p:nvGrpSpPr>
+      <p:grpSpPr>
+        <a:xfrm>
+          <a:off x="0" y="0"/>
+          <a:ext cx="0" cy="0"/>
+          <a:chOff x="0" y="0"/>
+          <a:chExt cx="0" cy="0"/>
+        </a:xfrm>
+      </p:grpSpPr>
       <p:sp>
         <p:nvSpPr>
           <p:cNvPr id="2" name="Title 1">
@@ -4288,7 +4620,7 @@
 </p:sld>
 </file>
 
-<file path=ppt/slides/slide4.xml><?xml version="1.0" encoding="utf-8"?>
+<file path=ppt/slides/slide5.xml><?xml version="1.0" encoding="utf-8"?>
 <p:sld xmlns:a="http://schemas.openxmlformats.org/drawingml/2006/main" xmlns:r="http://schemas.openxmlformats.org/officeDocument/2006/relationships" xmlns:p="http://schemas.openxmlformats.org/presentationml/2006/main">
   <p:cSld>
     <p:bg>
@@ -4804,7 +5136,7 @@
 </p:sld>
 </file>
 
-<file path=ppt/slides/slide5.xml><?xml version="1.0" encoding="utf-8"?>
+<file path=ppt/slides/slide6.xml><?xml version="1.0" encoding="utf-8"?>
 <p:sld xmlns:a="http://schemas.openxmlformats.org/drawingml/2006/main" xmlns:r="http://schemas.openxmlformats.org/officeDocument/2006/relationships" xmlns:p="http://schemas.openxmlformats.org/presentationml/2006/main">
   <p:cSld>
     <p:spTree>

--- a/presentation/Presentation1.pptx
+++ b/presentation/Presentation1.pptx
@@ -7,10 +7,17 @@
   <p:sldIdLst>
     <p:sldId id="256" r:id="rId2"/>
     <p:sldId id="259" r:id="rId3"/>
-    <p:sldId id="261" r:id="rId4"/>
-    <p:sldId id="257" r:id="rId5"/>
-    <p:sldId id="260" r:id="rId6"/>
-    <p:sldId id="258" r:id="rId7"/>
+    <p:sldId id="262" r:id="rId4"/>
+    <p:sldId id="264" r:id="rId5"/>
+    <p:sldId id="257" r:id="rId6"/>
+    <p:sldId id="263" r:id="rId7"/>
+    <p:sldId id="265" r:id="rId8"/>
+    <p:sldId id="260" r:id="rId9"/>
+    <p:sldId id="266" r:id="rId10"/>
+    <p:sldId id="268" r:id="rId11"/>
+    <p:sldId id="269" r:id="rId12"/>
+    <p:sldId id="267" r:id="rId13"/>
+    <p:sldId id="258" r:id="rId14"/>
   </p:sldIdLst>
   <p:sldSz cx="12192000" cy="6858000"/>
   <p:notesSz cx="6858000" cy="9144000"/>
@@ -3338,6 +3345,2144 @@
 <file path=ppt/slides/slide1.xml><?xml version="1.0" encoding="utf-8"?>
 <p:sld xmlns:a="http://schemas.openxmlformats.org/drawingml/2006/main" xmlns:r="http://schemas.openxmlformats.org/officeDocument/2006/relationships" xmlns:p="http://schemas.openxmlformats.org/presentationml/2006/main">
   <p:cSld>
+    <p:bg>
+      <p:bgPr>
+        <a:solidFill>
+          <a:schemeClr val="bg1"/>
+        </a:solidFill>
+        <a:effectLst/>
+      </p:bgPr>
+    </p:bg>
+    <p:spTree>
+      <p:nvGrpSpPr>
+        <p:cNvPr id="1" name=""/>
+        <p:cNvGrpSpPr/>
+        <p:nvPr/>
+      </p:nvGrpSpPr>
+      <p:grpSpPr>
+        <a:xfrm>
+          <a:off x="0" y="0"/>
+          <a:ext cx="0" cy="0"/>
+          <a:chOff x="0" y="0"/>
+          <a:chExt cx="0" cy="0"/>
+        </a:xfrm>
+      </p:grpSpPr>
+      <p:sp>
+        <p:nvSpPr>
+          <p:cNvPr id="7" name="Rectangle 6">
+            <a:extLst>
+              <a:ext uri="{FF2B5EF4-FFF2-40B4-BE49-F238E27FC236}">
+                <a16:creationId xmlns:a16="http://schemas.microsoft.com/office/drawing/2014/main" id="{C7FAE6E8-1D9E-4905-AAFE-978D331822BA}"/>
+              </a:ext>
+              <a:ext uri="{C183D7F6-B498-43B3-948B-1728B52AA6E4}">
+                <adec:decorative xmlns:adec="http://schemas.microsoft.com/office/drawing/2017/decorative" val="1"/>
+              </a:ext>
+            </a:extLst>
+          </p:cNvPr>
+          <p:cNvSpPr>
+            <a:spLocks noGrp="1" noRot="1" noChangeAspect="1" noMove="1" noResize="1" noEditPoints="1" noAdjustHandles="1" noChangeArrowheads="1" noChangeShapeType="1" noTextEdit="1"/>
+          </p:cNvSpPr>
+          <p:nvPr>
+            <p:extLst>
+              <p:ext uri="{386F3935-93C4-4BCD-93E2-E3B085C9AB24}">
+                <p16:designElem xmlns:p16="http://schemas.microsoft.com/office/powerpoint/2015/main" val="1"/>
+              </p:ext>
+            </p:extLst>
+          </p:nvPr>
+        </p:nvSpPr>
+        <p:spPr>
+          <a:xfrm>
+            <a:off x="0" y="0"/>
+            <a:ext cx="12192000" cy="6858000"/>
+          </a:xfrm>
+          <a:prstGeom prst="rect">
+            <a:avLst/>
+          </a:prstGeom>
+          <a:solidFill>
+            <a:schemeClr val="tx1"/>
+          </a:solidFill>
+          <a:ln w="12700" cap="flat" cmpd="sng" algn="ctr">
+            <a:noFill/>
+            <a:prstDash val="solid"/>
+            <a:miter lim="800000"/>
+          </a:ln>
+          <a:effectLst/>
+        </p:spPr>
+        <p:style>
+          <a:lnRef idx="2">
+            <a:schemeClr val="accent1">
+              <a:shade val="50000"/>
+            </a:schemeClr>
+          </a:lnRef>
+          <a:fillRef idx="1">
+            <a:schemeClr val="accent1"/>
+          </a:fillRef>
+          <a:effectRef idx="0">
+            <a:schemeClr val="accent1"/>
+          </a:effectRef>
+          <a:fontRef idx="minor">
+            <a:schemeClr val="lt1"/>
+          </a:fontRef>
+        </p:style>
+        <p:txBody>
+          <a:bodyPr rtlCol="0" anchor="ctr"/>
+          <a:lstStyle/>
+          <a:p>
+            <a:pPr algn="ctr"/>
+            <a:endParaRPr lang="en-US"/>
+          </a:p>
+        </p:txBody>
+      </p:sp>
+      <p:sp>
+        <p:nvSpPr>
+          <p:cNvPr id="2" name="Title 1">
+            <a:extLst>
+              <a:ext uri="{FF2B5EF4-FFF2-40B4-BE49-F238E27FC236}">
+                <a16:creationId xmlns:a16="http://schemas.microsoft.com/office/drawing/2014/main" id="{DB5FEC81-F071-844D-9ED4-4E71B7E5D2EA}"/>
+              </a:ext>
+            </a:extLst>
+          </p:cNvPr>
+          <p:cNvSpPr>
+            <a:spLocks noGrp="1"/>
+          </p:cNvSpPr>
+          <p:nvPr>
+            <p:ph type="ctrTitle"/>
+          </p:nvPr>
+        </p:nvSpPr>
+        <p:spPr>
+          <a:xfrm>
+            <a:off x="831317" y="1354819"/>
+            <a:ext cx="10361531" cy="2678363"/>
+          </a:xfrm>
+        </p:spPr>
+        <p:txBody>
+          <a:bodyPr>
+            <a:normAutofit/>
+          </a:bodyPr>
+          <a:lstStyle/>
+          <a:p>
+            <a:pPr algn="l"/>
+            <a:r>
+              <a:rPr lang="en-NL" sz="6100" dirty="0">
+                <a:solidFill>
+                  <a:schemeClr val="bg1"/>
+                </a:solidFill>
+              </a:rPr>
+              <a:t>On the Relation between Software 2.0 and </a:t>
+            </a:r>
+            <a:r>
+              <a:rPr lang="en-GB" sz="6100" dirty="0">
+                <a:solidFill>
+                  <a:schemeClr val="bg1"/>
+                </a:solidFill>
+              </a:rPr>
+              <a:t>Gödel’s Incompleteness Theorems</a:t>
+            </a:r>
+            <a:endParaRPr lang="en-NL" sz="6100" dirty="0">
+              <a:solidFill>
+                <a:schemeClr val="bg1"/>
+              </a:solidFill>
+            </a:endParaRPr>
+          </a:p>
+        </p:txBody>
+      </p:sp>
+      <p:grpSp>
+        <p:nvGrpSpPr>
+          <p:cNvPr id="9" name="Group 8">
+            <a:extLst>
+              <a:ext uri="{FF2B5EF4-FFF2-40B4-BE49-F238E27FC236}">
+                <a16:creationId xmlns:a16="http://schemas.microsoft.com/office/drawing/2014/main" id="{5F9D1CBF-A219-4C01-85A0-9DF6151EE270}"/>
+              </a:ext>
+              <a:ext uri="{C183D7F6-B498-43B3-948B-1728B52AA6E4}">
+                <adec:decorative xmlns:adec="http://schemas.microsoft.com/office/drawing/2017/decorative" val="1"/>
+              </a:ext>
+            </a:extLst>
+          </p:cNvPr>
+          <p:cNvGrpSpPr>
+            <a:grpSpLocks noGrp="1" noUngrp="1" noRot="1" noChangeAspect="1" noMove="1" noResize="1"/>
+          </p:cNvGrpSpPr>
+          <p:nvPr>
+            <p:extLst>
+              <p:ext uri="{386F3935-93C4-4BCD-93E2-E3B085C9AB24}">
+                <p16:designElem xmlns:p16="http://schemas.microsoft.com/office/powerpoint/2015/main" val="1"/>
+              </p:ext>
+            </p:extLst>
+          </p:nvPr>
+        </p:nvGrpSpPr>
+        <p:grpSpPr>
+          <a:xfrm>
+            <a:off x="11479015" y="0"/>
+            <a:ext cx="712985" cy="6858000"/>
+            <a:chOff x="11479015" y="0"/>
+            <a:chExt cx="712985" cy="6858000"/>
+          </a:xfrm>
+          <a:effectLst>
+            <a:outerShdw blurRad="381000" dist="152400" dir="10800000" algn="ctr" rotWithShape="0">
+              <a:schemeClr val="bg1">
+                <a:alpha val="10000"/>
+              </a:schemeClr>
+            </a:outerShdw>
+          </a:effectLst>
+        </p:grpSpPr>
+        <p:sp>
+          <p:nvSpPr>
+            <p:cNvPr id="10" name="Freeform: Shape 9">
+              <a:extLst>
+                <a:ext uri="{FF2B5EF4-FFF2-40B4-BE49-F238E27FC236}">
+                  <a16:creationId xmlns:a16="http://schemas.microsoft.com/office/drawing/2014/main" id="{D9FC63AB-02B8-4DDD-8778-397188A37087}"/>
+                </a:ext>
+                <a:ext uri="{C183D7F6-B498-43B3-948B-1728B52AA6E4}">
+                  <adec:decorative xmlns:adec="http://schemas.microsoft.com/office/drawing/2017/decorative" val="1"/>
+                </a:ext>
+              </a:extLst>
+            </p:cNvPr>
+            <p:cNvSpPr/>
+            <p:nvPr>
+              <p:extLst>
+                <p:ext uri="{386F3935-93C4-4BCD-93E2-E3B085C9AB24}">
+                  <p16:designElem xmlns:p16="http://schemas.microsoft.com/office/powerpoint/2015/main" val="1"/>
+                </p:ext>
+              </p:extLst>
+            </p:nvPr>
+          </p:nvSpPr>
+          <p:spPr>
+            <a:xfrm>
+              <a:off x="11479018" y="0"/>
+              <a:ext cx="712982" cy="6858000"/>
+            </a:xfrm>
+            <a:custGeom>
+              <a:avLst/>
+              <a:gdLst>
+                <a:gd name="connsiteX0" fmla="*/ 280560 w 712982"/>
+                <a:gd name="connsiteY0" fmla="*/ 0 h 6858000"/>
+                <a:gd name="connsiteX1" fmla="*/ 712982 w 712982"/>
+                <a:gd name="connsiteY1" fmla="*/ 0 h 6858000"/>
+                <a:gd name="connsiteX2" fmla="*/ 712982 w 712982"/>
+                <a:gd name="connsiteY2" fmla="*/ 6858000 h 6858000"/>
+                <a:gd name="connsiteX3" fmla="*/ 372527 w 712982"/>
+                <a:gd name="connsiteY3" fmla="*/ 6858000 h 6858000"/>
+                <a:gd name="connsiteX4" fmla="*/ 372901 w 712982"/>
+                <a:gd name="connsiteY4" fmla="*/ 6835810 h 6858000"/>
+                <a:gd name="connsiteX5" fmla="*/ 363017 w 712982"/>
+                <a:gd name="connsiteY5" fmla="*/ 6518145 h 6858000"/>
+                <a:gd name="connsiteX6" fmla="*/ 310498 w 712982"/>
+                <a:gd name="connsiteY6" fmla="*/ 6393936 h 6858000"/>
+                <a:gd name="connsiteX7" fmla="*/ 305420 w 712982"/>
+                <a:gd name="connsiteY7" fmla="*/ 6355564 h 6858000"/>
+                <a:gd name="connsiteX8" fmla="*/ 311030 w 712982"/>
+                <a:gd name="connsiteY8" fmla="*/ 6267729 h 6858000"/>
+                <a:gd name="connsiteX9" fmla="*/ 281440 w 712982"/>
+                <a:gd name="connsiteY9" fmla="*/ 6090959 h 6858000"/>
+                <a:gd name="connsiteX10" fmla="*/ 258928 w 712982"/>
+                <a:gd name="connsiteY10" fmla="*/ 6026981 h 6858000"/>
+                <a:gd name="connsiteX11" fmla="*/ 245105 w 712982"/>
+                <a:gd name="connsiteY11" fmla="*/ 5991615 h 6858000"/>
+                <a:gd name="connsiteX12" fmla="*/ 197441 w 712982"/>
+                <a:gd name="connsiteY12" fmla="*/ 5807458 h 6858000"/>
+                <a:gd name="connsiteX13" fmla="*/ 159115 w 712982"/>
+                <a:gd name="connsiteY13" fmla="*/ 5727356 h 6858000"/>
+                <a:gd name="connsiteX14" fmla="*/ 152306 w 712982"/>
+                <a:gd name="connsiteY14" fmla="*/ 5705270 h 6858000"/>
+                <a:gd name="connsiteX15" fmla="*/ 150939 w 712982"/>
+                <a:gd name="connsiteY15" fmla="*/ 5580441 h 6858000"/>
+                <a:gd name="connsiteX16" fmla="*/ 187956 w 712982"/>
+                <a:gd name="connsiteY16" fmla="*/ 5482729 h 6858000"/>
+                <a:gd name="connsiteX17" fmla="*/ 201902 w 712982"/>
+                <a:gd name="connsiteY17" fmla="*/ 5463053 h 6858000"/>
+                <a:gd name="connsiteX18" fmla="*/ 168174 w 712982"/>
+                <a:gd name="connsiteY18" fmla="*/ 5205662 h 6858000"/>
+                <a:gd name="connsiteX19" fmla="*/ 157186 w 712982"/>
+                <a:gd name="connsiteY19" fmla="*/ 5166766 h 6858000"/>
+                <a:gd name="connsiteX20" fmla="*/ 163999 w 712982"/>
+                <a:gd name="connsiteY20" fmla="*/ 4972256 h 6858000"/>
+                <a:gd name="connsiteX21" fmla="*/ 163388 w 712982"/>
+                <a:gd name="connsiteY21" fmla="*/ 4915833 h 6858000"/>
+                <a:gd name="connsiteX22" fmla="*/ 166361 w 712982"/>
+                <a:gd name="connsiteY22" fmla="*/ 4712964 h 6858000"/>
+                <a:gd name="connsiteX23" fmla="*/ 140122 w 712982"/>
+                <a:gd name="connsiteY23" fmla="*/ 4687152 h 6858000"/>
+                <a:gd name="connsiteX24" fmla="*/ 73058 w 712982"/>
+                <a:gd name="connsiteY24" fmla="*/ 4611951 h 6858000"/>
+                <a:gd name="connsiteX25" fmla="*/ 3979 w 712982"/>
+                <a:gd name="connsiteY25" fmla="*/ 4456771 h 6858000"/>
+                <a:gd name="connsiteX26" fmla="*/ 2091 w 712982"/>
+                <a:gd name="connsiteY26" fmla="*/ 4412781 h 6858000"/>
+                <a:gd name="connsiteX27" fmla="*/ 75905 w 712982"/>
+                <a:gd name="connsiteY27" fmla="*/ 4292897 h 6858000"/>
+                <a:gd name="connsiteX28" fmla="*/ 104434 w 712982"/>
+                <a:gd name="connsiteY28" fmla="*/ 4235333 h 6858000"/>
+                <a:gd name="connsiteX29" fmla="*/ 151065 w 712982"/>
+                <a:gd name="connsiteY29" fmla="*/ 4075686 h 6858000"/>
+                <a:gd name="connsiteX30" fmla="*/ 161243 w 712982"/>
+                <a:gd name="connsiteY30" fmla="*/ 4061695 h 6858000"/>
+                <a:gd name="connsiteX31" fmla="*/ 286285 w 712982"/>
+                <a:gd name="connsiteY31" fmla="*/ 3933862 h 6858000"/>
+                <a:gd name="connsiteX32" fmla="*/ 306926 w 712982"/>
+                <a:gd name="connsiteY32" fmla="*/ 3905847 h 6858000"/>
+                <a:gd name="connsiteX33" fmla="*/ 340015 w 712982"/>
+                <a:gd name="connsiteY33" fmla="*/ 3871199 h 6858000"/>
+                <a:gd name="connsiteX34" fmla="*/ 400111 w 712982"/>
+                <a:gd name="connsiteY34" fmla="*/ 3767743 h 6858000"/>
+                <a:gd name="connsiteX35" fmla="*/ 409694 w 712982"/>
+                <a:gd name="connsiteY35" fmla="*/ 3646690 h 6858000"/>
+                <a:gd name="connsiteX36" fmla="*/ 428447 w 712982"/>
+                <a:gd name="connsiteY36" fmla="*/ 3499752 h 6858000"/>
+                <a:gd name="connsiteX37" fmla="*/ 445033 w 712982"/>
+                <a:gd name="connsiteY37" fmla="*/ 3437349 h 6858000"/>
+                <a:gd name="connsiteX38" fmla="*/ 471431 w 712982"/>
+                <a:gd name="connsiteY38" fmla="*/ 3272018 h 6858000"/>
+                <a:gd name="connsiteX39" fmla="*/ 495919 w 712982"/>
+                <a:gd name="connsiteY39" fmla="*/ 3153432 h 6858000"/>
+                <a:gd name="connsiteX40" fmla="*/ 499541 w 712982"/>
+                <a:gd name="connsiteY40" fmla="*/ 2985907 h 6858000"/>
+                <a:gd name="connsiteX41" fmla="*/ 491640 w 712982"/>
+                <a:gd name="connsiteY41" fmla="*/ 2905697 h 6858000"/>
+                <a:gd name="connsiteX42" fmla="*/ 586592 w 712982"/>
+                <a:gd name="connsiteY42" fmla="*/ 2746325 h 6858000"/>
+                <a:gd name="connsiteX43" fmla="*/ 647211 w 712982"/>
+                <a:gd name="connsiteY43" fmla="*/ 2620857 h 6858000"/>
+                <a:gd name="connsiteX44" fmla="*/ 598120 w 712982"/>
+                <a:gd name="connsiteY44" fmla="*/ 2501248 h 6858000"/>
+                <a:gd name="connsiteX45" fmla="*/ 560897 w 712982"/>
+                <a:gd name="connsiteY45" fmla="*/ 2471368 h 6858000"/>
+                <a:gd name="connsiteX46" fmla="*/ 506928 w 712982"/>
+                <a:gd name="connsiteY46" fmla="*/ 2272389 h 6858000"/>
+                <a:gd name="connsiteX47" fmla="*/ 474122 w 712982"/>
+                <a:gd name="connsiteY47" fmla="*/ 1983284 h 6858000"/>
+                <a:gd name="connsiteX48" fmla="*/ 349180 w 712982"/>
+                <a:gd name="connsiteY48" fmla="*/ 1510207 h 6858000"/>
+                <a:gd name="connsiteX49" fmla="*/ 306451 w 712982"/>
+                <a:gd name="connsiteY49" fmla="*/ 1430003 h 6858000"/>
+                <a:gd name="connsiteX50" fmla="*/ 287747 w 712982"/>
+                <a:gd name="connsiteY50" fmla="*/ 1336633 h 6858000"/>
+                <a:gd name="connsiteX51" fmla="*/ 304326 w 712982"/>
+                <a:gd name="connsiteY51" fmla="*/ 1298229 h 6858000"/>
+                <a:gd name="connsiteX52" fmla="*/ 317671 w 712982"/>
+                <a:gd name="connsiteY52" fmla="*/ 1136667 h 6858000"/>
+                <a:gd name="connsiteX53" fmla="*/ 314959 w 712982"/>
+                <a:gd name="connsiteY53" fmla="*/ 1106522 h 6858000"/>
+                <a:gd name="connsiteX54" fmla="*/ 290675 w 712982"/>
+                <a:gd name="connsiteY54" fmla="*/ 1004980 h 6858000"/>
+                <a:gd name="connsiteX55" fmla="*/ 272712 w 712982"/>
+                <a:gd name="connsiteY55" fmla="*/ 910357 h 6858000"/>
+                <a:gd name="connsiteX56" fmla="*/ 270963 w 712982"/>
+                <a:gd name="connsiteY56" fmla="*/ 667028 h 6858000"/>
+                <a:gd name="connsiteX57" fmla="*/ 244986 w 712982"/>
+                <a:gd name="connsiteY57" fmla="*/ 483131 h 6858000"/>
+                <a:gd name="connsiteX58" fmla="*/ 241465 w 712982"/>
+                <a:gd name="connsiteY58" fmla="*/ 397465 h 6858000"/>
+                <a:gd name="connsiteX59" fmla="*/ 244890 w 712982"/>
+                <a:gd name="connsiteY59" fmla="*/ 348507 h 6858000"/>
+                <a:gd name="connsiteX60" fmla="*/ 293439 w 712982"/>
+                <a:gd name="connsiteY60" fmla="*/ 233141 h 6858000"/>
+                <a:gd name="connsiteX61" fmla="*/ 300513 w 712982"/>
+                <a:gd name="connsiteY61" fmla="*/ 172069 h 6858000"/>
+              </a:gdLst>
+              <a:ahLst/>
+              <a:cxnLst>
+                <a:cxn ang="0">
+                  <a:pos x="connsiteX0" y="connsiteY0"/>
+                </a:cxn>
+                <a:cxn ang="0">
+                  <a:pos x="connsiteX1" y="connsiteY1"/>
+                </a:cxn>
+                <a:cxn ang="0">
+                  <a:pos x="connsiteX2" y="connsiteY2"/>
+                </a:cxn>
+                <a:cxn ang="0">
+                  <a:pos x="connsiteX3" y="connsiteY3"/>
+                </a:cxn>
+                <a:cxn ang="0">
+                  <a:pos x="connsiteX4" y="connsiteY4"/>
+                </a:cxn>
+                <a:cxn ang="0">
+                  <a:pos x="connsiteX5" y="connsiteY5"/>
+                </a:cxn>
+                <a:cxn ang="0">
+                  <a:pos x="connsiteX6" y="connsiteY6"/>
+                </a:cxn>
+                <a:cxn ang="0">
+                  <a:pos x="connsiteX7" y="connsiteY7"/>
+                </a:cxn>
+                <a:cxn ang="0">
+                  <a:pos x="connsiteX8" y="connsiteY8"/>
+                </a:cxn>
+                <a:cxn ang="0">
+                  <a:pos x="connsiteX9" y="connsiteY9"/>
+                </a:cxn>
+                <a:cxn ang="0">
+                  <a:pos x="connsiteX10" y="connsiteY10"/>
+                </a:cxn>
+                <a:cxn ang="0">
+                  <a:pos x="connsiteX11" y="connsiteY11"/>
+                </a:cxn>
+                <a:cxn ang="0">
+                  <a:pos x="connsiteX12" y="connsiteY12"/>
+                </a:cxn>
+                <a:cxn ang="0">
+                  <a:pos x="connsiteX13" y="connsiteY13"/>
+                </a:cxn>
+                <a:cxn ang="0">
+                  <a:pos x="connsiteX14" y="connsiteY14"/>
+                </a:cxn>
+                <a:cxn ang="0">
+                  <a:pos x="connsiteX15" y="connsiteY15"/>
+                </a:cxn>
+                <a:cxn ang="0">
+                  <a:pos x="connsiteX16" y="connsiteY16"/>
+                </a:cxn>
+                <a:cxn ang="0">
+                  <a:pos x="connsiteX17" y="connsiteY17"/>
+                </a:cxn>
+                <a:cxn ang="0">
+                  <a:pos x="connsiteX18" y="connsiteY18"/>
+                </a:cxn>
+                <a:cxn ang="0">
+                  <a:pos x="connsiteX19" y="connsiteY19"/>
+                </a:cxn>
+                <a:cxn ang="0">
+                  <a:pos x="connsiteX20" y="connsiteY20"/>
+                </a:cxn>
+                <a:cxn ang="0">
+                  <a:pos x="connsiteX21" y="connsiteY21"/>
+                </a:cxn>
+                <a:cxn ang="0">
+                  <a:pos x="connsiteX22" y="connsiteY22"/>
+                </a:cxn>
+                <a:cxn ang="0">
+                  <a:pos x="connsiteX23" y="connsiteY23"/>
+                </a:cxn>
+                <a:cxn ang="0">
+                  <a:pos x="connsiteX24" y="connsiteY24"/>
+                </a:cxn>
+                <a:cxn ang="0">
+                  <a:pos x="connsiteX25" y="connsiteY25"/>
+                </a:cxn>
+                <a:cxn ang="0">
+                  <a:pos x="connsiteX26" y="connsiteY26"/>
+                </a:cxn>
+                <a:cxn ang="0">
+                  <a:pos x="connsiteX27" y="connsiteY27"/>
+                </a:cxn>
+                <a:cxn ang="0">
+                  <a:pos x="connsiteX28" y="connsiteY28"/>
+                </a:cxn>
+                <a:cxn ang="0">
+                  <a:pos x="connsiteX29" y="connsiteY29"/>
+                </a:cxn>
+                <a:cxn ang="0">
+                  <a:pos x="connsiteX30" y="connsiteY30"/>
+                </a:cxn>
+                <a:cxn ang="0">
+                  <a:pos x="connsiteX31" y="connsiteY31"/>
+                </a:cxn>
+                <a:cxn ang="0">
+                  <a:pos x="connsiteX32" y="connsiteY32"/>
+                </a:cxn>
+                <a:cxn ang="0">
+                  <a:pos x="connsiteX33" y="connsiteY33"/>
+                </a:cxn>
+                <a:cxn ang="0">
+                  <a:pos x="connsiteX34" y="connsiteY34"/>
+                </a:cxn>
+                <a:cxn ang="0">
+                  <a:pos x="connsiteX35" y="connsiteY35"/>
+                </a:cxn>
+                <a:cxn ang="0">
+                  <a:pos x="connsiteX36" y="connsiteY36"/>
+                </a:cxn>
+                <a:cxn ang="0">
+                  <a:pos x="connsiteX37" y="connsiteY37"/>
+                </a:cxn>
+                <a:cxn ang="0">
+                  <a:pos x="connsiteX38" y="connsiteY38"/>
+                </a:cxn>
+                <a:cxn ang="0">
+                  <a:pos x="connsiteX39" y="connsiteY39"/>
+                </a:cxn>
+                <a:cxn ang="0">
+                  <a:pos x="connsiteX40" y="connsiteY40"/>
+                </a:cxn>
+                <a:cxn ang="0">
+                  <a:pos x="connsiteX41" y="connsiteY41"/>
+                </a:cxn>
+                <a:cxn ang="0">
+                  <a:pos x="connsiteX42" y="connsiteY42"/>
+                </a:cxn>
+                <a:cxn ang="0">
+                  <a:pos x="connsiteX43" y="connsiteY43"/>
+                </a:cxn>
+                <a:cxn ang="0">
+                  <a:pos x="connsiteX44" y="connsiteY44"/>
+                </a:cxn>
+                <a:cxn ang="0">
+                  <a:pos x="connsiteX45" y="connsiteY45"/>
+                </a:cxn>
+                <a:cxn ang="0">
+                  <a:pos x="connsiteX46" y="connsiteY46"/>
+                </a:cxn>
+                <a:cxn ang="0">
+                  <a:pos x="connsiteX47" y="connsiteY47"/>
+                </a:cxn>
+                <a:cxn ang="0">
+                  <a:pos x="connsiteX48" y="connsiteY48"/>
+                </a:cxn>
+                <a:cxn ang="0">
+                  <a:pos x="connsiteX49" y="connsiteY49"/>
+                </a:cxn>
+                <a:cxn ang="0">
+                  <a:pos x="connsiteX50" y="connsiteY50"/>
+                </a:cxn>
+                <a:cxn ang="0">
+                  <a:pos x="connsiteX51" y="connsiteY51"/>
+                </a:cxn>
+                <a:cxn ang="0">
+                  <a:pos x="connsiteX52" y="connsiteY52"/>
+                </a:cxn>
+                <a:cxn ang="0">
+                  <a:pos x="connsiteX53" y="connsiteY53"/>
+                </a:cxn>
+                <a:cxn ang="0">
+                  <a:pos x="connsiteX54" y="connsiteY54"/>
+                </a:cxn>
+                <a:cxn ang="0">
+                  <a:pos x="connsiteX55" y="connsiteY55"/>
+                </a:cxn>
+                <a:cxn ang="0">
+                  <a:pos x="connsiteX56" y="connsiteY56"/>
+                </a:cxn>
+                <a:cxn ang="0">
+                  <a:pos x="connsiteX57" y="connsiteY57"/>
+                </a:cxn>
+                <a:cxn ang="0">
+                  <a:pos x="connsiteX58" y="connsiteY58"/>
+                </a:cxn>
+                <a:cxn ang="0">
+                  <a:pos x="connsiteX59" y="connsiteY59"/>
+                </a:cxn>
+                <a:cxn ang="0">
+                  <a:pos x="connsiteX60" y="connsiteY60"/>
+                </a:cxn>
+                <a:cxn ang="0">
+                  <a:pos x="connsiteX61" y="connsiteY61"/>
+                </a:cxn>
+              </a:cxnLst>
+              <a:rect l="l" t="t" r="r" b="b"/>
+              <a:pathLst>
+                <a:path w="712982" h="6858000">
+                  <a:moveTo>
+                    <a:pt x="280560" y="0"/>
+                  </a:moveTo>
+                  <a:lnTo>
+                    <a:pt x="712982" y="0"/>
+                  </a:lnTo>
+                  <a:lnTo>
+                    <a:pt x="712982" y="6858000"/>
+                  </a:lnTo>
+                  <a:lnTo>
+                    <a:pt x="372527" y="6858000"/>
+                  </a:lnTo>
+                  <a:lnTo>
+                    <a:pt x="372901" y="6835810"/>
+                  </a:lnTo>
+                  <a:cubicBezTo>
+                    <a:pt x="343741" y="6729822"/>
+                    <a:pt x="373381" y="6623551"/>
+                    <a:pt x="363017" y="6518145"/>
+                  </a:cubicBezTo>
+                  <a:cubicBezTo>
+                    <a:pt x="358372" y="6470360"/>
+                    <a:pt x="362468" y="6422202"/>
+                    <a:pt x="310498" y="6393936"/>
+                  </a:cubicBezTo>
+                  <a:cubicBezTo>
+                    <a:pt x="303659" y="6390296"/>
+                    <a:pt x="304819" y="6368800"/>
+                    <a:pt x="305420" y="6355564"/>
+                  </a:cubicBezTo>
+                  <a:cubicBezTo>
+                    <a:pt x="306594" y="6326166"/>
+                    <a:pt x="314451" y="6296329"/>
+                    <a:pt x="311030" y="6267729"/>
+                  </a:cubicBezTo>
+                  <a:cubicBezTo>
+                    <a:pt x="304253" y="6208466"/>
+                    <a:pt x="293104" y="6149393"/>
+                    <a:pt x="281440" y="6090959"/>
+                  </a:cubicBezTo>
+                  <a:cubicBezTo>
+                    <a:pt x="276978" y="6068911"/>
+                    <a:pt x="266829" y="6048361"/>
+                    <a:pt x="258928" y="6026981"/>
+                  </a:cubicBezTo>
+                  <a:cubicBezTo>
+                    <a:pt x="254416" y="6015184"/>
+                    <a:pt x="244605" y="6003083"/>
+                    <a:pt x="245105" y="5991615"/>
+                  </a:cubicBezTo>
+                  <a:cubicBezTo>
+                    <a:pt x="248075" y="5925141"/>
+                    <a:pt x="216651" y="5867990"/>
+                    <a:pt x="197441" y="5807458"/>
+                  </a:cubicBezTo>
+                  <a:cubicBezTo>
+                    <a:pt x="188523" y="5779456"/>
+                    <a:pt x="171697" y="5754078"/>
+                    <a:pt x="159115" y="5727356"/>
+                  </a:cubicBezTo>
+                  <a:cubicBezTo>
+                    <a:pt x="155717" y="5720411"/>
+                    <a:pt x="152517" y="5712566"/>
+                    <a:pt x="152306" y="5705270"/>
+                  </a:cubicBezTo>
+                  <a:cubicBezTo>
+                    <a:pt x="151252" y="5663532"/>
+                    <a:pt x="151674" y="5621922"/>
+                    <a:pt x="150939" y="5580441"/>
+                  </a:cubicBezTo>
+                  <a:cubicBezTo>
+                    <a:pt x="150326" y="5542748"/>
+                    <a:pt x="147369" y="5505023"/>
+                    <a:pt x="187956" y="5482729"/>
+                  </a:cubicBezTo>
+                  <a:cubicBezTo>
+                    <a:pt x="194324" y="5479395"/>
+                    <a:pt x="198291" y="5470181"/>
+                    <a:pt x="201902" y="5463053"/>
+                  </a:cubicBezTo>
+                  <a:cubicBezTo>
+                    <a:pt x="257480" y="5353065"/>
+                    <a:pt x="249730" y="5298303"/>
+                    <a:pt x="168174" y="5205662"/>
+                  </a:cubicBezTo>
+                  <a:cubicBezTo>
+                    <a:pt x="159805" y="5196040"/>
+                    <a:pt x="152161" y="5174340"/>
+                    <a:pt x="157186" y="5166766"/>
+                  </a:cubicBezTo>
+                  <a:cubicBezTo>
+                    <a:pt x="198743" y="5102508"/>
+                    <a:pt x="186477" y="5038579"/>
+                    <a:pt x="163999" y="4972256"/>
+                  </a:cubicBezTo>
+                  <a:cubicBezTo>
+                    <a:pt x="158020" y="4955056"/>
+                    <a:pt x="155299" y="4930181"/>
+                    <a:pt x="163388" y="4915833"/>
+                  </a:cubicBezTo>
+                  <a:cubicBezTo>
+                    <a:pt x="200708" y="4847649"/>
+                    <a:pt x="186907" y="4780374"/>
+                    <a:pt x="166361" y="4712964"/>
+                  </a:cubicBezTo>
+                  <a:cubicBezTo>
+                    <a:pt x="163165" y="4702485"/>
+                    <a:pt x="150748" y="4690669"/>
+                    <a:pt x="140122" y="4687152"/>
+                  </a:cubicBezTo>
+                  <a:cubicBezTo>
+                    <a:pt x="102452" y="4674589"/>
+                    <a:pt x="86917" y="4644970"/>
+                    <a:pt x="73058" y="4611951"/>
+                  </a:cubicBezTo>
+                  <a:cubicBezTo>
+                    <a:pt x="50686" y="4559957"/>
+                    <a:pt x="25516" y="4509149"/>
+                    <a:pt x="3979" y="4456771"/>
+                  </a:cubicBezTo>
+                  <a:cubicBezTo>
+                    <a:pt x="-1236" y="4443877"/>
+                    <a:pt x="-726" y="4427139"/>
+                    <a:pt x="2091" y="4412781"/>
+                  </a:cubicBezTo>
+                  <a:cubicBezTo>
+                    <a:pt x="11653" y="4363733"/>
+                    <a:pt x="45382" y="4329603"/>
+                    <a:pt x="75905" y="4292897"/>
+                  </a:cubicBezTo>
+                  <a:cubicBezTo>
+                    <a:pt x="89361" y="4276787"/>
+                    <a:pt x="97880" y="4255660"/>
+                    <a:pt x="104434" y="4235333"/>
+                  </a:cubicBezTo>
+                  <a:cubicBezTo>
+                    <a:pt x="121200" y="4182569"/>
+                    <a:pt x="135523" y="4128901"/>
+                    <a:pt x="151065" y="4075686"/>
+                  </a:cubicBezTo>
+                  <a:cubicBezTo>
+                    <a:pt x="152552" y="4070549"/>
+                    <a:pt x="157315" y="4065932"/>
+                    <a:pt x="161243" y="4061695"/>
+                  </a:cubicBezTo>
+                  <a:cubicBezTo>
+                    <a:pt x="202828" y="4019095"/>
+                    <a:pt x="244731" y="3976753"/>
+                    <a:pt x="286285" y="3933862"/>
+                  </a:cubicBezTo>
+                  <a:cubicBezTo>
+                    <a:pt x="294168" y="3925683"/>
+                    <a:pt x="299393" y="3914571"/>
+                    <a:pt x="306926" y="3905847"/>
+                  </a:cubicBezTo>
+                  <a:cubicBezTo>
+                    <a:pt x="317292" y="3893589"/>
+                    <a:pt x="326766" y="3878502"/>
+                    <a:pt x="340015" y="3871199"/>
+                  </a:cubicBezTo>
+                  <a:cubicBezTo>
+                    <a:pt x="381725" y="3848490"/>
+                    <a:pt x="396760" y="3812013"/>
+                    <a:pt x="400111" y="3767743"/>
+                  </a:cubicBezTo>
+                  <a:cubicBezTo>
+                    <a:pt x="403294" y="3727294"/>
+                    <a:pt x="405323" y="3686973"/>
+                    <a:pt x="409694" y="3646690"/>
+                  </a:cubicBezTo>
+                  <a:cubicBezTo>
+                    <a:pt x="414852" y="3597538"/>
+                    <a:pt x="420910" y="3548579"/>
+                    <a:pt x="428447" y="3499752"/>
+                  </a:cubicBezTo>
+                  <a:cubicBezTo>
+                    <a:pt x="431696" y="3478619"/>
+                    <a:pt x="435683" y="3456228"/>
+                    <a:pt x="445033" y="3437349"/>
+                  </a:cubicBezTo>
+                  <a:cubicBezTo>
+                    <a:pt x="470858" y="3384475"/>
+                    <a:pt x="486179" y="3329236"/>
+                    <a:pt x="471431" y="3272018"/>
+                  </a:cubicBezTo>
+                  <a:cubicBezTo>
+                    <a:pt x="459682" y="3226180"/>
+                    <a:pt x="472474" y="3185267"/>
+                    <a:pt x="495919" y="3153432"/>
+                  </a:cubicBezTo>
+                  <a:cubicBezTo>
+                    <a:pt x="538461" y="3095505"/>
+                    <a:pt x="521296" y="3040311"/>
+                    <a:pt x="499541" y="2985907"/>
+                  </a:cubicBezTo>
+                  <a:cubicBezTo>
+                    <a:pt x="488276" y="2957871"/>
+                    <a:pt x="486838" y="2934028"/>
+                    <a:pt x="491640" y="2905697"/>
+                  </a:cubicBezTo>
+                  <a:cubicBezTo>
+                    <a:pt x="502898" y="2840071"/>
+                    <a:pt x="547705" y="2792141"/>
+                    <a:pt x="586592" y="2746325"/>
+                  </a:cubicBezTo>
+                  <a:cubicBezTo>
+                    <a:pt x="619786" y="2707275"/>
+                    <a:pt x="636305" y="2665661"/>
+                    <a:pt x="647211" y="2620857"/>
+                  </a:cubicBezTo>
+                  <a:cubicBezTo>
+                    <a:pt x="661216" y="2564298"/>
+                    <a:pt x="648982" y="2522027"/>
+                    <a:pt x="598120" y="2501248"/>
+                  </a:cubicBezTo>
+                  <a:cubicBezTo>
+                    <a:pt x="583733" y="2495506"/>
+                    <a:pt x="566431" y="2484521"/>
+                    <a:pt x="560897" y="2471368"/>
+                  </a:cubicBezTo>
+                  <a:cubicBezTo>
+                    <a:pt x="533469" y="2407931"/>
+                    <a:pt x="496686" y="2344634"/>
+                    <a:pt x="506928" y="2272389"/>
+                  </a:cubicBezTo>
+                  <a:cubicBezTo>
+                    <a:pt x="520879" y="2172517"/>
+                    <a:pt x="509052" y="2077807"/>
+                    <a:pt x="474122" y="1983284"/>
+                  </a:cubicBezTo>
+                  <a:cubicBezTo>
+                    <a:pt x="417537" y="1829959"/>
+                    <a:pt x="358639" y="1676886"/>
+                    <a:pt x="349180" y="1510207"/>
+                  </a:cubicBezTo>
+                  <a:cubicBezTo>
+                    <a:pt x="347619" y="1482573"/>
+                    <a:pt x="326399" y="1451821"/>
+                    <a:pt x="306451" y="1430003"/>
+                  </a:cubicBezTo>
+                  <a:cubicBezTo>
+                    <a:pt x="268511" y="1388202"/>
+                    <a:pt x="266127" y="1390512"/>
+                    <a:pt x="287747" y="1336633"/>
+                  </a:cubicBezTo>
+                  <a:cubicBezTo>
+                    <a:pt x="293070" y="1323756"/>
+                    <a:pt x="295470" y="1308272"/>
+                    <a:pt x="304326" y="1298229"/>
+                  </a:cubicBezTo>
+                  <a:cubicBezTo>
+                    <a:pt x="349361" y="1247057"/>
+                    <a:pt x="331041" y="1191986"/>
+                    <a:pt x="317671" y="1136667"/>
+                  </a:cubicBezTo>
+                  <a:cubicBezTo>
+                    <a:pt x="315148" y="1126990"/>
+                    <a:pt x="311827" y="1115354"/>
+                    <a:pt x="314959" y="1106522"/>
+                  </a:cubicBezTo>
+                  <a:cubicBezTo>
+                    <a:pt x="329032" y="1066641"/>
+                    <a:pt x="319157" y="1035231"/>
+                    <a:pt x="290675" y="1004980"/>
+                  </a:cubicBezTo>
+                  <a:cubicBezTo>
+                    <a:pt x="266138" y="978690"/>
+                    <a:pt x="249805" y="947108"/>
+                    <a:pt x="272712" y="910357"/>
+                  </a:cubicBezTo>
+                  <a:cubicBezTo>
+                    <a:pt x="323486" y="828702"/>
+                    <a:pt x="317578" y="747981"/>
+                    <a:pt x="270963" y="667028"/>
+                  </a:cubicBezTo>
+                  <a:cubicBezTo>
+                    <a:pt x="237707" y="609204"/>
+                    <a:pt x="225082" y="549995"/>
+                    <a:pt x="244986" y="483131"/>
+                  </a:cubicBezTo>
+                  <a:cubicBezTo>
+                    <a:pt x="252708" y="457408"/>
+                    <a:pt x="242285" y="426353"/>
+                    <a:pt x="241465" y="397465"/>
+                  </a:cubicBezTo>
+                  <a:cubicBezTo>
+                    <a:pt x="240850" y="381142"/>
+                    <a:pt x="239176" y="363176"/>
+                    <a:pt x="244890" y="348507"/>
+                  </a:cubicBezTo>
+                  <a:cubicBezTo>
+                    <a:pt x="259350" y="309454"/>
+                    <a:pt x="279299" y="272445"/>
+                    <a:pt x="293439" y="233141"/>
+                  </a:cubicBezTo>
+                  <a:cubicBezTo>
+                    <a:pt x="300152" y="214256"/>
+                    <a:pt x="302437" y="192349"/>
+                    <a:pt x="300513" y="172069"/>
+                  </a:cubicBezTo>
+                  <a:close/>
+                </a:path>
+              </a:pathLst>
+            </a:custGeom>
+            <a:solidFill>
+              <a:srgbClr val="FFFFFF"/>
+            </a:solidFill>
+            <a:ln w="12700" cap="flat" cmpd="sng" algn="ctr">
+              <a:noFill/>
+              <a:prstDash val="solid"/>
+              <a:miter lim="800000"/>
+            </a:ln>
+            <a:effectLst/>
+          </p:spPr>
+          <p:style>
+            <a:lnRef idx="2">
+              <a:schemeClr val="accent1">
+                <a:shade val="50000"/>
+              </a:schemeClr>
+            </a:lnRef>
+            <a:fillRef idx="1">
+              <a:schemeClr val="accent1"/>
+            </a:fillRef>
+            <a:effectRef idx="0">
+              <a:schemeClr val="accent1"/>
+            </a:effectRef>
+            <a:fontRef idx="minor">
+              <a:schemeClr val="lt1"/>
+            </a:fontRef>
+          </p:style>
+          <p:txBody>
+            <a:bodyPr wrap="square" rtlCol="0" anchor="ctr">
+              <a:noAutofit/>
+            </a:bodyPr>
+            <a:lstStyle/>
+            <a:p>
+              <a:pPr algn="ctr"/>
+              <a:endParaRPr lang="en-US"/>
+            </a:p>
+          </p:txBody>
+        </p:sp>
+        <p:sp>
+          <p:nvSpPr>
+            <p:cNvPr id="11" name="Freeform: Shape 10">
+              <a:extLst>
+                <a:ext uri="{FF2B5EF4-FFF2-40B4-BE49-F238E27FC236}">
+                  <a16:creationId xmlns:a16="http://schemas.microsoft.com/office/drawing/2014/main" id="{AC0AB7ED-D983-4149-A166-B31B71163F62}"/>
+                </a:ext>
+                <a:ext uri="{C183D7F6-B498-43B3-948B-1728B52AA6E4}">
+                  <adec:decorative xmlns:adec="http://schemas.microsoft.com/office/drawing/2017/decorative" val="1"/>
+                </a:ext>
+              </a:extLst>
+            </p:cNvPr>
+            <p:cNvSpPr/>
+            <p:nvPr>
+              <p:extLst>
+                <p:ext uri="{386F3935-93C4-4BCD-93E2-E3B085C9AB24}">
+                  <p16:designElem xmlns:p16="http://schemas.microsoft.com/office/powerpoint/2015/main" val="1"/>
+                </p:ext>
+              </p:extLst>
+            </p:nvPr>
+          </p:nvSpPr>
+          <p:spPr>
+            <a:xfrm>
+              <a:off x="11479015" y="0"/>
+              <a:ext cx="712985" cy="6858000"/>
+            </a:xfrm>
+            <a:custGeom>
+              <a:avLst/>
+              <a:gdLst>
+                <a:gd name="connsiteX0" fmla="*/ 280560 w 712985"/>
+                <a:gd name="connsiteY0" fmla="*/ 0 h 6858000"/>
+                <a:gd name="connsiteX1" fmla="*/ 712985 w 712985"/>
+                <a:gd name="connsiteY1" fmla="*/ 0 h 6858000"/>
+                <a:gd name="connsiteX2" fmla="*/ 712985 w 712985"/>
+                <a:gd name="connsiteY2" fmla="*/ 6858000 h 6858000"/>
+                <a:gd name="connsiteX3" fmla="*/ 372527 w 712985"/>
+                <a:gd name="connsiteY3" fmla="*/ 6858000 h 6858000"/>
+                <a:gd name="connsiteX4" fmla="*/ 372901 w 712985"/>
+                <a:gd name="connsiteY4" fmla="*/ 6835810 h 6858000"/>
+                <a:gd name="connsiteX5" fmla="*/ 363017 w 712985"/>
+                <a:gd name="connsiteY5" fmla="*/ 6518145 h 6858000"/>
+                <a:gd name="connsiteX6" fmla="*/ 310498 w 712985"/>
+                <a:gd name="connsiteY6" fmla="*/ 6393936 h 6858000"/>
+                <a:gd name="connsiteX7" fmla="*/ 305420 w 712985"/>
+                <a:gd name="connsiteY7" fmla="*/ 6355564 h 6858000"/>
+                <a:gd name="connsiteX8" fmla="*/ 311030 w 712985"/>
+                <a:gd name="connsiteY8" fmla="*/ 6267729 h 6858000"/>
+                <a:gd name="connsiteX9" fmla="*/ 281440 w 712985"/>
+                <a:gd name="connsiteY9" fmla="*/ 6090959 h 6858000"/>
+                <a:gd name="connsiteX10" fmla="*/ 258928 w 712985"/>
+                <a:gd name="connsiteY10" fmla="*/ 6026981 h 6858000"/>
+                <a:gd name="connsiteX11" fmla="*/ 245105 w 712985"/>
+                <a:gd name="connsiteY11" fmla="*/ 5991615 h 6858000"/>
+                <a:gd name="connsiteX12" fmla="*/ 197441 w 712985"/>
+                <a:gd name="connsiteY12" fmla="*/ 5807458 h 6858000"/>
+                <a:gd name="connsiteX13" fmla="*/ 159115 w 712985"/>
+                <a:gd name="connsiteY13" fmla="*/ 5727356 h 6858000"/>
+                <a:gd name="connsiteX14" fmla="*/ 152306 w 712985"/>
+                <a:gd name="connsiteY14" fmla="*/ 5705270 h 6858000"/>
+                <a:gd name="connsiteX15" fmla="*/ 150939 w 712985"/>
+                <a:gd name="connsiteY15" fmla="*/ 5580441 h 6858000"/>
+                <a:gd name="connsiteX16" fmla="*/ 187956 w 712985"/>
+                <a:gd name="connsiteY16" fmla="*/ 5482729 h 6858000"/>
+                <a:gd name="connsiteX17" fmla="*/ 201902 w 712985"/>
+                <a:gd name="connsiteY17" fmla="*/ 5463053 h 6858000"/>
+                <a:gd name="connsiteX18" fmla="*/ 168174 w 712985"/>
+                <a:gd name="connsiteY18" fmla="*/ 5205662 h 6858000"/>
+                <a:gd name="connsiteX19" fmla="*/ 157186 w 712985"/>
+                <a:gd name="connsiteY19" fmla="*/ 5166766 h 6858000"/>
+                <a:gd name="connsiteX20" fmla="*/ 163999 w 712985"/>
+                <a:gd name="connsiteY20" fmla="*/ 4972256 h 6858000"/>
+                <a:gd name="connsiteX21" fmla="*/ 163388 w 712985"/>
+                <a:gd name="connsiteY21" fmla="*/ 4915833 h 6858000"/>
+                <a:gd name="connsiteX22" fmla="*/ 166361 w 712985"/>
+                <a:gd name="connsiteY22" fmla="*/ 4712964 h 6858000"/>
+                <a:gd name="connsiteX23" fmla="*/ 140122 w 712985"/>
+                <a:gd name="connsiteY23" fmla="*/ 4687152 h 6858000"/>
+                <a:gd name="connsiteX24" fmla="*/ 73058 w 712985"/>
+                <a:gd name="connsiteY24" fmla="*/ 4611951 h 6858000"/>
+                <a:gd name="connsiteX25" fmla="*/ 3979 w 712985"/>
+                <a:gd name="connsiteY25" fmla="*/ 4456771 h 6858000"/>
+                <a:gd name="connsiteX26" fmla="*/ 2091 w 712985"/>
+                <a:gd name="connsiteY26" fmla="*/ 4412781 h 6858000"/>
+                <a:gd name="connsiteX27" fmla="*/ 75905 w 712985"/>
+                <a:gd name="connsiteY27" fmla="*/ 4292897 h 6858000"/>
+                <a:gd name="connsiteX28" fmla="*/ 104434 w 712985"/>
+                <a:gd name="connsiteY28" fmla="*/ 4235333 h 6858000"/>
+                <a:gd name="connsiteX29" fmla="*/ 151065 w 712985"/>
+                <a:gd name="connsiteY29" fmla="*/ 4075686 h 6858000"/>
+                <a:gd name="connsiteX30" fmla="*/ 161243 w 712985"/>
+                <a:gd name="connsiteY30" fmla="*/ 4061695 h 6858000"/>
+                <a:gd name="connsiteX31" fmla="*/ 286285 w 712985"/>
+                <a:gd name="connsiteY31" fmla="*/ 3933862 h 6858000"/>
+                <a:gd name="connsiteX32" fmla="*/ 306926 w 712985"/>
+                <a:gd name="connsiteY32" fmla="*/ 3905847 h 6858000"/>
+                <a:gd name="connsiteX33" fmla="*/ 340015 w 712985"/>
+                <a:gd name="connsiteY33" fmla="*/ 3871199 h 6858000"/>
+                <a:gd name="connsiteX34" fmla="*/ 400111 w 712985"/>
+                <a:gd name="connsiteY34" fmla="*/ 3767743 h 6858000"/>
+                <a:gd name="connsiteX35" fmla="*/ 409694 w 712985"/>
+                <a:gd name="connsiteY35" fmla="*/ 3646690 h 6858000"/>
+                <a:gd name="connsiteX36" fmla="*/ 428447 w 712985"/>
+                <a:gd name="connsiteY36" fmla="*/ 3499752 h 6858000"/>
+                <a:gd name="connsiteX37" fmla="*/ 445033 w 712985"/>
+                <a:gd name="connsiteY37" fmla="*/ 3437349 h 6858000"/>
+                <a:gd name="connsiteX38" fmla="*/ 471431 w 712985"/>
+                <a:gd name="connsiteY38" fmla="*/ 3272018 h 6858000"/>
+                <a:gd name="connsiteX39" fmla="*/ 495919 w 712985"/>
+                <a:gd name="connsiteY39" fmla="*/ 3153432 h 6858000"/>
+                <a:gd name="connsiteX40" fmla="*/ 499541 w 712985"/>
+                <a:gd name="connsiteY40" fmla="*/ 2985907 h 6858000"/>
+                <a:gd name="connsiteX41" fmla="*/ 491640 w 712985"/>
+                <a:gd name="connsiteY41" fmla="*/ 2905697 h 6858000"/>
+                <a:gd name="connsiteX42" fmla="*/ 586592 w 712985"/>
+                <a:gd name="connsiteY42" fmla="*/ 2746325 h 6858000"/>
+                <a:gd name="connsiteX43" fmla="*/ 647211 w 712985"/>
+                <a:gd name="connsiteY43" fmla="*/ 2620857 h 6858000"/>
+                <a:gd name="connsiteX44" fmla="*/ 598120 w 712985"/>
+                <a:gd name="connsiteY44" fmla="*/ 2501248 h 6858000"/>
+                <a:gd name="connsiteX45" fmla="*/ 560897 w 712985"/>
+                <a:gd name="connsiteY45" fmla="*/ 2471368 h 6858000"/>
+                <a:gd name="connsiteX46" fmla="*/ 506928 w 712985"/>
+                <a:gd name="connsiteY46" fmla="*/ 2272389 h 6858000"/>
+                <a:gd name="connsiteX47" fmla="*/ 474122 w 712985"/>
+                <a:gd name="connsiteY47" fmla="*/ 1983284 h 6858000"/>
+                <a:gd name="connsiteX48" fmla="*/ 349180 w 712985"/>
+                <a:gd name="connsiteY48" fmla="*/ 1510207 h 6858000"/>
+                <a:gd name="connsiteX49" fmla="*/ 306451 w 712985"/>
+                <a:gd name="connsiteY49" fmla="*/ 1430003 h 6858000"/>
+                <a:gd name="connsiteX50" fmla="*/ 287747 w 712985"/>
+                <a:gd name="connsiteY50" fmla="*/ 1336633 h 6858000"/>
+                <a:gd name="connsiteX51" fmla="*/ 304326 w 712985"/>
+                <a:gd name="connsiteY51" fmla="*/ 1298229 h 6858000"/>
+                <a:gd name="connsiteX52" fmla="*/ 317671 w 712985"/>
+                <a:gd name="connsiteY52" fmla="*/ 1136667 h 6858000"/>
+                <a:gd name="connsiteX53" fmla="*/ 314959 w 712985"/>
+                <a:gd name="connsiteY53" fmla="*/ 1106522 h 6858000"/>
+                <a:gd name="connsiteX54" fmla="*/ 290675 w 712985"/>
+                <a:gd name="connsiteY54" fmla="*/ 1004980 h 6858000"/>
+                <a:gd name="connsiteX55" fmla="*/ 272712 w 712985"/>
+                <a:gd name="connsiteY55" fmla="*/ 910357 h 6858000"/>
+                <a:gd name="connsiteX56" fmla="*/ 270963 w 712985"/>
+                <a:gd name="connsiteY56" fmla="*/ 667028 h 6858000"/>
+                <a:gd name="connsiteX57" fmla="*/ 244986 w 712985"/>
+                <a:gd name="connsiteY57" fmla="*/ 483131 h 6858000"/>
+                <a:gd name="connsiteX58" fmla="*/ 241465 w 712985"/>
+                <a:gd name="connsiteY58" fmla="*/ 397465 h 6858000"/>
+                <a:gd name="connsiteX59" fmla="*/ 244890 w 712985"/>
+                <a:gd name="connsiteY59" fmla="*/ 348507 h 6858000"/>
+                <a:gd name="connsiteX60" fmla="*/ 293439 w 712985"/>
+                <a:gd name="connsiteY60" fmla="*/ 233141 h 6858000"/>
+                <a:gd name="connsiteX61" fmla="*/ 300513 w 712985"/>
+                <a:gd name="connsiteY61" fmla="*/ 172069 h 6858000"/>
+              </a:gdLst>
+              <a:ahLst/>
+              <a:cxnLst>
+                <a:cxn ang="0">
+                  <a:pos x="connsiteX0" y="connsiteY0"/>
+                </a:cxn>
+                <a:cxn ang="0">
+                  <a:pos x="connsiteX1" y="connsiteY1"/>
+                </a:cxn>
+                <a:cxn ang="0">
+                  <a:pos x="connsiteX2" y="connsiteY2"/>
+                </a:cxn>
+                <a:cxn ang="0">
+                  <a:pos x="connsiteX3" y="connsiteY3"/>
+                </a:cxn>
+                <a:cxn ang="0">
+                  <a:pos x="connsiteX4" y="connsiteY4"/>
+                </a:cxn>
+                <a:cxn ang="0">
+                  <a:pos x="connsiteX5" y="connsiteY5"/>
+                </a:cxn>
+                <a:cxn ang="0">
+                  <a:pos x="connsiteX6" y="connsiteY6"/>
+                </a:cxn>
+                <a:cxn ang="0">
+                  <a:pos x="connsiteX7" y="connsiteY7"/>
+                </a:cxn>
+                <a:cxn ang="0">
+                  <a:pos x="connsiteX8" y="connsiteY8"/>
+                </a:cxn>
+                <a:cxn ang="0">
+                  <a:pos x="connsiteX9" y="connsiteY9"/>
+                </a:cxn>
+                <a:cxn ang="0">
+                  <a:pos x="connsiteX10" y="connsiteY10"/>
+                </a:cxn>
+                <a:cxn ang="0">
+                  <a:pos x="connsiteX11" y="connsiteY11"/>
+                </a:cxn>
+                <a:cxn ang="0">
+                  <a:pos x="connsiteX12" y="connsiteY12"/>
+                </a:cxn>
+                <a:cxn ang="0">
+                  <a:pos x="connsiteX13" y="connsiteY13"/>
+                </a:cxn>
+                <a:cxn ang="0">
+                  <a:pos x="connsiteX14" y="connsiteY14"/>
+                </a:cxn>
+                <a:cxn ang="0">
+                  <a:pos x="connsiteX15" y="connsiteY15"/>
+                </a:cxn>
+                <a:cxn ang="0">
+                  <a:pos x="connsiteX16" y="connsiteY16"/>
+                </a:cxn>
+                <a:cxn ang="0">
+                  <a:pos x="connsiteX17" y="connsiteY17"/>
+                </a:cxn>
+                <a:cxn ang="0">
+                  <a:pos x="connsiteX18" y="connsiteY18"/>
+                </a:cxn>
+                <a:cxn ang="0">
+                  <a:pos x="connsiteX19" y="connsiteY19"/>
+                </a:cxn>
+                <a:cxn ang="0">
+                  <a:pos x="connsiteX20" y="connsiteY20"/>
+                </a:cxn>
+                <a:cxn ang="0">
+                  <a:pos x="connsiteX21" y="connsiteY21"/>
+                </a:cxn>
+                <a:cxn ang="0">
+                  <a:pos x="connsiteX22" y="connsiteY22"/>
+                </a:cxn>
+                <a:cxn ang="0">
+                  <a:pos x="connsiteX23" y="connsiteY23"/>
+                </a:cxn>
+                <a:cxn ang="0">
+                  <a:pos x="connsiteX24" y="connsiteY24"/>
+                </a:cxn>
+                <a:cxn ang="0">
+                  <a:pos x="connsiteX25" y="connsiteY25"/>
+                </a:cxn>
+                <a:cxn ang="0">
+                  <a:pos x="connsiteX26" y="connsiteY26"/>
+                </a:cxn>
+                <a:cxn ang="0">
+                  <a:pos x="connsiteX27" y="connsiteY27"/>
+                </a:cxn>
+                <a:cxn ang="0">
+                  <a:pos x="connsiteX28" y="connsiteY28"/>
+                </a:cxn>
+                <a:cxn ang="0">
+                  <a:pos x="connsiteX29" y="connsiteY29"/>
+                </a:cxn>
+                <a:cxn ang="0">
+                  <a:pos x="connsiteX30" y="connsiteY30"/>
+                </a:cxn>
+                <a:cxn ang="0">
+                  <a:pos x="connsiteX31" y="connsiteY31"/>
+                </a:cxn>
+                <a:cxn ang="0">
+                  <a:pos x="connsiteX32" y="connsiteY32"/>
+                </a:cxn>
+                <a:cxn ang="0">
+                  <a:pos x="connsiteX33" y="connsiteY33"/>
+                </a:cxn>
+                <a:cxn ang="0">
+                  <a:pos x="connsiteX34" y="connsiteY34"/>
+                </a:cxn>
+                <a:cxn ang="0">
+                  <a:pos x="connsiteX35" y="connsiteY35"/>
+                </a:cxn>
+                <a:cxn ang="0">
+                  <a:pos x="connsiteX36" y="connsiteY36"/>
+                </a:cxn>
+                <a:cxn ang="0">
+                  <a:pos x="connsiteX37" y="connsiteY37"/>
+                </a:cxn>
+                <a:cxn ang="0">
+                  <a:pos x="connsiteX38" y="connsiteY38"/>
+                </a:cxn>
+                <a:cxn ang="0">
+                  <a:pos x="connsiteX39" y="connsiteY39"/>
+                </a:cxn>
+                <a:cxn ang="0">
+                  <a:pos x="connsiteX40" y="connsiteY40"/>
+                </a:cxn>
+                <a:cxn ang="0">
+                  <a:pos x="connsiteX41" y="connsiteY41"/>
+                </a:cxn>
+                <a:cxn ang="0">
+                  <a:pos x="connsiteX42" y="connsiteY42"/>
+                </a:cxn>
+                <a:cxn ang="0">
+                  <a:pos x="connsiteX43" y="connsiteY43"/>
+                </a:cxn>
+                <a:cxn ang="0">
+                  <a:pos x="connsiteX44" y="connsiteY44"/>
+                </a:cxn>
+                <a:cxn ang="0">
+                  <a:pos x="connsiteX45" y="connsiteY45"/>
+                </a:cxn>
+                <a:cxn ang="0">
+                  <a:pos x="connsiteX46" y="connsiteY46"/>
+                </a:cxn>
+                <a:cxn ang="0">
+                  <a:pos x="connsiteX47" y="connsiteY47"/>
+                </a:cxn>
+                <a:cxn ang="0">
+                  <a:pos x="connsiteX48" y="connsiteY48"/>
+                </a:cxn>
+                <a:cxn ang="0">
+                  <a:pos x="connsiteX49" y="connsiteY49"/>
+                </a:cxn>
+                <a:cxn ang="0">
+                  <a:pos x="connsiteX50" y="connsiteY50"/>
+                </a:cxn>
+                <a:cxn ang="0">
+                  <a:pos x="connsiteX51" y="connsiteY51"/>
+                </a:cxn>
+                <a:cxn ang="0">
+                  <a:pos x="connsiteX52" y="connsiteY52"/>
+                </a:cxn>
+                <a:cxn ang="0">
+                  <a:pos x="connsiteX53" y="connsiteY53"/>
+                </a:cxn>
+                <a:cxn ang="0">
+                  <a:pos x="connsiteX54" y="connsiteY54"/>
+                </a:cxn>
+                <a:cxn ang="0">
+                  <a:pos x="connsiteX55" y="connsiteY55"/>
+                </a:cxn>
+                <a:cxn ang="0">
+                  <a:pos x="connsiteX56" y="connsiteY56"/>
+                </a:cxn>
+                <a:cxn ang="0">
+                  <a:pos x="connsiteX57" y="connsiteY57"/>
+                </a:cxn>
+                <a:cxn ang="0">
+                  <a:pos x="connsiteX58" y="connsiteY58"/>
+                </a:cxn>
+                <a:cxn ang="0">
+                  <a:pos x="connsiteX59" y="connsiteY59"/>
+                </a:cxn>
+                <a:cxn ang="0">
+                  <a:pos x="connsiteX60" y="connsiteY60"/>
+                </a:cxn>
+                <a:cxn ang="0">
+                  <a:pos x="connsiteX61" y="connsiteY61"/>
+                </a:cxn>
+              </a:cxnLst>
+              <a:rect l="l" t="t" r="r" b="b"/>
+              <a:pathLst>
+                <a:path w="712985" h="6858000">
+                  <a:moveTo>
+                    <a:pt x="280560" y="0"/>
+                  </a:moveTo>
+                  <a:lnTo>
+                    <a:pt x="712985" y="0"/>
+                  </a:lnTo>
+                  <a:lnTo>
+                    <a:pt x="712985" y="6858000"/>
+                  </a:lnTo>
+                  <a:lnTo>
+                    <a:pt x="372527" y="6858000"/>
+                  </a:lnTo>
+                  <a:lnTo>
+                    <a:pt x="372901" y="6835810"/>
+                  </a:lnTo>
+                  <a:cubicBezTo>
+                    <a:pt x="343741" y="6729822"/>
+                    <a:pt x="373381" y="6623551"/>
+                    <a:pt x="363017" y="6518145"/>
+                  </a:cubicBezTo>
+                  <a:cubicBezTo>
+                    <a:pt x="358372" y="6470360"/>
+                    <a:pt x="362468" y="6422202"/>
+                    <a:pt x="310498" y="6393936"/>
+                  </a:cubicBezTo>
+                  <a:cubicBezTo>
+                    <a:pt x="303659" y="6390296"/>
+                    <a:pt x="304819" y="6368800"/>
+                    <a:pt x="305420" y="6355564"/>
+                  </a:cubicBezTo>
+                  <a:cubicBezTo>
+                    <a:pt x="306594" y="6326166"/>
+                    <a:pt x="314451" y="6296329"/>
+                    <a:pt x="311030" y="6267729"/>
+                  </a:cubicBezTo>
+                  <a:cubicBezTo>
+                    <a:pt x="304253" y="6208466"/>
+                    <a:pt x="293104" y="6149393"/>
+                    <a:pt x="281440" y="6090959"/>
+                  </a:cubicBezTo>
+                  <a:cubicBezTo>
+                    <a:pt x="276978" y="6068911"/>
+                    <a:pt x="266829" y="6048361"/>
+                    <a:pt x="258928" y="6026981"/>
+                  </a:cubicBezTo>
+                  <a:cubicBezTo>
+                    <a:pt x="254416" y="6015184"/>
+                    <a:pt x="244605" y="6003083"/>
+                    <a:pt x="245105" y="5991615"/>
+                  </a:cubicBezTo>
+                  <a:cubicBezTo>
+                    <a:pt x="248075" y="5925141"/>
+                    <a:pt x="216651" y="5867990"/>
+                    <a:pt x="197441" y="5807458"/>
+                  </a:cubicBezTo>
+                  <a:cubicBezTo>
+                    <a:pt x="188523" y="5779456"/>
+                    <a:pt x="171697" y="5754078"/>
+                    <a:pt x="159115" y="5727356"/>
+                  </a:cubicBezTo>
+                  <a:cubicBezTo>
+                    <a:pt x="155717" y="5720411"/>
+                    <a:pt x="152517" y="5712566"/>
+                    <a:pt x="152306" y="5705270"/>
+                  </a:cubicBezTo>
+                  <a:cubicBezTo>
+                    <a:pt x="151252" y="5663532"/>
+                    <a:pt x="151674" y="5621922"/>
+                    <a:pt x="150939" y="5580441"/>
+                  </a:cubicBezTo>
+                  <a:cubicBezTo>
+                    <a:pt x="150326" y="5542748"/>
+                    <a:pt x="147369" y="5505023"/>
+                    <a:pt x="187956" y="5482729"/>
+                  </a:cubicBezTo>
+                  <a:cubicBezTo>
+                    <a:pt x="194324" y="5479395"/>
+                    <a:pt x="198291" y="5470181"/>
+                    <a:pt x="201902" y="5463053"/>
+                  </a:cubicBezTo>
+                  <a:cubicBezTo>
+                    <a:pt x="257480" y="5353065"/>
+                    <a:pt x="249730" y="5298303"/>
+                    <a:pt x="168174" y="5205662"/>
+                  </a:cubicBezTo>
+                  <a:cubicBezTo>
+                    <a:pt x="159805" y="5196040"/>
+                    <a:pt x="152161" y="5174340"/>
+                    <a:pt x="157186" y="5166766"/>
+                  </a:cubicBezTo>
+                  <a:cubicBezTo>
+                    <a:pt x="198743" y="5102508"/>
+                    <a:pt x="186477" y="5038579"/>
+                    <a:pt x="163999" y="4972256"/>
+                  </a:cubicBezTo>
+                  <a:cubicBezTo>
+                    <a:pt x="158020" y="4955056"/>
+                    <a:pt x="155299" y="4930181"/>
+                    <a:pt x="163388" y="4915833"/>
+                  </a:cubicBezTo>
+                  <a:cubicBezTo>
+                    <a:pt x="200708" y="4847649"/>
+                    <a:pt x="186907" y="4780374"/>
+                    <a:pt x="166361" y="4712964"/>
+                  </a:cubicBezTo>
+                  <a:cubicBezTo>
+                    <a:pt x="163165" y="4702485"/>
+                    <a:pt x="150748" y="4690669"/>
+                    <a:pt x="140122" y="4687152"/>
+                  </a:cubicBezTo>
+                  <a:cubicBezTo>
+                    <a:pt x="102452" y="4674589"/>
+                    <a:pt x="86917" y="4644970"/>
+                    <a:pt x="73058" y="4611951"/>
+                  </a:cubicBezTo>
+                  <a:cubicBezTo>
+                    <a:pt x="50686" y="4559957"/>
+                    <a:pt x="25516" y="4509149"/>
+                    <a:pt x="3979" y="4456771"/>
+                  </a:cubicBezTo>
+                  <a:cubicBezTo>
+                    <a:pt x="-1236" y="4443877"/>
+                    <a:pt x="-726" y="4427139"/>
+                    <a:pt x="2091" y="4412781"/>
+                  </a:cubicBezTo>
+                  <a:cubicBezTo>
+                    <a:pt x="11653" y="4363733"/>
+                    <a:pt x="45382" y="4329603"/>
+                    <a:pt x="75905" y="4292897"/>
+                  </a:cubicBezTo>
+                  <a:cubicBezTo>
+                    <a:pt x="89361" y="4276787"/>
+                    <a:pt x="97880" y="4255660"/>
+                    <a:pt x="104434" y="4235333"/>
+                  </a:cubicBezTo>
+                  <a:cubicBezTo>
+                    <a:pt x="121200" y="4182569"/>
+                    <a:pt x="135523" y="4128901"/>
+                    <a:pt x="151065" y="4075686"/>
+                  </a:cubicBezTo>
+                  <a:cubicBezTo>
+                    <a:pt x="152552" y="4070549"/>
+                    <a:pt x="157315" y="4065932"/>
+                    <a:pt x="161243" y="4061695"/>
+                  </a:cubicBezTo>
+                  <a:cubicBezTo>
+                    <a:pt x="202828" y="4019095"/>
+                    <a:pt x="244731" y="3976753"/>
+                    <a:pt x="286285" y="3933862"/>
+                  </a:cubicBezTo>
+                  <a:cubicBezTo>
+                    <a:pt x="294168" y="3925683"/>
+                    <a:pt x="299393" y="3914571"/>
+                    <a:pt x="306926" y="3905847"/>
+                  </a:cubicBezTo>
+                  <a:cubicBezTo>
+                    <a:pt x="317292" y="3893589"/>
+                    <a:pt x="326766" y="3878502"/>
+                    <a:pt x="340015" y="3871199"/>
+                  </a:cubicBezTo>
+                  <a:cubicBezTo>
+                    <a:pt x="381725" y="3848490"/>
+                    <a:pt x="396760" y="3812013"/>
+                    <a:pt x="400111" y="3767743"/>
+                  </a:cubicBezTo>
+                  <a:cubicBezTo>
+                    <a:pt x="403294" y="3727294"/>
+                    <a:pt x="405323" y="3686973"/>
+                    <a:pt x="409694" y="3646690"/>
+                  </a:cubicBezTo>
+                  <a:cubicBezTo>
+                    <a:pt x="414852" y="3597538"/>
+                    <a:pt x="420910" y="3548579"/>
+                    <a:pt x="428447" y="3499752"/>
+                  </a:cubicBezTo>
+                  <a:cubicBezTo>
+                    <a:pt x="431696" y="3478619"/>
+                    <a:pt x="435683" y="3456228"/>
+                    <a:pt x="445033" y="3437349"/>
+                  </a:cubicBezTo>
+                  <a:cubicBezTo>
+                    <a:pt x="470858" y="3384475"/>
+                    <a:pt x="486179" y="3329236"/>
+                    <a:pt x="471431" y="3272018"/>
+                  </a:cubicBezTo>
+                  <a:cubicBezTo>
+                    <a:pt x="459682" y="3226180"/>
+                    <a:pt x="472474" y="3185267"/>
+                    <a:pt x="495919" y="3153432"/>
+                  </a:cubicBezTo>
+                  <a:cubicBezTo>
+                    <a:pt x="538461" y="3095505"/>
+                    <a:pt x="521296" y="3040311"/>
+                    <a:pt x="499541" y="2985907"/>
+                  </a:cubicBezTo>
+                  <a:cubicBezTo>
+                    <a:pt x="488276" y="2957871"/>
+                    <a:pt x="486838" y="2934028"/>
+                    <a:pt x="491640" y="2905697"/>
+                  </a:cubicBezTo>
+                  <a:cubicBezTo>
+                    <a:pt x="502898" y="2840071"/>
+                    <a:pt x="547705" y="2792141"/>
+                    <a:pt x="586592" y="2746325"/>
+                  </a:cubicBezTo>
+                  <a:cubicBezTo>
+                    <a:pt x="619786" y="2707275"/>
+                    <a:pt x="636305" y="2665661"/>
+                    <a:pt x="647211" y="2620857"/>
+                  </a:cubicBezTo>
+                  <a:cubicBezTo>
+                    <a:pt x="661216" y="2564298"/>
+                    <a:pt x="648982" y="2522027"/>
+                    <a:pt x="598120" y="2501248"/>
+                  </a:cubicBezTo>
+                  <a:cubicBezTo>
+                    <a:pt x="583733" y="2495506"/>
+                    <a:pt x="566431" y="2484521"/>
+                    <a:pt x="560897" y="2471368"/>
+                  </a:cubicBezTo>
+                  <a:cubicBezTo>
+                    <a:pt x="533469" y="2407931"/>
+                    <a:pt x="496686" y="2344634"/>
+                    <a:pt x="506928" y="2272389"/>
+                  </a:cubicBezTo>
+                  <a:cubicBezTo>
+                    <a:pt x="520879" y="2172517"/>
+                    <a:pt x="509052" y="2077807"/>
+                    <a:pt x="474122" y="1983284"/>
+                  </a:cubicBezTo>
+                  <a:cubicBezTo>
+                    <a:pt x="417537" y="1829959"/>
+                    <a:pt x="358639" y="1676886"/>
+                    <a:pt x="349180" y="1510207"/>
+                  </a:cubicBezTo>
+                  <a:cubicBezTo>
+                    <a:pt x="347619" y="1482573"/>
+                    <a:pt x="326399" y="1451821"/>
+                    <a:pt x="306451" y="1430003"/>
+                  </a:cubicBezTo>
+                  <a:cubicBezTo>
+                    <a:pt x="268511" y="1388202"/>
+                    <a:pt x="266127" y="1390512"/>
+                    <a:pt x="287747" y="1336633"/>
+                  </a:cubicBezTo>
+                  <a:cubicBezTo>
+                    <a:pt x="293070" y="1323756"/>
+                    <a:pt x="295470" y="1308272"/>
+                    <a:pt x="304326" y="1298229"/>
+                  </a:cubicBezTo>
+                  <a:cubicBezTo>
+                    <a:pt x="349361" y="1247057"/>
+                    <a:pt x="331041" y="1191986"/>
+                    <a:pt x="317671" y="1136667"/>
+                  </a:cubicBezTo>
+                  <a:cubicBezTo>
+                    <a:pt x="315148" y="1126990"/>
+                    <a:pt x="311827" y="1115354"/>
+                    <a:pt x="314959" y="1106522"/>
+                  </a:cubicBezTo>
+                  <a:cubicBezTo>
+                    <a:pt x="329032" y="1066641"/>
+                    <a:pt x="319157" y="1035231"/>
+                    <a:pt x="290675" y="1004980"/>
+                  </a:cubicBezTo>
+                  <a:cubicBezTo>
+                    <a:pt x="266138" y="978690"/>
+                    <a:pt x="249805" y="947108"/>
+                    <a:pt x="272712" y="910357"/>
+                  </a:cubicBezTo>
+                  <a:cubicBezTo>
+                    <a:pt x="323486" y="828702"/>
+                    <a:pt x="317578" y="747981"/>
+                    <a:pt x="270963" y="667028"/>
+                  </a:cubicBezTo>
+                  <a:cubicBezTo>
+                    <a:pt x="237707" y="609204"/>
+                    <a:pt x="225082" y="549995"/>
+                    <a:pt x="244986" y="483131"/>
+                  </a:cubicBezTo>
+                  <a:cubicBezTo>
+                    <a:pt x="252708" y="457408"/>
+                    <a:pt x="242285" y="426353"/>
+                    <a:pt x="241465" y="397465"/>
+                  </a:cubicBezTo>
+                  <a:cubicBezTo>
+                    <a:pt x="240850" y="381142"/>
+                    <a:pt x="239176" y="363176"/>
+                    <a:pt x="244890" y="348507"/>
+                  </a:cubicBezTo>
+                  <a:cubicBezTo>
+                    <a:pt x="259350" y="309454"/>
+                    <a:pt x="279299" y="272445"/>
+                    <a:pt x="293439" y="233141"/>
+                  </a:cubicBezTo>
+                  <a:cubicBezTo>
+                    <a:pt x="300152" y="214256"/>
+                    <a:pt x="302437" y="192349"/>
+                    <a:pt x="300513" y="172069"/>
+                  </a:cubicBezTo>
+                  <a:close/>
+                </a:path>
+              </a:pathLst>
+            </a:custGeom>
+            <a:blipFill>
+              <a:blip r:embed="rId2">
+                <a:alphaModFix amt="57000"/>
+              </a:blip>
+              <a:tile tx="0" ty="0" sx="100000" sy="100000" flip="none" algn="tl"/>
+            </a:blipFill>
+            <a:ln w="12700" cap="flat" cmpd="sng" algn="ctr">
+              <a:noFill/>
+              <a:prstDash val="solid"/>
+              <a:miter lim="800000"/>
+            </a:ln>
+            <a:effectLst/>
+          </p:spPr>
+          <p:style>
+            <a:lnRef idx="2">
+              <a:schemeClr val="accent1">
+                <a:shade val="50000"/>
+              </a:schemeClr>
+            </a:lnRef>
+            <a:fillRef idx="1">
+              <a:schemeClr val="accent1"/>
+            </a:fillRef>
+            <a:effectRef idx="0">
+              <a:schemeClr val="accent1"/>
+            </a:effectRef>
+            <a:fontRef idx="minor">
+              <a:schemeClr val="lt1"/>
+            </a:fontRef>
+          </p:style>
+          <p:txBody>
+            <a:bodyPr wrap="square" rtlCol="0" anchor="ctr">
+              <a:noAutofit/>
+            </a:bodyPr>
+            <a:lstStyle/>
+            <a:p>
+              <a:pPr algn="ctr"/>
+              <a:endParaRPr lang="en-US"/>
+            </a:p>
+          </p:txBody>
+        </p:sp>
+      </p:grpSp>
+      <p:sp>
+        <p:nvSpPr>
+          <p:cNvPr id="3" name="TextBox 2">
+            <a:extLst>
+              <a:ext uri="{FF2B5EF4-FFF2-40B4-BE49-F238E27FC236}">
+                <a16:creationId xmlns:a16="http://schemas.microsoft.com/office/drawing/2014/main" id="{09CEFC9D-E117-6844-83F5-77E0B99F4B83}"/>
+              </a:ext>
+            </a:extLst>
+          </p:cNvPr>
+          <p:cNvSpPr txBox="1"/>
+          <p:nvPr/>
+        </p:nvSpPr>
+        <p:spPr>
+          <a:xfrm>
+            <a:off x="1223319" y="5128054"/>
+            <a:ext cx="2100649" cy="369332"/>
+          </a:xfrm>
+          <a:prstGeom prst="rect">
+            <a:avLst/>
+          </a:prstGeom>
+          <a:noFill/>
+        </p:spPr>
+        <p:txBody>
+          <a:bodyPr wrap="square" rtlCol="0">
+            <a:spAutoFit/>
+          </a:bodyPr>
+          <a:lstStyle/>
+          <a:p>
+            <a:r>
+              <a:rPr lang="en-GB" dirty="0">
+                <a:solidFill>
+                  <a:srgbClr val="FFC000"/>
+                </a:solidFill>
+              </a:rPr>
+              <a:t>n</a:t>
+            </a:r>
+            <a:r>
+              <a:rPr lang="en-NL" dirty="0">
+                <a:solidFill>
+                  <a:srgbClr val="FFC000"/>
+                </a:solidFill>
+              </a:rPr>
+              <a:t>atitaw.com</a:t>
+            </a:r>
+          </a:p>
+        </p:txBody>
+      </p:sp>
+    </p:spTree>
+    <p:extLst>
+      <p:ext uri="{BB962C8B-B14F-4D97-AF65-F5344CB8AC3E}">
+        <p14:creationId xmlns:p14="http://schemas.microsoft.com/office/powerpoint/2010/main" val="2344119213"/>
+      </p:ext>
+    </p:extLst>
+  </p:cSld>
+  <p:clrMapOvr>
+    <a:masterClrMapping/>
+  </p:clrMapOvr>
+</p:sld>
+</file>
+
+<file path=ppt/slides/slide10.xml><?xml version="1.0" encoding="utf-8"?>
+<p:sld xmlns:a="http://schemas.openxmlformats.org/drawingml/2006/main" xmlns:r="http://schemas.openxmlformats.org/officeDocument/2006/relationships" xmlns:p="http://schemas.openxmlformats.org/presentationml/2006/main">
+  <p:cSld>
+    <p:bg>
+      <p:bgPr>
+        <a:solidFill>
+          <a:schemeClr val="bg1"/>
+        </a:solidFill>
+        <a:effectLst/>
+      </p:bgPr>
+    </p:bg>
+    <p:spTree>
+      <p:nvGrpSpPr>
+        <p:cNvPr id="1" name=""/>
+        <p:cNvGrpSpPr/>
+        <p:nvPr/>
+      </p:nvGrpSpPr>
+      <p:grpSpPr>
+        <a:xfrm>
+          <a:off x="0" y="0"/>
+          <a:ext cx="0" cy="0"/>
+          <a:chOff x="0" y="0"/>
+          <a:chExt cx="0" cy="0"/>
+        </a:xfrm>
+      </p:grpSpPr>
+      <p:sp>
+        <p:nvSpPr>
+          <p:cNvPr id="71" name="Rectangle 70">
+            <a:extLst>
+              <a:ext uri="{FF2B5EF4-FFF2-40B4-BE49-F238E27FC236}">
+                <a16:creationId xmlns:a16="http://schemas.microsoft.com/office/drawing/2014/main" id="{746E2A38-ACC8-44E6-85E2-A79CBAF15174}"/>
+              </a:ext>
+              <a:ext uri="{C183D7F6-B498-43B3-948B-1728B52AA6E4}">
+                <adec:decorative xmlns:adec="http://schemas.microsoft.com/office/drawing/2017/decorative" val="1"/>
+              </a:ext>
+            </a:extLst>
+          </p:cNvPr>
+          <p:cNvSpPr>
+            <a:spLocks noGrp="1" noRot="1" noChangeAspect="1" noMove="1" noResize="1" noEditPoints="1" noAdjustHandles="1" noChangeArrowheads="1" noChangeShapeType="1" noTextEdit="1"/>
+          </p:cNvSpPr>
+          <p:nvPr>
+            <p:extLst>
+              <p:ext uri="{386F3935-93C4-4BCD-93E2-E3B085C9AB24}">
+                <p16:designElem xmlns:p16="http://schemas.microsoft.com/office/powerpoint/2015/main" val="1"/>
+              </p:ext>
+            </p:extLst>
+          </p:nvPr>
+        </p:nvSpPr>
+        <p:spPr>
+          <a:xfrm>
+            <a:off x="0" y="0"/>
+            <a:ext cx="12192000" cy="2511187"/>
+          </a:xfrm>
+          <a:prstGeom prst="rect">
+            <a:avLst/>
+          </a:prstGeom>
+          <a:solidFill>
+            <a:schemeClr val="tx1">
+              <a:lumMod val="75000"/>
+              <a:lumOff val="25000"/>
+            </a:schemeClr>
+          </a:solidFill>
+          <a:ln>
+            <a:noFill/>
+          </a:ln>
+        </p:spPr>
+        <p:style>
+          <a:lnRef idx="2">
+            <a:schemeClr val="accent1">
+              <a:shade val="50000"/>
+            </a:schemeClr>
+          </a:lnRef>
+          <a:fillRef idx="1">
+            <a:schemeClr val="accent1"/>
+          </a:fillRef>
+          <a:effectRef idx="0">
+            <a:schemeClr val="accent1"/>
+          </a:effectRef>
+          <a:fontRef idx="minor">
+            <a:schemeClr val="lt1"/>
+          </a:fontRef>
+        </p:style>
+        <p:txBody>
+          <a:bodyPr rtlCol="0" anchor="ctr"/>
+          <a:lstStyle/>
+          <a:p>
+            <a:pPr algn="ctr"/>
+            <a:endParaRPr lang="en-US"/>
+          </a:p>
+        </p:txBody>
+      </p:sp>
+      <p:sp>
+        <p:nvSpPr>
+          <p:cNvPr id="2" name="Title 1">
+            <a:extLst>
+              <a:ext uri="{FF2B5EF4-FFF2-40B4-BE49-F238E27FC236}">
+                <a16:creationId xmlns:a16="http://schemas.microsoft.com/office/drawing/2014/main" id="{D9A8A42C-CEE1-0945-B240-DE710040AF31}"/>
+              </a:ext>
+            </a:extLst>
+          </p:cNvPr>
+          <p:cNvSpPr>
+            <a:spLocks noGrp="1"/>
+          </p:cNvSpPr>
+          <p:nvPr>
+            <p:ph type="title"/>
+          </p:nvPr>
+        </p:nvSpPr>
+        <p:spPr>
+          <a:xfrm>
+            <a:off x="704087" y="438559"/>
+            <a:ext cx="3649704" cy="1881559"/>
+          </a:xfrm>
+        </p:spPr>
+        <p:txBody>
+          <a:bodyPr vert="horz" lIns="91440" tIns="45720" rIns="91440" bIns="45720" rtlCol="0" anchor="ctr">
+            <a:normAutofit/>
+          </a:bodyPr>
+          <a:lstStyle/>
+          <a:p>
+            <a:r>
+              <a:rPr lang="en-US" sz="3200" dirty="0">
+                <a:solidFill>
+                  <a:schemeClr val="bg1"/>
+                </a:solidFill>
+              </a:rPr>
+              <a:t>Modern Artificial Intelligence</a:t>
+            </a:r>
+          </a:p>
+        </p:txBody>
+      </p:sp>
+      <p:sp>
+        <p:nvSpPr>
+          <p:cNvPr id="3" name="TextBox 2">
+            <a:extLst>
+              <a:ext uri="{FF2B5EF4-FFF2-40B4-BE49-F238E27FC236}">
+                <a16:creationId xmlns:a16="http://schemas.microsoft.com/office/drawing/2014/main" id="{9F80B2F2-DF8A-0841-90F2-533FB6C52CF6}"/>
+              </a:ext>
+            </a:extLst>
+          </p:cNvPr>
+          <p:cNvSpPr txBox="1"/>
+          <p:nvPr/>
+        </p:nvSpPr>
+        <p:spPr>
+          <a:xfrm>
+            <a:off x="4742597" y="438559"/>
+            <a:ext cx="6745314" cy="1881559"/>
+          </a:xfrm>
+          <a:prstGeom prst="rect">
+            <a:avLst/>
+          </a:prstGeom>
+        </p:spPr>
+        <p:txBody>
+          <a:bodyPr vert="horz" lIns="91440" tIns="45720" rIns="91440" bIns="45720" rtlCol="0" anchor="ctr">
+            <a:normAutofit/>
+          </a:bodyPr>
+          <a:lstStyle/>
+          <a:p>
+            <a:pPr marL="285750" indent="-228600">
+              <a:lnSpc>
+                <a:spcPct val="90000"/>
+              </a:lnSpc>
+              <a:spcAft>
+                <a:spcPts val="600"/>
+              </a:spcAft>
+              <a:buFont typeface="Arial" panose="020B0604020202020204" pitchFamily="34" charset="0"/>
+              <a:buChar char="•"/>
+            </a:pPr>
+            <a:r>
+              <a:rPr lang="en-US" sz="2000" i="1" dirty="0">
+                <a:solidFill>
+                  <a:srgbClr val="FFC000"/>
+                </a:solidFill>
+              </a:rPr>
+              <a:t>Execute Training Cycles</a:t>
+            </a:r>
+          </a:p>
+          <a:p>
+            <a:pPr marL="285750" indent="-228600">
+              <a:lnSpc>
+                <a:spcPct val="90000"/>
+              </a:lnSpc>
+              <a:spcAft>
+                <a:spcPts val="600"/>
+              </a:spcAft>
+              <a:buFont typeface="Arial" panose="020B0604020202020204" pitchFamily="34" charset="0"/>
+              <a:buChar char="•"/>
+            </a:pPr>
+            <a:r>
+              <a:rPr lang="en-US" sz="2000" i="1" u="sng" dirty="0">
+                <a:solidFill>
+                  <a:srgbClr val="FFC000"/>
+                </a:solidFill>
+              </a:rPr>
+              <a:t>Extract Rules </a:t>
+            </a:r>
+            <a:r>
+              <a:rPr lang="en-US" sz="2000" i="1" dirty="0">
+                <a:solidFill>
+                  <a:srgbClr val="FFC000"/>
+                </a:solidFill>
+              </a:rPr>
+              <a:t>from Data</a:t>
+            </a:r>
+          </a:p>
+        </p:txBody>
+      </p:sp>
+      <p:pic>
+        <p:nvPicPr>
+          <p:cNvPr id="5" name="Picture 4" descr="Graphical user interface, text, application, email&#10;&#10;Description automatically generated">
+            <a:extLst>
+              <a:ext uri="{FF2B5EF4-FFF2-40B4-BE49-F238E27FC236}">
+                <a16:creationId xmlns:a16="http://schemas.microsoft.com/office/drawing/2014/main" id="{6B478467-0CDE-8F4B-B2EA-EFB9B2C5C036}"/>
+              </a:ext>
+            </a:extLst>
+          </p:cNvPr>
+          <p:cNvPicPr>
+            <a:picLocks noChangeAspect="1"/>
+          </p:cNvPicPr>
+          <p:nvPr/>
+        </p:nvPicPr>
+        <p:blipFill>
+          <a:blip r:embed="rId2"/>
+          <a:stretch>
+            <a:fillRect/>
+          </a:stretch>
+        </p:blipFill>
+        <p:spPr>
+          <a:xfrm>
+            <a:off x="548639" y="2849292"/>
+            <a:ext cx="5422392" cy="3348327"/>
+          </a:xfrm>
+          <a:prstGeom prst="rect">
+            <a:avLst/>
+          </a:prstGeom>
+        </p:spPr>
+      </p:pic>
+    </p:spTree>
+    <p:extLst>
+      <p:ext uri="{BB962C8B-B14F-4D97-AF65-F5344CB8AC3E}">
+        <p14:creationId xmlns:p14="http://schemas.microsoft.com/office/powerpoint/2010/main" val="2179111771"/>
+      </p:ext>
+    </p:extLst>
+  </p:cSld>
+  <p:clrMapOvr>
+    <a:masterClrMapping/>
+  </p:clrMapOvr>
+</p:sld>
+</file>
+
+<file path=ppt/slides/slide11.xml><?xml version="1.0" encoding="utf-8"?>
+<p:sld xmlns:a="http://schemas.openxmlformats.org/drawingml/2006/main" xmlns:r="http://schemas.openxmlformats.org/officeDocument/2006/relationships" xmlns:p="http://schemas.openxmlformats.org/presentationml/2006/main">
+  <p:cSld>
+    <p:bg>
+      <p:bgPr>
+        <a:solidFill>
+          <a:schemeClr val="tx1"/>
+        </a:solidFill>
+        <a:effectLst/>
+      </p:bgPr>
+    </p:bg>
+    <p:spTree>
+      <p:nvGrpSpPr>
+        <p:cNvPr id="1" name=""/>
+        <p:cNvGrpSpPr/>
+        <p:nvPr/>
+      </p:nvGrpSpPr>
+      <p:grpSpPr>
+        <a:xfrm>
+          <a:off x="0" y="0"/>
+          <a:ext cx="0" cy="0"/>
+          <a:chOff x="0" y="0"/>
+          <a:chExt cx="0" cy="0"/>
+        </a:xfrm>
+      </p:grpSpPr>
+      <p:sp>
+        <p:nvSpPr>
+          <p:cNvPr id="7" name="Rectangle 6">
+            <a:extLst>
+              <a:ext uri="{FF2B5EF4-FFF2-40B4-BE49-F238E27FC236}">
+                <a16:creationId xmlns:a16="http://schemas.microsoft.com/office/drawing/2014/main" id="{2A8AA5BC-4F7A-4226-8F99-6D824B226A97}"/>
+              </a:ext>
+              <a:ext uri="{C183D7F6-B498-43B3-948B-1728B52AA6E4}">
+                <adec:decorative xmlns:adec="http://schemas.microsoft.com/office/drawing/2017/decorative" val="1"/>
+              </a:ext>
+            </a:extLst>
+          </p:cNvPr>
+          <p:cNvSpPr>
+            <a:spLocks noGrp="1" noRot="1" noChangeAspect="1" noMove="1" noResize="1" noEditPoints="1" noAdjustHandles="1" noChangeArrowheads="1" noChangeShapeType="1" noTextEdit="1"/>
+          </p:cNvSpPr>
+          <p:nvPr>
+            <p:extLst>
+              <p:ext uri="{386F3935-93C4-4BCD-93E2-E3B085C9AB24}">
+                <p16:designElem xmlns:p16="http://schemas.microsoft.com/office/powerpoint/2015/main" val="1"/>
+              </p:ext>
+            </p:extLst>
+          </p:nvPr>
+        </p:nvSpPr>
+        <p:spPr>
+          <a:xfrm>
+            <a:off x="0" y="-3324"/>
+            <a:ext cx="12192000" cy="6861324"/>
+          </a:xfrm>
+          <a:prstGeom prst="rect">
+            <a:avLst/>
+          </a:prstGeom>
+          <a:solidFill>
+            <a:schemeClr val="tx1"/>
+          </a:solidFill>
+          <a:ln>
+            <a:noFill/>
+          </a:ln>
+        </p:spPr>
+        <p:style>
+          <a:lnRef idx="2">
+            <a:schemeClr val="accent1">
+              <a:shade val="50000"/>
+            </a:schemeClr>
+          </a:lnRef>
+          <a:fillRef idx="1">
+            <a:schemeClr val="accent1"/>
+          </a:fillRef>
+          <a:effectRef idx="0">
+            <a:schemeClr val="accent1"/>
+          </a:effectRef>
+          <a:fontRef idx="minor">
+            <a:schemeClr val="lt1"/>
+          </a:fontRef>
+        </p:style>
+        <p:txBody>
+          <a:bodyPr rtlCol="0" anchor="ctr"/>
+          <a:lstStyle/>
+          <a:p>
+            <a:pPr algn="ctr"/>
+            <a:endParaRPr lang="en-US"/>
+          </a:p>
+        </p:txBody>
+      </p:sp>
+      <p:sp>
+        <p:nvSpPr>
+          <p:cNvPr id="9" name="Rectangle 8">
+            <a:extLst>
+              <a:ext uri="{FF2B5EF4-FFF2-40B4-BE49-F238E27FC236}">
+                <a16:creationId xmlns:a16="http://schemas.microsoft.com/office/drawing/2014/main" id="{3E5445C6-DD42-4979-86FF-03730E8C6DB0}"/>
+              </a:ext>
+              <a:ext uri="{C183D7F6-B498-43B3-948B-1728B52AA6E4}">
+                <adec:decorative xmlns:adec="http://schemas.microsoft.com/office/drawing/2017/decorative" val="1"/>
+              </a:ext>
+            </a:extLst>
+          </p:cNvPr>
+          <p:cNvSpPr>
+            <a:spLocks noGrp="1" noRot="1" noChangeAspect="1" noMove="1" noResize="1" noEditPoints="1" noAdjustHandles="1" noChangeArrowheads="1" noChangeShapeType="1" noTextEdit="1"/>
+          </p:cNvSpPr>
+          <p:nvPr>
+            <p:extLst>
+              <p:ext uri="{386F3935-93C4-4BCD-93E2-E3B085C9AB24}">
+                <p16:designElem xmlns:p16="http://schemas.microsoft.com/office/powerpoint/2015/main" val="1"/>
+              </p:ext>
+            </p:extLst>
+          </p:nvPr>
+        </p:nvSpPr>
+        <p:spPr bwMode="ltGray">
+          <a:xfrm>
+            <a:off x="321734" y="321733"/>
+            <a:ext cx="11573488" cy="6214534"/>
+          </a:xfrm>
+          <a:prstGeom prst="rect">
+            <a:avLst/>
+          </a:prstGeom>
+          <a:solidFill>
+            <a:schemeClr val="bg1">
+              <a:lumMod val="75000"/>
+              <a:lumOff val="25000"/>
+            </a:schemeClr>
+          </a:solidFill>
+          <a:ln w="127000" cap="sq" cmpd="thinThick">
+            <a:solidFill>
+              <a:schemeClr val="bg1">
+                <a:lumMod val="75000"/>
+                <a:lumOff val="25000"/>
+              </a:schemeClr>
+            </a:solidFill>
+          </a:ln>
+        </p:spPr>
+        <p:style>
+          <a:lnRef idx="2">
+            <a:schemeClr val="accent1">
+              <a:shade val="50000"/>
+            </a:schemeClr>
+          </a:lnRef>
+          <a:fillRef idx="1">
+            <a:schemeClr val="accent1"/>
+          </a:fillRef>
+          <a:effectRef idx="0">
+            <a:schemeClr val="accent1"/>
+          </a:effectRef>
+          <a:fontRef idx="minor">
+            <a:schemeClr val="lt1"/>
+          </a:fontRef>
+        </p:style>
+        <p:txBody>
+          <a:bodyPr rtlCol="0" anchor="ctr"/>
+          <a:lstStyle/>
+          <a:p>
+            <a:pPr algn="ctr"/>
+            <a:endParaRPr lang="en-US"/>
+          </a:p>
+        </p:txBody>
+      </p:sp>
+      <p:sp>
+        <p:nvSpPr>
+          <p:cNvPr id="2" name="Title 1">
+            <a:extLst>
+              <a:ext uri="{FF2B5EF4-FFF2-40B4-BE49-F238E27FC236}">
+                <a16:creationId xmlns:a16="http://schemas.microsoft.com/office/drawing/2014/main" id="{614351F7-B148-624E-8145-C28EAB7F9D9D}"/>
+              </a:ext>
+            </a:extLst>
+          </p:cNvPr>
+          <p:cNvSpPr>
+            <a:spLocks noGrp="1"/>
+          </p:cNvSpPr>
+          <p:nvPr>
+            <p:ph type="title"/>
+          </p:nvPr>
+        </p:nvSpPr>
+        <p:spPr>
+          <a:xfrm>
+            <a:off x="1524000" y="1122362"/>
+            <a:ext cx="9144000" cy="2840037"/>
+          </a:xfrm>
+        </p:spPr>
+        <p:txBody>
+          <a:bodyPr vert="horz" lIns="91440" tIns="45720" rIns="91440" bIns="45720" rtlCol="0" anchor="b">
+            <a:normAutofit/>
+          </a:bodyPr>
+          <a:lstStyle/>
+          <a:p>
+            <a:pPr algn="ctr"/>
+            <a:r>
+              <a:rPr lang="en-US" sz="5800" kern="1200">
+                <a:solidFill>
+                  <a:schemeClr val="tx1"/>
+                </a:solidFill>
+                <a:latin typeface="+mj-lt"/>
+                <a:ea typeface="+mj-ea"/>
+                <a:cs typeface="+mj-cs"/>
+              </a:rPr>
+              <a:t>In the past, your source code is your code. In the future, your source code is your data.</a:t>
+            </a:r>
+          </a:p>
+        </p:txBody>
+      </p:sp>
+      <p:cxnSp>
+        <p:nvCxnSpPr>
+          <p:cNvPr id="11" name="Straight Connector 10">
+            <a:extLst>
+              <a:ext uri="{FF2B5EF4-FFF2-40B4-BE49-F238E27FC236}">
+                <a16:creationId xmlns:a16="http://schemas.microsoft.com/office/drawing/2014/main" id="{45000665-DFC7-417E-8FD7-516A0F15C975}"/>
+              </a:ext>
+              <a:ext uri="{C183D7F6-B498-43B3-948B-1728B52AA6E4}">
+                <adec:decorative xmlns:adec="http://schemas.microsoft.com/office/drawing/2017/decorative" val="1"/>
+              </a:ext>
+            </a:extLst>
+          </p:cNvPr>
+          <p:cNvCxnSpPr>
+            <a:cxnSpLocks noGrp="1" noRot="1" noChangeAspect="1" noMove="1" noResize="1" noEditPoints="1" noAdjustHandles="1" noChangeArrowheads="1" noChangeShapeType="1"/>
+          </p:cNvCxnSpPr>
+          <p:nvPr>
+            <p:extLst>
+              <p:ext uri="{386F3935-93C4-4BCD-93E2-E3B085C9AB24}">
+                <p16:designElem xmlns:p16="http://schemas.microsoft.com/office/powerpoint/2015/main" val="1"/>
+              </p:ext>
+            </p:extLst>
+          </p:nvPr>
+        </p:nvCxnSpPr>
+        <p:spPr>
+          <a:xfrm>
+            <a:off x="4724400" y="4109417"/>
+            <a:ext cx="2743200" cy="0"/>
+          </a:xfrm>
+          <a:prstGeom prst="line">
+            <a:avLst/>
+          </a:prstGeom>
+          <a:ln w="12700">
+            <a:solidFill>
+              <a:schemeClr val="tx1">
+                <a:lumMod val="85000"/>
+              </a:schemeClr>
+            </a:solidFill>
+          </a:ln>
+        </p:spPr>
+        <p:style>
+          <a:lnRef idx="1">
+            <a:schemeClr val="accent1"/>
+          </a:lnRef>
+          <a:fillRef idx="0">
+            <a:schemeClr val="accent1"/>
+          </a:fillRef>
+          <a:effectRef idx="0">
+            <a:schemeClr val="accent1"/>
+          </a:effectRef>
+          <a:fontRef idx="minor">
+            <a:schemeClr val="tx1"/>
+          </a:fontRef>
+        </p:style>
+      </p:cxnSp>
+    </p:spTree>
+    <p:extLst>
+      <p:ext uri="{BB962C8B-B14F-4D97-AF65-F5344CB8AC3E}">
+        <p14:creationId xmlns:p14="http://schemas.microsoft.com/office/powerpoint/2010/main" val="1067223656"/>
+      </p:ext>
+    </p:extLst>
+  </p:cSld>
+  <p:clrMapOvr>
+    <a:overrideClrMapping bg1="dk1" tx1="lt1" bg2="dk2" tx2="lt2" accent1="accent1" accent2="accent2" accent3="accent3" accent4="accent4" accent5="accent5" accent6="accent6" hlink="hlink" folHlink="folHlink"/>
+  </p:clrMapOvr>
+</p:sld>
+</file>
+
+<file path=ppt/slides/slide12.xml><?xml version="1.0" encoding="utf-8"?>
+<p:sld xmlns:a="http://schemas.openxmlformats.org/drawingml/2006/main" xmlns:r="http://schemas.openxmlformats.org/officeDocument/2006/relationships" xmlns:p="http://schemas.openxmlformats.org/presentationml/2006/main">
+  <p:cSld>
     <p:spTree>
       <p:nvGrpSpPr>
         <p:cNvPr id="1" name=""/>
@@ -3357,7 +5502,7 @@
           <p:cNvPr id="2" name="Title 1">
             <a:extLst>
               <a:ext uri="{FF2B5EF4-FFF2-40B4-BE49-F238E27FC236}">
-                <a16:creationId xmlns:a16="http://schemas.microsoft.com/office/drawing/2014/main" id="{DB5FEC81-F071-844D-9ED4-4E71B7E5D2EA}"/>
+                <a16:creationId xmlns:a16="http://schemas.microsoft.com/office/drawing/2014/main" id="{B16383C8-E65E-E24E-BB95-A604685F6EFC}"/>
               </a:ext>
             </a:extLst>
           </p:cNvPr>
@@ -3365,28 +5510,72 @@
             <a:spLocks noGrp="1"/>
           </p:cNvSpPr>
           <p:nvPr>
-            <p:ph type="ctrTitle"/>
+            <p:ph type="title"/>
           </p:nvPr>
         </p:nvSpPr>
-        <p:spPr>
-          <a:xfrm>
-            <a:off x="1684638" y="863600"/>
-            <a:ext cx="9144000" cy="2387600"/>
-          </a:xfrm>
-        </p:spPr>
+        <p:spPr/>
         <p:txBody>
-          <a:bodyPr>
-            <a:normAutofit fontScale="90000"/>
-          </a:bodyPr>
+          <a:bodyPr/>
           <a:lstStyle/>
           <a:p>
-            <a:r>
-              <a:rPr lang="en-NL" dirty="0"/>
-              <a:t>On the Relation between Software 2.0 and </a:t>
-            </a:r>
+            <a:endParaRPr lang="en-NL" dirty="0"/>
+          </a:p>
+        </p:txBody>
+      </p:sp>
+    </p:spTree>
+    <p:extLst>
+      <p:ext uri="{BB962C8B-B14F-4D97-AF65-F5344CB8AC3E}">
+        <p14:creationId xmlns:p14="http://schemas.microsoft.com/office/powerpoint/2010/main" val="1339554961"/>
+      </p:ext>
+    </p:extLst>
+  </p:cSld>
+  <p:clrMapOvr>
+    <a:masterClrMapping/>
+  </p:clrMapOvr>
+</p:sld>
+</file>
+
+<file path=ppt/slides/slide13.xml><?xml version="1.0" encoding="utf-8"?>
+<p:sld xmlns:a="http://schemas.openxmlformats.org/drawingml/2006/main" xmlns:r="http://schemas.openxmlformats.org/officeDocument/2006/relationships" xmlns:p="http://schemas.openxmlformats.org/presentationml/2006/main">
+  <p:cSld>
+    <p:spTree>
+      <p:nvGrpSpPr>
+        <p:cNvPr id="1" name=""/>
+        <p:cNvGrpSpPr/>
+        <p:nvPr/>
+      </p:nvGrpSpPr>
+      <p:grpSpPr>
+        <a:xfrm>
+          <a:off x="0" y="0"/>
+          <a:ext cx="0" cy="0"/>
+          <a:chOff x="0" y="0"/>
+          <a:chExt cx="0" cy="0"/>
+        </a:xfrm>
+      </p:grpSpPr>
+      <p:sp>
+        <p:nvSpPr>
+          <p:cNvPr id="2" name="Title 1">
+            <a:extLst>
+              <a:ext uri="{FF2B5EF4-FFF2-40B4-BE49-F238E27FC236}">
+                <a16:creationId xmlns:a16="http://schemas.microsoft.com/office/drawing/2014/main" id="{A34C498C-846F-BF4F-9986-8D31FF6CE521}"/>
+              </a:ext>
+            </a:extLst>
+          </p:cNvPr>
+          <p:cNvSpPr>
+            <a:spLocks noGrp="1"/>
+          </p:cNvSpPr>
+          <p:nvPr>
+            <p:ph type="title"/>
+          </p:nvPr>
+        </p:nvSpPr>
+        <p:spPr/>
+        <p:txBody>
+          <a:bodyPr/>
+          <a:lstStyle/>
+          <a:p>
             <a:r>
               <a:rPr lang="en-GB" dirty="0"/>
-              <a:t>Gödel’s Incompleteness Theorems</a:t>
+              <a:t>Incompleteness</a:t>
             </a:r>
             <a:endParaRPr lang="en-NL" dirty="0"/>
           </a:p>
@@ -3394,17 +5583,19 @@
       </p:sp>
       <p:pic>
         <p:nvPicPr>
-          <p:cNvPr id="1026" name="Picture 2" descr="Gödel's incompleteness theorem – Kapernikov">
-            <a:extLst>
-              <a:ext uri="{FF2B5EF4-FFF2-40B4-BE49-F238E27FC236}">
-                <a16:creationId xmlns:a16="http://schemas.microsoft.com/office/drawing/2014/main" id="{6B13A44C-7177-4749-B073-51F0DD034DDD}"/>
+          <p:cNvPr id="4" name="Picture 2" descr="Gödel's incompleteness theorem – Kapernikov">
+            <a:extLst>
+              <a:ext uri="{FF2B5EF4-FFF2-40B4-BE49-F238E27FC236}">
+                <a16:creationId xmlns:a16="http://schemas.microsoft.com/office/drawing/2014/main" id="{E2150742-8CF6-CC41-917E-9777D5B646A1}"/>
               </a:ext>
             </a:extLst>
           </p:cNvPr>
           <p:cNvPicPr>
-            <a:picLocks noChangeAspect="1" noChangeArrowheads="1"/>
+            <a:picLocks noGrp="1" noChangeAspect="1" noChangeArrowheads="1"/>
           </p:cNvPicPr>
-          <p:nvPr/>
+          <p:nvPr>
+            <p:ph idx="1"/>
+          </p:nvPr>
         </p:nvPicPr>
         <p:blipFill>
           <a:blip r:embed="rId2">
@@ -3421,55 +5612,8 @@
         </p:blipFill>
         <p:spPr bwMode="auto">
           <a:xfrm>
-            <a:off x="214871" y="3787346"/>
-            <a:ext cx="5136292" cy="2311331"/>
-          </a:xfrm>
-          <a:prstGeom prst="rect">
-            <a:avLst/>
-          </a:prstGeom>
-          <a:noFill/>
-          <a:extLst>
-            <a:ext uri="{909E8E84-426E-40DD-AFC4-6F175D3DCCD1}">
-              <a14:hiddenFill xmlns:a14="http://schemas.microsoft.com/office/drawing/2010/main">
-                <a:solidFill>
-                  <a:srgbClr val="FFFFFF"/>
-                </a:solidFill>
-              </a14:hiddenFill>
-            </a:ext>
-          </a:extLst>
-        </p:spPr>
-      </p:pic>
-      <p:pic>
-        <p:nvPicPr>
-          <p:cNvPr id="1028" name="Picture 4" descr="Are deep neural nets &quot;Software 2.0&quot;? - Michael's Bioinformatics Blog">
-            <a:extLst>
-              <a:ext uri="{FF2B5EF4-FFF2-40B4-BE49-F238E27FC236}">
-                <a16:creationId xmlns:a16="http://schemas.microsoft.com/office/drawing/2014/main" id="{0B1823F2-5288-3C4D-B685-47339C586A3A}"/>
-              </a:ext>
-            </a:extLst>
-          </p:cNvPr>
-          <p:cNvPicPr>
-            <a:picLocks noChangeAspect="1" noChangeArrowheads="1"/>
-          </p:cNvPicPr>
-          <p:nvPr/>
-        </p:nvPicPr>
-        <p:blipFill>
-          <a:blip r:embed="rId3">
-            <a:extLst>
-              <a:ext uri="{28A0092B-C50C-407E-A947-70E740481C1C}">
-                <a14:useLocalDpi xmlns:a14="http://schemas.microsoft.com/office/drawing/2010/main" val="0"/>
-              </a:ext>
-            </a:extLst>
-          </a:blip>
-          <a:srcRect/>
-          <a:stretch>
-            <a:fillRect/>
-          </a:stretch>
-        </p:blipFill>
-        <p:spPr bwMode="auto">
-          <a:xfrm>
-            <a:off x="6840838" y="4254293"/>
-            <a:ext cx="3987800" cy="2044700"/>
+            <a:off x="1261180" y="1825625"/>
+            <a:ext cx="9669640" cy="4351338"/>
           </a:xfrm>
           <a:prstGeom prst="rect">
             <a:avLst/>
@@ -3489,7 +5633,7 @@
     </p:spTree>
     <p:extLst>
       <p:ext uri="{BB962C8B-B14F-4D97-AF65-F5344CB8AC3E}">
-        <p14:creationId xmlns:p14="http://schemas.microsoft.com/office/powerpoint/2010/main" val="2344119213"/>
+        <p14:creationId xmlns:p14="http://schemas.microsoft.com/office/powerpoint/2010/main" val="2642275506"/>
       </p:ext>
     </p:extLst>
   </p:cSld>
@@ -4132,12 +6276,8 @@
           <a:lstStyle/>
           <a:p>
             <a:r>
-              <a:rPr lang="en-US" dirty="0">
-                <a:solidFill>
-                  <a:srgbClr val="FFC000"/>
-                </a:solidFill>
-              </a:rPr>
-              <a:t>A Simple Case -- Tic-Tac Toe</a:t>
+              <a:rPr lang="en-US" dirty="0"/>
+              <a:t>A Simple Case – Tic-Tac Toe</a:t>
             </a:r>
           </a:p>
         </p:txBody>
@@ -4218,13 +6358,13 @@
               </a:ext>
             </a:extLst>
           </a:blip>
-          <a:srcRect l="8647" r="4560" b="2"/>
+          <a:srcRect l="8646" r="4561" b="2"/>
           <a:stretch/>
         </p:blipFill>
         <p:spPr bwMode="auto">
           <a:xfrm>
-            <a:off x="835153" y="2002117"/>
-            <a:ext cx="6215794" cy="4171569"/>
+            <a:off x="1061729" y="4056987"/>
+            <a:ext cx="3467119" cy="2326867"/>
           </a:xfrm>
           <a:prstGeom prst="rect">
             <a:avLst/>
@@ -4255,8 +6395,8 @@
         </p:nvSpPr>
         <p:spPr>
           <a:xfrm>
-            <a:off x="7533314" y="1999578"/>
-            <a:ext cx="3823525" cy="4171568"/>
+            <a:off x="705323" y="1958981"/>
+            <a:ext cx="3823525" cy="1623860"/>
           </a:xfrm>
           <a:prstGeom prst="rect">
             <a:avLst/>
@@ -4299,44 +6439,50 @@
               <a:buChar char="•"/>
             </a:pPr>
             <a:r>
-              <a:rPr lang="en-US" sz="2000" i="1">
-                <a:solidFill>
-                  <a:srgbClr val="FFC000"/>
-                </a:solidFill>
-              </a:rPr>
-              <a:t>Execute </a:t>
-            </a:r>
-            <a:r>
               <a:rPr lang="en-US" sz="2000" i="1" dirty="0">
                 <a:solidFill>
                   <a:srgbClr val="FFC000"/>
                 </a:solidFill>
               </a:rPr>
-              <a:t>a</a:t>
-            </a:r>
-            <a:r>
-              <a:rPr lang="en-US" sz="2000" i="1">
-                <a:solidFill>
-                  <a:srgbClr val="FFC000"/>
-                </a:solidFill>
-              </a:rPr>
-              <a:t> </a:t>
-            </a:r>
-            <a:r>
-              <a:rPr lang="en-US" sz="2000" i="1" dirty="0">
-                <a:solidFill>
-                  <a:srgbClr val="FFC000"/>
-                </a:solidFill>
-              </a:rPr>
-              <a:t>Search Algorithm </a:t>
+              <a:t>Execute a Search Algorithm </a:t>
             </a:r>
           </a:p>
         </p:txBody>
       </p:sp>
+      <p:pic>
+        <p:nvPicPr>
+          <p:cNvPr id="5" name="Picture 4" descr="Graphical user interface, text, application, email&#10;&#10;Description automatically generated">
+            <a:extLst>
+              <a:ext uri="{FF2B5EF4-FFF2-40B4-BE49-F238E27FC236}">
+                <a16:creationId xmlns:a16="http://schemas.microsoft.com/office/drawing/2014/main" id="{6B478467-0CDE-8F4B-B2EA-EFB9B2C5C036}"/>
+              </a:ext>
+            </a:extLst>
+          </p:cNvPr>
+          <p:cNvPicPr>
+            <a:picLocks noChangeAspect="1"/>
+          </p:cNvPicPr>
+          <p:nvPr/>
+        </p:nvPicPr>
+        <p:blipFill>
+          <a:blip r:embed="rId3"/>
+          <a:stretch>
+            <a:fillRect/>
+          </a:stretch>
+        </p:blipFill>
+        <p:spPr>
+          <a:xfrm>
+            <a:off x="5590577" y="2550100"/>
+            <a:ext cx="6215794" cy="3833754"/>
+          </a:xfrm>
+          <a:prstGeom prst="rect">
+            <a:avLst/>
+          </a:prstGeom>
+        </p:spPr>
+      </p:pic>
     </p:spTree>
     <p:extLst>
       <p:ext uri="{BB962C8B-B14F-4D97-AF65-F5344CB8AC3E}">
-        <p14:creationId xmlns:p14="http://schemas.microsoft.com/office/powerpoint/2010/main" val="1773962466"/>
+        <p14:creationId xmlns:p14="http://schemas.microsoft.com/office/powerpoint/2010/main" val="3715604688"/>
       </p:ext>
     </p:extLst>
   </p:cSld>
@@ -4347,6 +6493,384 @@
 </file>
 
 <file path=ppt/slides/slide4.xml><?xml version="1.0" encoding="utf-8"?>
+<p:sld xmlns:a="http://schemas.openxmlformats.org/drawingml/2006/main" xmlns:r="http://schemas.openxmlformats.org/officeDocument/2006/relationships" xmlns:p="http://schemas.openxmlformats.org/presentationml/2006/main">
+  <p:cSld>
+    <p:bg>
+      <p:bgPr>
+        <a:solidFill>
+          <a:schemeClr val="bg1"/>
+        </a:solidFill>
+        <a:effectLst/>
+      </p:bgPr>
+    </p:bg>
+    <p:spTree>
+      <p:nvGrpSpPr>
+        <p:cNvPr id="1" name=""/>
+        <p:cNvGrpSpPr/>
+        <p:nvPr/>
+      </p:nvGrpSpPr>
+      <p:grpSpPr>
+        <a:xfrm>
+          <a:off x="0" y="0"/>
+          <a:ext cx="0" cy="0"/>
+          <a:chOff x="0" y="0"/>
+          <a:chExt cx="0" cy="0"/>
+        </a:xfrm>
+      </p:grpSpPr>
+      <p:sp>
+        <p:nvSpPr>
+          <p:cNvPr id="2" name="Title 1">
+            <a:extLst>
+              <a:ext uri="{FF2B5EF4-FFF2-40B4-BE49-F238E27FC236}">
+                <a16:creationId xmlns:a16="http://schemas.microsoft.com/office/drawing/2014/main" id="{D9A8A42C-CEE1-0945-B240-DE710040AF31}"/>
+              </a:ext>
+            </a:extLst>
+          </p:cNvPr>
+          <p:cNvSpPr>
+            <a:spLocks noGrp="1"/>
+          </p:cNvSpPr>
+          <p:nvPr>
+            <p:ph type="title"/>
+          </p:nvPr>
+        </p:nvSpPr>
+        <p:spPr>
+          <a:xfrm>
+            <a:off x="648929" y="629266"/>
+            <a:ext cx="3667039" cy="1676603"/>
+          </a:xfrm>
+        </p:spPr>
+        <p:txBody>
+          <a:bodyPr vert="horz" lIns="91440" tIns="45720" rIns="91440" bIns="45720" rtlCol="0" anchor="ctr">
+            <a:normAutofit/>
+          </a:bodyPr>
+          <a:lstStyle/>
+          <a:p>
+            <a:r>
+              <a:rPr lang="en-US" sz="3600"/>
+              <a:t>A Simple Case – Tic-Tac Toe</a:t>
+            </a:r>
+          </a:p>
+        </p:txBody>
+      </p:sp>
+      <p:sp>
+        <p:nvSpPr>
+          <p:cNvPr id="3" name="TextBox 2">
+            <a:extLst>
+              <a:ext uri="{FF2B5EF4-FFF2-40B4-BE49-F238E27FC236}">
+                <a16:creationId xmlns:a16="http://schemas.microsoft.com/office/drawing/2014/main" id="{9F80B2F2-DF8A-0841-90F2-533FB6C52CF6}"/>
+              </a:ext>
+            </a:extLst>
+          </p:cNvPr>
+          <p:cNvSpPr txBox="1"/>
+          <p:nvPr/>
+        </p:nvSpPr>
+        <p:spPr>
+          <a:xfrm>
+            <a:off x="648931" y="2438401"/>
+            <a:ext cx="3667036" cy="3779520"/>
+          </a:xfrm>
+          <a:prstGeom prst="rect">
+            <a:avLst/>
+          </a:prstGeom>
+        </p:spPr>
+        <p:txBody>
+          <a:bodyPr vert="horz" lIns="91440" tIns="45720" rIns="91440" bIns="45720" rtlCol="0">
+            <a:normAutofit/>
+          </a:bodyPr>
+          <a:lstStyle/>
+          <a:p>
+            <a:pPr marL="57150">
+              <a:lnSpc>
+                <a:spcPct val="90000"/>
+              </a:lnSpc>
+              <a:spcAft>
+                <a:spcPts val="600"/>
+              </a:spcAft>
+            </a:pPr>
+            <a:endParaRPr lang="en-US" sz="2000" i="1" dirty="0">
+              <a:solidFill>
+                <a:srgbClr val="FFC000"/>
+              </a:solidFill>
+            </a:endParaRPr>
+          </a:p>
+          <a:p>
+            <a:pPr marL="57150">
+              <a:lnSpc>
+                <a:spcPct val="90000"/>
+              </a:lnSpc>
+              <a:spcAft>
+                <a:spcPts val="600"/>
+              </a:spcAft>
+            </a:pPr>
+            <a:endParaRPr lang="en-US" sz="2000" i="1" dirty="0">
+              <a:solidFill>
+                <a:srgbClr val="FFC000"/>
+              </a:solidFill>
+            </a:endParaRPr>
+          </a:p>
+          <a:p>
+            <a:pPr marL="57150">
+              <a:lnSpc>
+                <a:spcPct val="90000"/>
+              </a:lnSpc>
+              <a:spcAft>
+                <a:spcPts val="600"/>
+              </a:spcAft>
+            </a:pPr>
+            <a:r>
+              <a:rPr lang="en-US" sz="2000" i="1" dirty="0">
+                <a:solidFill>
+                  <a:srgbClr val="FFC000"/>
+                </a:solidFill>
+              </a:rPr>
+              <a:t>Force Compute</a:t>
+            </a:r>
+          </a:p>
+        </p:txBody>
+      </p:sp>
+      <p:sp>
+        <p:nvSpPr>
+          <p:cNvPr id="76" name="Rectangle 75">
+            <a:extLst>
+              <a:ext uri="{FF2B5EF4-FFF2-40B4-BE49-F238E27FC236}">
+                <a16:creationId xmlns:a16="http://schemas.microsoft.com/office/drawing/2014/main" id="{F2B38F72-8FC4-4001-8C67-FA6B86DEC767}"/>
+              </a:ext>
+              <a:ext uri="{C183D7F6-B498-43B3-948B-1728B52AA6E4}">
+                <adec:decorative xmlns:adec="http://schemas.microsoft.com/office/drawing/2017/decorative" val="1"/>
+              </a:ext>
+            </a:extLst>
+          </p:cNvPr>
+          <p:cNvSpPr>
+            <a:spLocks noGrp="1" noRot="1" noChangeAspect="1" noMove="1" noResize="1" noEditPoints="1" noAdjustHandles="1" noChangeArrowheads="1" noChangeShapeType="1" noTextEdit="1"/>
+          </p:cNvSpPr>
+          <p:nvPr>
+            <p:extLst>
+              <p:ext uri="{386F3935-93C4-4BCD-93E2-E3B085C9AB24}">
+                <p16:designElem xmlns:p16="http://schemas.microsoft.com/office/powerpoint/2015/main" val="1"/>
+              </p:ext>
+            </p:extLst>
+          </p:nvPr>
+        </p:nvSpPr>
+        <p:spPr>
+          <a:xfrm>
+            <a:off x="4636008" y="2"/>
+            <a:ext cx="7555992" cy="6857998"/>
+          </a:xfrm>
+          <a:prstGeom prst="rect">
+            <a:avLst/>
+          </a:prstGeom>
+          <a:solidFill>
+            <a:schemeClr val="tx1"/>
+          </a:solidFill>
+          <a:ln>
+            <a:noFill/>
+          </a:ln>
+        </p:spPr>
+        <p:style>
+          <a:lnRef idx="2">
+            <a:schemeClr val="accent1">
+              <a:shade val="50000"/>
+            </a:schemeClr>
+          </a:lnRef>
+          <a:fillRef idx="1">
+            <a:schemeClr val="accent1"/>
+          </a:fillRef>
+          <a:effectRef idx="0">
+            <a:schemeClr val="accent1"/>
+          </a:effectRef>
+          <a:fontRef idx="minor">
+            <a:schemeClr val="lt1"/>
+          </a:fontRef>
+        </p:style>
+        <p:txBody>
+          <a:bodyPr rtlCol="0" anchor="ctr"/>
+          <a:lstStyle/>
+          <a:p>
+            <a:pPr algn="ctr"/>
+            <a:endParaRPr lang="en-US"/>
+          </a:p>
+        </p:txBody>
+      </p:sp>
+      <p:pic>
+        <p:nvPicPr>
+          <p:cNvPr id="6" name="Picture 5" descr="A picture containing graphical user interface&#10;&#10;Description automatically generated">
+            <a:extLst>
+              <a:ext uri="{FF2B5EF4-FFF2-40B4-BE49-F238E27FC236}">
+                <a16:creationId xmlns:a16="http://schemas.microsoft.com/office/drawing/2014/main" id="{7F8A4EB4-7105-1548-BD0A-06B1BB1BC6C5}"/>
+              </a:ext>
+            </a:extLst>
+          </p:cNvPr>
+          <p:cNvPicPr>
+            <a:picLocks noChangeAspect="1"/>
+          </p:cNvPicPr>
+          <p:nvPr/>
+        </p:nvPicPr>
+        <p:blipFill rotWithShape="1">
+          <a:blip r:embed="rId2"/>
+          <a:srcRect t="5669" b="8792"/>
+          <a:stretch/>
+        </p:blipFill>
+        <p:spPr>
+          <a:xfrm>
+            <a:off x="5276088" y="640082"/>
+            <a:ext cx="6276250" cy="5577838"/>
+          </a:xfrm>
+          <a:prstGeom prst="rect">
+            <a:avLst/>
+          </a:prstGeom>
+          <a:effectLst/>
+        </p:spPr>
+      </p:pic>
+      <mc:AlternateContent xmlns:mc="http://schemas.openxmlformats.org/markup-compatibility/2006">
+        <mc:Choice xmlns:a14="http://schemas.microsoft.com/office/drawing/2010/main" Requires="a14">
+          <p:sp>
+            <p:nvSpPr>
+              <p:cNvPr id="11" name="TextBox 10">
+                <a:extLst>
+                  <a:ext uri="{FF2B5EF4-FFF2-40B4-BE49-F238E27FC236}">
+                    <a16:creationId xmlns:a16="http://schemas.microsoft.com/office/drawing/2014/main" id="{489EEC1D-8790-154A-8D5D-D195171E2F75}"/>
+                  </a:ext>
+                </a:extLst>
+              </p:cNvPr>
+              <p:cNvSpPr txBox="1"/>
+              <p:nvPr/>
+            </p:nvSpPr>
+            <p:spPr>
+              <a:xfrm>
+                <a:off x="497878" y="4781000"/>
+                <a:ext cx="3327887" cy="707886"/>
+              </a:xfrm>
+              <a:prstGeom prst="rect">
+                <a:avLst/>
+              </a:prstGeom>
+              <a:noFill/>
+            </p:spPr>
+            <p:txBody>
+              <a:bodyPr wrap="square" rtlCol="0">
+                <a:spAutoFit/>
+              </a:bodyPr>
+              <a:lstStyle/>
+              <a:p>
+                <a14:m>
+                  <m:oMathPara xmlns:m="http://schemas.openxmlformats.org/officeDocument/2006/math">
+                    <m:oMathParaPr>
+                      <m:jc m:val="centerGroup"/>
+                    </m:oMathParaPr>
+                    <m:oMath xmlns:m="http://schemas.openxmlformats.org/officeDocument/2006/math">
+                      <m:sSup>
+                        <m:sSupPr>
+                          <m:ctrlPr>
+                            <a:rPr lang="nl-NL" sz="4000" b="0" i="1" smtClean="0">
+                              <a:solidFill>
+                                <a:srgbClr val="FFC000"/>
+                              </a:solidFill>
+                              <a:latin typeface="Cambria Math" panose="02040503050406030204" pitchFamily="18" charset="0"/>
+                            </a:rPr>
+                          </m:ctrlPr>
+                        </m:sSupPr>
+                        <m:e>
+                          <m:r>
+                            <a:rPr lang="nl-NL" sz="4000" b="0" i="1" smtClean="0">
+                              <a:solidFill>
+                                <a:srgbClr val="FFC000"/>
+                              </a:solidFill>
+                              <a:latin typeface="Cambria Math" panose="02040503050406030204" pitchFamily="18" charset="0"/>
+                            </a:rPr>
+                            <m:t>3</m:t>
+                          </m:r>
+                        </m:e>
+                        <m:sup>
+                          <m:r>
+                            <a:rPr lang="nl-NL" sz="4000" b="0" i="1" smtClean="0">
+                              <a:solidFill>
+                                <a:srgbClr val="FFC000"/>
+                              </a:solidFill>
+                              <a:latin typeface="Cambria Math" panose="02040503050406030204" pitchFamily="18" charset="0"/>
+                            </a:rPr>
+                            <m:t>9</m:t>
+                          </m:r>
+                        </m:sup>
+                      </m:sSup>
+                      <m:r>
+                        <a:rPr lang="nl-NL" sz="4000" b="0" i="1" smtClean="0">
+                          <a:solidFill>
+                            <a:srgbClr val="FFC000"/>
+                          </a:solidFill>
+                          <a:latin typeface="Cambria Math" panose="02040503050406030204" pitchFamily="18" charset="0"/>
+                        </a:rPr>
+                        <m:t>=19,683</m:t>
+                      </m:r>
+                    </m:oMath>
+                  </m:oMathPara>
+                </a14:m>
+                <a:endParaRPr lang="en-NL" sz="4000" dirty="0">
+                  <a:solidFill>
+                    <a:srgbClr val="FFC000"/>
+                  </a:solidFill>
+                </a:endParaRPr>
+              </a:p>
+            </p:txBody>
+          </p:sp>
+        </mc:Choice>
+        <mc:Fallback>
+          <p:sp>
+            <p:nvSpPr>
+              <p:cNvPr id="11" name="TextBox 10">
+                <a:extLst>
+                  <a:ext uri="{FF2B5EF4-FFF2-40B4-BE49-F238E27FC236}">
+                    <a16:creationId xmlns:a16="http://schemas.microsoft.com/office/drawing/2014/main" id="{489EEC1D-8790-154A-8D5D-D195171E2F75}"/>
+                  </a:ext>
+                </a:extLst>
+              </p:cNvPr>
+              <p:cNvSpPr txBox="1">
+                <a:spLocks noRot="1" noChangeAspect="1" noMove="1" noResize="1" noEditPoints="1" noAdjustHandles="1" noChangeArrowheads="1" noChangeShapeType="1" noTextEdit="1"/>
+              </p:cNvSpPr>
+              <p:nvPr/>
+            </p:nvSpPr>
+            <p:spPr>
+              <a:xfrm>
+                <a:off x="497878" y="4781000"/>
+                <a:ext cx="3327887" cy="707886"/>
+              </a:xfrm>
+              <a:prstGeom prst="rect">
+                <a:avLst/>
+              </a:prstGeom>
+              <a:blipFill>
+                <a:blip r:embed="rId3"/>
+                <a:stretch>
+                  <a:fillRect/>
+                </a:stretch>
+              </a:blipFill>
+            </p:spPr>
+            <p:txBody>
+              <a:bodyPr/>
+              <a:lstStyle/>
+              <a:p>
+                <a:r>
+                  <a:rPr lang="en-NL">
+                    <a:noFill/>
+                  </a:rPr>
+                  <a:t> </a:t>
+                </a:r>
+              </a:p>
+            </p:txBody>
+          </p:sp>
+        </mc:Fallback>
+      </mc:AlternateContent>
+    </p:spTree>
+    <p:extLst>
+      <p:ext uri="{BB962C8B-B14F-4D97-AF65-F5344CB8AC3E}">
+        <p14:creationId xmlns:p14="http://schemas.microsoft.com/office/powerpoint/2010/main" val="1111537768"/>
+      </p:ext>
+    </p:extLst>
+  </p:cSld>
+  <p:clrMapOvr>
+    <a:overrideClrMapping bg1="dk1" tx1="lt1" bg2="dk2" tx2="lt2" accent1="accent1" accent2="accent2" accent3="accent3" accent4="accent4" accent5="accent5" accent6="accent6" hlink="hlink" folHlink="folHlink"/>
+  </p:clrMapOvr>
+</p:sld>
+</file>
+
+<file path=ppt/slides/slide5.xml><?xml version="1.0" encoding="utf-8"?>
 <p:sld xmlns:a="http://schemas.openxmlformats.org/drawingml/2006/main" xmlns:r="http://schemas.openxmlformats.org/officeDocument/2006/relationships" xmlns:p="http://schemas.openxmlformats.org/presentationml/2006/main">
   <p:cSld>
     <p:bg>
@@ -4404,7 +6928,7 @@
           <a:p>
             <a:pPr algn="ctr"/>
             <a:r>
-              <a:rPr lang="en-US" sz="6000" kern="1200">
+              <a:rPr lang="en-US" sz="6000" kern="1200" dirty="0">
                 <a:solidFill>
                   <a:schemeClr val="tx1"/>
                 </a:solidFill>
@@ -4412,7 +6936,7 @@
                 <a:ea typeface="+mj-ea"/>
                 <a:cs typeface="+mj-cs"/>
               </a:rPr>
-              <a:t>Software 1.0</a:t>
+              <a:t>Software 1.0 ✅</a:t>
             </a:r>
           </a:p>
         </p:txBody>
@@ -4620,7 +7144,1571 @@
 </p:sld>
 </file>
 
-<file path=ppt/slides/slide5.xml><?xml version="1.0" encoding="utf-8"?>
+<file path=ppt/slides/slide6.xml><?xml version="1.0" encoding="utf-8"?>
+<p:sld xmlns:a="http://schemas.openxmlformats.org/drawingml/2006/main" xmlns:r="http://schemas.openxmlformats.org/officeDocument/2006/relationships" xmlns:p="http://schemas.openxmlformats.org/presentationml/2006/main">
+  <p:cSld>
+    <p:bg>
+      <p:bgPr>
+        <a:solidFill>
+          <a:schemeClr val="bg1">
+            <a:tint val="95000"/>
+            <a:satMod val="170000"/>
+          </a:schemeClr>
+        </a:solidFill>
+        <a:effectLst/>
+      </p:bgPr>
+    </p:bg>
+    <p:spTree>
+      <p:nvGrpSpPr>
+        <p:cNvPr id="1" name=""/>
+        <p:cNvGrpSpPr/>
+        <p:nvPr/>
+      </p:nvGrpSpPr>
+      <p:grpSpPr>
+        <a:xfrm>
+          <a:off x="0" y="0"/>
+          <a:ext cx="0" cy="0"/>
+          <a:chOff x="0" y="0"/>
+          <a:chExt cx="0" cy="0"/>
+        </a:xfrm>
+      </p:grpSpPr>
+      <p:sp useBgFill="1">
+        <p:nvSpPr>
+          <p:cNvPr id="71" name="Rectangle 70">
+            <a:extLst>
+              <a:ext uri="{FF2B5EF4-FFF2-40B4-BE49-F238E27FC236}">
+                <a16:creationId xmlns:a16="http://schemas.microsoft.com/office/drawing/2014/main" id="{2032B1E8-BC40-4380-97A6-14C0320AE1C0}"/>
+              </a:ext>
+              <a:ext uri="{C183D7F6-B498-43B3-948B-1728B52AA6E4}">
+                <adec:decorative xmlns:adec="http://schemas.microsoft.com/office/drawing/2017/decorative" val="1"/>
+              </a:ext>
+            </a:extLst>
+          </p:cNvPr>
+          <p:cNvSpPr>
+            <a:spLocks noGrp="1" noRot="1" noChangeAspect="1" noMove="1" noResize="1" noEditPoints="1" noAdjustHandles="1" noChangeArrowheads="1" noChangeShapeType="1" noTextEdit="1"/>
+          </p:cNvSpPr>
+          <p:nvPr>
+            <p:extLst>
+              <p:ext uri="{386F3935-93C4-4BCD-93E2-E3B085C9AB24}">
+                <p16:designElem xmlns:p16="http://schemas.microsoft.com/office/powerpoint/2015/main" val="1"/>
+              </p:ext>
+            </p:extLst>
+          </p:nvPr>
+        </p:nvSpPr>
+        <p:spPr>
+          <a:xfrm>
+            <a:off x="0" y="0"/>
+            <a:ext cx="12188952" cy="6858000"/>
+          </a:xfrm>
+          <a:prstGeom prst="rect">
+            <a:avLst/>
+          </a:prstGeom>
+          <a:ln>
+            <a:noFill/>
+          </a:ln>
+        </p:spPr>
+        <p:style>
+          <a:lnRef idx="2">
+            <a:schemeClr val="accent1">
+              <a:shade val="50000"/>
+            </a:schemeClr>
+          </a:lnRef>
+          <a:fillRef idx="1">
+            <a:schemeClr val="accent1"/>
+          </a:fillRef>
+          <a:effectRef idx="0">
+            <a:schemeClr val="accent1"/>
+          </a:effectRef>
+          <a:fontRef idx="minor">
+            <a:schemeClr val="lt1"/>
+          </a:fontRef>
+        </p:style>
+        <p:txBody>
+          <a:bodyPr rtlCol="0" anchor="ctr"/>
+          <a:lstStyle/>
+          <a:p>
+            <a:pPr algn="ctr"/>
+            <a:endParaRPr lang="en-US"/>
+          </a:p>
+        </p:txBody>
+      </p:sp>
+      <p:sp>
+        <p:nvSpPr>
+          <p:cNvPr id="73" name="Rectangle 72">
+            <a:extLst>
+              <a:ext uri="{FF2B5EF4-FFF2-40B4-BE49-F238E27FC236}">
+                <a16:creationId xmlns:a16="http://schemas.microsoft.com/office/drawing/2014/main" id="{1F7493F1-D69A-422C-A2FF-0FFF7AE0E39F}"/>
+              </a:ext>
+              <a:ext uri="{C183D7F6-B498-43B3-948B-1728B52AA6E4}">
+                <adec:decorative xmlns:adec="http://schemas.microsoft.com/office/drawing/2017/decorative" val="1"/>
+              </a:ext>
+            </a:extLst>
+          </p:cNvPr>
+          <p:cNvSpPr>
+            <a:spLocks noGrp="1" noRot="1" noChangeAspect="1" noMove="1" noResize="1" noEditPoints="1" noAdjustHandles="1" noChangeArrowheads="1" noChangeShapeType="1" noTextEdit="1"/>
+          </p:cNvSpPr>
+          <p:nvPr>
+            <p:extLst>
+              <p:ext uri="{386F3935-93C4-4BCD-93E2-E3B085C9AB24}">
+                <p16:designElem xmlns:p16="http://schemas.microsoft.com/office/powerpoint/2015/main" val="1"/>
+              </p:ext>
+            </p:extLst>
+          </p:nvPr>
+        </p:nvSpPr>
+        <p:spPr>
+          <a:xfrm>
+            <a:off x="0" y="1"/>
+            <a:ext cx="12192000" cy="2211294"/>
+          </a:xfrm>
+          <a:prstGeom prst="rect">
+            <a:avLst/>
+          </a:prstGeom>
+          <a:solidFill>
+            <a:schemeClr val="tx1">
+              <a:lumMod val="75000"/>
+              <a:lumOff val="25000"/>
+            </a:schemeClr>
+          </a:solidFill>
+          <a:ln>
+            <a:noFill/>
+          </a:ln>
+        </p:spPr>
+        <p:style>
+          <a:lnRef idx="2">
+            <a:schemeClr val="accent1">
+              <a:shade val="50000"/>
+            </a:schemeClr>
+          </a:lnRef>
+          <a:fillRef idx="1">
+            <a:schemeClr val="accent1"/>
+          </a:fillRef>
+          <a:effectRef idx="0">
+            <a:schemeClr val="accent1"/>
+          </a:effectRef>
+          <a:fontRef idx="minor">
+            <a:schemeClr val="lt1"/>
+          </a:fontRef>
+        </p:style>
+        <p:txBody>
+          <a:bodyPr rtlCol="0" anchor="ctr"/>
+          <a:lstStyle/>
+          <a:p>
+            <a:pPr marL="0" marR="0" lvl="0" indent="0" algn="ctr" defTabSz="914400" rtl="0" eaLnBrk="1" fontAlgn="auto" latinLnBrk="0" hangingPunct="1">
+              <a:lnSpc>
+                <a:spcPct val="100000"/>
+              </a:lnSpc>
+              <a:spcBef>
+                <a:spcPts val="0"/>
+              </a:spcBef>
+              <a:spcAft>
+                <a:spcPts val="0"/>
+              </a:spcAft>
+              <a:buClrTx/>
+              <a:buSzTx/>
+              <a:buFontTx/>
+              <a:buNone/>
+              <a:tabLst/>
+              <a:defRPr/>
+            </a:pPr>
+            <a:endParaRPr kumimoji="0" lang="en-US" sz="1800" b="0" i="0" u="none" strike="noStrike" kern="1200" cap="none" spc="0" normalizeH="0" baseline="0" noProof="0">
+              <a:ln>
+                <a:noFill/>
+              </a:ln>
+              <a:solidFill>
+                <a:prstClr val="white"/>
+              </a:solidFill>
+              <a:effectLst/>
+              <a:uLnTx/>
+              <a:uFillTx/>
+              <a:latin typeface="Tw Cen MT" panose="020B0602020104020603"/>
+              <a:ea typeface="+mn-ea"/>
+              <a:cs typeface="+mn-cs"/>
+            </a:endParaRPr>
+          </a:p>
+        </p:txBody>
+      </p:sp>
+      <p:sp>
+        <p:nvSpPr>
+          <p:cNvPr id="2" name="Title 1">
+            <a:extLst>
+              <a:ext uri="{FF2B5EF4-FFF2-40B4-BE49-F238E27FC236}">
+                <a16:creationId xmlns:a16="http://schemas.microsoft.com/office/drawing/2014/main" id="{D9A8A42C-CEE1-0945-B240-DE710040AF31}"/>
+              </a:ext>
+            </a:extLst>
+          </p:cNvPr>
+          <p:cNvSpPr>
+            <a:spLocks noGrp="1"/>
+          </p:cNvSpPr>
+          <p:nvPr>
+            <p:ph type="title"/>
+          </p:nvPr>
+        </p:nvSpPr>
+        <p:spPr>
+          <a:xfrm>
+            <a:off x="630936" y="418245"/>
+            <a:ext cx="3767328" cy="1325880"/>
+          </a:xfrm>
+        </p:spPr>
+        <p:txBody>
+          <a:bodyPr vert="horz" lIns="91440" tIns="45720" rIns="91440" bIns="45720" rtlCol="0" anchor="ctr">
+            <a:normAutofit/>
+          </a:bodyPr>
+          <a:lstStyle/>
+          <a:p>
+            <a:r>
+              <a:rPr lang="en-US" sz="2800">
+                <a:solidFill>
+                  <a:schemeClr val="bg1"/>
+                </a:solidFill>
+              </a:rPr>
+              <a:t>Slight Complication -- Chess</a:t>
+            </a:r>
+          </a:p>
+        </p:txBody>
+      </p:sp>
+      <p:cxnSp>
+        <p:nvCxnSpPr>
+          <p:cNvPr id="75" name="Straight Connector 74">
+            <a:extLst>
+              <a:ext uri="{FF2B5EF4-FFF2-40B4-BE49-F238E27FC236}">
+                <a16:creationId xmlns:a16="http://schemas.microsoft.com/office/drawing/2014/main" id="{17341211-05E5-4FDD-98B1-F551CD0EAE1C}"/>
+              </a:ext>
+              <a:ext uri="{C183D7F6-B498-43B3-948B-1728B52AA6E4}">
+                <adec:decorative xmlns:adec="http://schemas.microsoft.com/office/drawing/2017/decorative" val="1"/>
+              </a:ext>
+            </a:extLst>
+          </p:cNvPr>
+          <p:cNvCxnSpPr>
+            <a:cxnSpLocks noGrp="1" noRot="1" noChangeAspect="1" noMove="1" noResize="1" noEditPoints="1" noAdjustHandles="1" noChangeArrowheads="1" noChangeShapeType="1"/>
+          </p:cNvCxnSpPr>
+          <p:nvPr>
+            <p:extLst>
+              <p:ext uri="{386F3935-93C4-4BCD-93E2-E3B085C9AB24}">
+                <p16:designElem xmlns:p16="http://schemas.microsoft.com/office/powerpoint/2015/main" val="1"/>
+              </p:ext>
+            </p:extLst>
+          </p:nvPr>
+        </p:nvCxnSpPr>
+        <p:spPr>
+          <a:xfrm flipV="1">
+            <a:off x="4639665" y="624144"/>
+            <a:ext cx="0" cy="914400"/>
+          </a:xfrm>
+          <a:prstGeom prst="line">
+            <a:avLst/>
+          </a:prstGeom>
+          <a:ln w="19050">
+            <a:solidFill>
+              <a:schemeClr val="bg1">
+                <a:alpha val="70000"/>
+              </a:schemeClr>
+            </a:solidFill>
+          </a:ln>
+        </p:spPr>
+        <p:style>
+          <a:lnRef idx="1">
+            <a:schemeClr val="accent1"/>
+          </a:lnRef>
+          <a:fillRef idx="0">
+            <a:schemeClr val="accent1"/>
+          </a:fillRef>
+          <a:effectRef idx="0">
+            <a:schemeClr val="accent1"/>
+          </a:effectRef>
+          <a:fontRef idx="minor">
+            <a:schemeClr val="tx1"/>
+          </a:fontRef>
+        </p:style>
+      </p:cxnSp>
+      <p:sp>
+        <p:nvSpPr>
+          <p:cNvPr id="3" name="TextBox 2">
+            <a:extLst>
+              <a:ext uri="{FF2B5EF4-FFF2-40B4-BE49-F238E27FC236}">
+                <a16:creationId xmlns:a16="http://schemas.microsoft.com/office/drawing/2014/main" id="{9F80B2F2-DF8A-0841-90F2-533FB6C52CF6}"/>
+              </a:ext>
+            </a:extLst>
+          </p:cNvPr>
+          <p:cNvSpPr txBox="1"/>
+          <p:nvPr/>
+        </p:nvSpPr>
+        <p:spPr>
+          <a:xfrm>
+            <a:off x="4882896" y="354237"/>
+            <a:ext cx="6675120" cy="1463040"/>
+          </a:xfrm>
+          <a:prstGeom prst="rect">
+            <a:avLst/>
+          </a:prstGeom>
+        </p:spPr>
+        <p:txBody>
+          <a:bodyPr vert="horz" lIns="91440" tIns="45720" rIns="91440" bIns="45720" rtlCol="0" anchor="ctr">
+            <a:normAutofit/>
+          </a:bodyPr>
+          <a:lstStyle/>
+          <a:p>
+            <a:pPr marL="285750" indent="-228600">
+              <a:lnSpc>
+                <a:spcPct val="90000"/>
+              </a:lnSpc>
+              <a:spcAft>
+                <a:spcPts val="600"/>
+              </a:spcAft>
+              <a:buFont typeface="Arial" panose="020B0604020202020204" pitchFamily="34" charset="0"/>
+              <a:buChar char="•"/>
+            </a:pPr>
+            <a:r>
+              <a:rPr lang="en-US" sz="1700" i="1" dirty="0">
+                <a:solidFill>
+                  <a:srgbClr val="FFC000"/>
+                </a:solidFill>
+              </a:rPr>
+              <a:t>Define Rules</a:t>
+            </a:r>
+          </a:p>
+          <a:p>
+            <a:pPr marL="285750" indent="-228600">
+              <a:lnSpc>
+                <a:spcPct val="90000"/>
+              </a:lnSpc>
+              <a:spcAft>
+                <a:spcPts val="600"/>
+              </a:spcAft>
+              <a:buFont typeface="Arial" panose="020B0604020202020204" pitchFamily="34" charset="0"/>
+              <a:buChar char="•"/>
+            </a:pPr>
+            <a:r>
+              <a:rPr lang="en-US" sz="1700" i="1" dirty="0">
+                <a:solidFill>
+                  <a:srgbClr val="FFC000"/>
+                </a:solidFill>
+              </a:rPr>
+              <a:t>Execute a Search Algorithm </a:t>
+            </a:r>
+          </a:p>
+        </p:txBody>
+      </p:sp>
+      <p:pic>
+        <p:nvPicPr>
+          <p:cNvPr id="4098" name="Picture 2">
+            <a:extLst>
+              <a:ext uri="{FF2B5EF4-FFF2-40B4-BE49-F238E27FC236}">
+                <a16:creationId xmlns:a16="http://schemas.microsoft.com/office/drawing/2014/main" id="{0109E938-DDD6-7040-AFFE-466E46BE4046}"/>
+              </a:ext>
+            </a:extLst>
+          </p:cNvPr>
+          <p:cNvPicPr>
+            <a:picLocks noChangeAspect="1" noChangeArrowheads="1"/>
+          </p:cNvPicPr>
+          <p:nvPr/>
+        </p:nvPicPr>
+        <p:blipFill>
+          <a:blip r:embed="rId2">
+            <a:extLst>
+              <a:ext uri="{28A0092B-C50C-407E-A947-70E740481C1C}">
+                <a14:useLocalDpi xmlns:a14="http://schemas.microsoft.com/office/drawing/2010/main" val="0"/>
+              </a:ext>
+            </a:extLst>
+          </a:blip>
+          <a:srcRect/>
+          <a:stretch>
+            <a:fillRect/>
+          </a:stretch>
+        </p:blipFill>
+        <p:spPr bwMode="auto">
+          <a:xfrm>
+            <a:off x="9623961" y="34010"/>
+            <a:ext cx="2177285" cy="2177285"/>
+          </a:xfrm>
+          <a:prstGeom prst="rect">
+            <a:avLst/>
+          </a:prstGeom>
+          <a:noFill/>
+          <a:extLst>
+            <a:ext uri="{909E8E84-426E-40DD-AFC4-6F175D3DCCD1}">
+              <a14:hiddenFill xmlns:a14="http://schemas.microsoft.com/office/drawing/2010/main">
+                <a:solidFill>
+                  <a:srgbClr val="FFFFFF"/>
+                </a:solidFill>
+              </a14:hiddenFill>
+            </a:ext>
+          </a:extLst>
+        </p:spPr>
+      </p:pic>
+      <p:pic>
+        <p:nvPicPr>
+          <p:cNvPr id="4104" name="Picture 8" descr="7 World's Most Famous Chess Combinations at TheChessWorld.com">
+            <a:extLst>
+              <a:ext uri="{FF2B5EF4-FFF2-40B4-BE49-F238E27FC236}">
+                <a16:creationId xmlns:a16="http://schemas.microsoft.com/office/drawing/2014/main" id="{D5B935A2-1AD6-9C40-B275-F8C91B8BAC5F}"/>
+              </a:ext>
+            </a:extLst>
+          </p:cNvPr>
+          <p:cNvPicPr>
+            <a:picLocks noChangeAspect="1" noChangeArrowheads="1"/>
+          </p:cNvPicPr>
+          <p:nvPr/>
+        </p:nvPicPr>
+        <p:blipFill>
+          <a:blip r:embed="rId3">
+            <a:extLst>
+              <a:ext uri="{28A0092B-C50C-407E-A947-70E740481C1C}">
+                <a14:useLocalDpi xmlns:a14="http://schemas.microsoft.com/office/drawing/2010/main" val="0"/>
+              </a:ext>
+            </a:extLst>
+          </a:blip>
+          <a:srcRect/>
+          <a:stretch>
+            <a:fillRect/>
+          </a:stretch>
+        </p:blipFill>
+        <p:spPr bwMode="auto">
+          <a:xfrm>
+            <a:off x="4617853" y="2531522"/>
+            <a:ext cx="7205205" cy="4079075"/>
+          </a:xfrm>
+          <a:prstGeom prst="rect">
+            <a:avLst/>
+          </a:prstGeom>
+          <a:noFill/>
+          <a:extLst>
+            <a:ext uri="{909E8E84-426E-40DD-AFC4-6F175D3DCCD1}">
+              <a14:hiddenFill xmlns:a14="http://schemas.microsoft.com/office/drawing/2010/main">
+                <a:solidFill>
+                  <a:srgbClr val="FFFFFF"/>
+                </a:solidFill>
+              </a14:hiddenFill>
+            </a:ext>
+          </a:extLst>
+        </p:spPr>
+      </p:pic>
+      <p:pic>
+        <p:nvPicPr>
+          <p:cNvPr id="4106" name="Picture 10" descr="CHESS Rules of the Game">
+            <a:extLst>
+              <a:ext uri="{FF2B5EF4-FFF2-40B4-BE49-F238E27FC236}">
+                <a16:creationId xmlns:a16="http://schemas.microsoft.com/office/drawing/2014/main" id="{F070FED7-074E-7A44-8B97-DE40340E7843}"/>
+              </a:ext>
+            </a:extLst>
+          </p:cNvPr>
+          <p:cNvPicPr>
+            <a:picLocks noChangeAspect="1" noChangeArrowheads="1"/>
+          </p:cNvPicPr>
+          <p:nvPr/>
+        </p:nvPicPr>
+        <p:blipFill>
+          <a:blip r:embed="rId4">
+            <a:extLst>
+              <a:ext uri="{28A0092B-C50C-407E-A947-70E740481C1C}">
+                <a14:useLocalDpi xmlns:a14="http://schemas.microsoft.com/office/drawing/2010/main" val="0"/>
+              </a:ext>
+            </a:extLst>
+          </a:blip>
+          <a:srcRect/>
+          <a:stretch>
+            <a:fillRect/>
+          </a:stretch>
+        </p:blipFill>
+        <p:spPr bwMode="auto">
+          <a:xfrm>
+            <a:off x="737990" y="2967968"/>
+            <a:ext cx="3141874" cy="3133359"/>
+          </a:xfrm>
+          <a:prstGeom prst="rect">
+            <a:avLst/>
+          </a:prstGeom>
+          <a:noFill/>
+          <a:extLst>
+            <a:ext uri="{909E8E84-426E-40DD-AFC4-6F175D3DCCD1}">
+              <a14:hiddenFill xmlns:a14="http://schemas.microsoft.com/office/drawing/2010/main">
+                <a:solidFill>
+                  <a:srgbClr val="FFFFFF"/>
+                </a:solidFill>
+              </a14:hiddenFill>
+            </a:ext>
+          </a:extLst>
+        </p:spPr>
+      </p:pic>
+    </p:spTree>
+    <p:extLst>
+      <p:ext uri="{BB962C8B-B14F-4D97-AF65-F5344CB8AC3E}">
+        <p14:creationId xmlns:p14="http://schemas.microsoft.com/office/powerpoint/2010/main" val="706067984"/>
+      </p:ext>
+    </p:extLst>
+  </p:cSld>
+  <p:clrMapOvr>
+    <a:masterClrMapping/>
+  </p:clrMapOvr>
+</p:sld>
+</file>
+
+<file path=ppt/slides/slide7.xml><?xml version="1.0" encoding="utf-8"?>
+<p:sld xmlns:a="http://schemas.openxmlformats.org/drawingml/2006/main" xmlns:r="http://schemas.openxmlformats.org/officeDocument/2006/relationships" xmlns:p="http://schemas.openxmlformats.org/presentationml/2006/main">
+  <p:cSld>
+    <p:bg>
+      <p:bgPr>
+        <a:solidFill>
+          <a:schemeClr val="bg1"/>
+        </a:solidFill>
+        <a:effectLst/>
+      </p:bgPr>
+    </p:bg>
+    <p:spTree>
+      <p:nvGrpSpPr>
+        <p:cNvPr id="1" name=""/>
+        <p:cNvGrpSpPr/>
+        <p:nvPr/>
+      </p:nvGrpSpPr>
+      <p:grpSpPr>
+        <a:xfrm>
+          <a:off x="0" y="0"/>
+          <a:ext cx="0" cy="0"/>
+          <a:chOff x="0" y="0"/>
+          <a:chExt cx="0" cy="0"/>
+        </a:xfrm>
+      </p:grpSpPr>
+      <p:sp useBgFill="1">
+        <p:nvSpPr>
+          <p:cNvPr id="139" name="Rectangle 138">
+            <a:extLst>
+              <a:ext uri="{FF2B5EF4-FFF2-40B4-BE49-F238E27FC236}">
+                <a16:creationId xmlns:a16="http://schemas.microsoft.com/office/drawing/2014/main" id="{33CD251C-A887-4D2F-925B-FC097198538B}"/>
+              </a:ext>
+              <a:ext uri="{C183D7F6-B498-43B3-948B-1728B52AA6E4}">
+                <adec:decorative xmlns:adec="http://schemas.microsoft.com/office/drawing/2017/decorative" val="1"/>
+              </a:ext>
+            </a:extLst>
+          </p:cNvPr>
+          <p:cNvSpPr>
+            <a:spLocks noGrp="1" noRot="1" noChangeAspect="1" noMove="1" noResize="1" noEditPoints="1" noAdjustHandles="1" noChangeArrowheads="1" noChangeShapeType="1" noTextEdit="1"/>
+          </p:cNvSpPr>
+          <p:nvPr>
+            <p:extLst>
+              <p:ext uri="{386F3935-93C4-4BCD-93E2-E3B085C9AB24}">
+                <p16:designElem xmlns:p16="http://schemas.microsoft.com/office/powerpoint/2015/main" val="1"/>
+              </p:ext>
+            </p:extLst>
+          </p:nvPr>
+        </p:nvSpPr>
+        <p:spPr>
+          <a:xfrm>
+            <a:off x="0" y="0"/>
+            <a:ext cx="12192000" cy="6858000"/>
+          </a:xfrm>
+          <a:prstGeom prst="rect">
+            <a:avLst/>
+          </a:prstGeom>
+          <a:ln>
+            <a:noFill/>
+          </a:ln>
+        </p:spPr>
+        <p:style>
+          <a:lnRef idx="2">
+            <a:schemeClr val="accent1">
+              <a:shade val="50000"/>
+            </a:schemeClr>
+          </a:lnRef>
+          <a:fillRef idx="1">
+            <a:schemeClr val="accent1"/>
+          </a:fillRef>
+          <a:effectRef idx="0">
+            <a:schemeClr val="accent1"/>
+          </a:effectRef>
+          <a:fontRef idx="minor">
+            <a:schemeClr val="lt1"/>
+          </a:fontRef>
+        </p:style>
+        <p:txBody>
+          <a:bodyPr rtlCol="0" anchor="ctr"/>
+          <a:lstStyle/>
+          <a:p>
+            <a:pPr algn="ctr"/>
+            <a:endParaRPr lang="en-US"/>
+          </a:p>
+        </p:txBody>
+      </p:sp>
+      <p:sp>
+        <p:nvSpPr>
+          <p:cNvPr id="141" name="Freeform: Shape 140">
+            <a:extLst>
+              <a:ext uri="{FF2B5EF4-FFF2-40B4-BE49-F238E27FC236}">
+                <a16:creationId xmlns:a16="http://schemas.microsoft.com/office/drawing/2014/main" id="{3B2069EE-A08E-44F0-B3F9-3CF8CC2DCAD5}"/>
+              </a:ext>
+              <a:ext uri="{C183D7F6-B498-43B3-948B-1728B52AA6E4}">
+                <adec:decorative xmlns:adec="http://schemas.microsoft.com/office/drawing/2017/decorative" val="1"/>
+              </a:ext>
+            </a:extLst>
+          </p:cNvPr>
+          <p:cNvSpPr>
+            <a:spLocks noGrp="1" noRot="1" noChangeAspect="1" noMove="1" noResize="1" noEditPoints="1" noAdjustHandles="1" noChangeArrowheads="1" noChangeShapeType="1" noTextEdit="1"/>
+          </p:cNvSpPr>
+          <p:nvPr>
+            <p:extLst>
+              <p:ext uri="{386F3935-93C4-4BCD-93E2-E3B085C9AB24}">
+                <p16:designElem xmlns:p16="http://schemas.microsoft.com/office/powerpoint/2015/main" val="1"/>
+              </p:ext>
+            </p:extLst>
+          </p:nvPr>
+        </p:nvSpPr>
+        <p:spPr>
+          <a:xfrm>
+            <a:off x="0" y="0"/>
+            <a:ext cx="6126740" cy="6857542"/>
+          </a:xfrm>
+          <a:custGeom>
+            <a:avLst/>
+            <a:gdLst>
+              <a:gd name="connsiteX0" fmla="*/ 0 w 6126740"/>
+              <a:gd name="connsiteY0" fmla="*/ 0 h 6857542"/>
+              <a:gd name="connsiteX1" fmla="*/ 4980067 w 6126740"/>
+              <a:gd name="connsiteY1" fmla="*/ 0 h 6857542"/>
+              <a:gd name="connsiteX2" fmla="*/ 4992714 w 6126740"/>
+              <a:gd name="connsiteY2" fmla="*/ 31774 h 6857542"/>
+              <a:gd name="connsiteX3" fmla="*/ 6047722 w 6126740"/>
+              <a:gd name="connsiteY3" fmla="*/ 2682457 h 6857542"/>
+              <a:gd name="connsiteX4" fmla="*/ 6047722 w 6126740"/>
+              <a:gd name="connsiteY4" fmla="*/ 3752208 h 6857542"/>
+              <a:gd name="connsiteX5" fmla="*/ 4890218 w 6126740"/>
+              <a:gd name="connsiteY5" fmla="*/ 6660411 h 6857542"/>
+              <a:gd name="connsiteX6" fmla="*/ 4811756 w 6126740"/>
+              <a:gd name="connsiteY6" fmla="*/ 6857542 h 6857542"/>
+              <a:gd name="connsiteX7" fmla="*/ 0 w 6126740"/>
+              <a:gd name="connsiteY7" fmla="*/ 6857542 h 6857542"/>
+            </a:gdLst>
+            <a:ahLst/>
+            <a:cxnLst>
+              <a:cxn ang="0">
+                <a:pos x="connsiteX0" y="connsiteY0"/>
+              </a:cxn>
+              <a:cxn ang="0">
+                <a:pos x="connsiteX1" y="connsiteY1"/>
+              </a:cxn>
+              <a:cxn ang="0">
+                <a:pos x="connsiteX2" y="connsiteY2"/>
+              </a:cxn>
+              <a:cxn ang="0">
+                <a:pos x="connsiteX3" y="connsiteY3"/>
+              </a:cxn>
+              <a:cxn ang="0">
+                <a:pos x="connsiteX4" y="connsiteY4"/>
+              </a:cxn>
+              <a:cxn ang="0">
+                <a:pos x="connsiteX5" y="connsiteY5"/>
+              </a:cxn>
+              <a:cxn ang="0">
+                <a:pos x="connsiteX6" y="connsiteY6"/>
+              </a:cxn>
+              <a:cxn ang="0">
+                <a:pos x="connsiteX7" y="connsiteY7"/>
+              </a:cxn>
+            </a:cxnLst>
+            <a:rect l="l" t="t" r="r" b="b"/>
+            <a:pathLst>
+              <a:path w="6126740" h="6857542">
+                <a:moveTo>
+                  <a:pt x="0" y="0"/>
+                </a:moveTo>
+                <a:lnTo>
+                  <a:pt x="4980067" y="0"/>
+                </a:lnTo>
+                <a:lnTo>
+                  <a:pt x="4992714" y="31774"/>
+                </a:lnTo>
+                <a:cubicBezTo>
+                  <a:pt x="6047722" y="2682457"/>
+                  <a:pt x="6047722" y="2682457"/>
+                  <a:pt x="6047722" y="2682457"/>
+                </a:cubicBezTo>
+                <a:cubicBezTo>
+                  <a:pt x="6153080" y="2988100"/>
+                  <a:pt x="6153080" y="3446565"/>
+                  <a:pt x="6047722" y="3752208"/>
+                </a:cubicBezTo>
+                <a:cubicBezTo>
+                  <a:pt x="5563735" y="4968215"/>
+                  <a:pt x="5185620" y="5918220"/>
+                  <a:pt x="4890218" y="6660411"/>
+                </a:cubicBezTo>
+                <a:lnTo>
+                  <a:pt x="4811756" y="6857542"/>
+                </a:lnTo>
+                <a:lnTo>
+                  <a:pt x="0" y="6857542"/>
+                </a:lnTo>
+                <a:close/>
+              </a:path>
+            </a:pathLst>
+          </a:custGeom>
+          <a:solidFill>
+            <a:schemeClr val="tx1"/>
+          </a:solidFill>
+          <a:ln>
+            <a:noFill/>
+          </a:ln>
+        </p:spPr>
+        <p:style>
+          <a:lnRef idx="2">
+            <a:schemeClr val="accent1">
+              <a:shade val="50000"/>
+            </a:schemeClr>
+          </a:lnRef>
+          <a:fillRef idx="1">
+            <a:schemeClr val="accent1"/>
+          </a:fillRef>
+          <a:effectRef idx="0">
+            <a:schemeClr val="accent1"/>
+          </a:effectRef>
+          <a:fontRef idx="minor">
+            <a:schemeClr val="lt1"/>
+          </a:fontRef>
+        </p:style>
+        <p:txBody>
+          <a:bodyPr wrap="square" rtlCol="0" anchor="ctr">
+            <a:noAutofit/>
+          </a:bodyPr>
+          <a:lstStyle/>
+          <a:p>
+            <a:pPr algn="ctr"/>
+            <a:endParaRPr lang="en-US"/>
+          </a:p>
+        </p:txBody>
+      </p:sp>
+      <p:grpSp>
+        <p:nvGrpSpPr>
+          <p:cNvPr id="143" name="Group 142">
+            <a:extLst>
+              <a:ext uri="{FF2B5EF4-FFF2-40B4-BE49-F238E27FC236}">
+                <a16:creationId xmlns:a16="http://schemas.microsoft.com/office/drawing/2014/main" id="{9C6E8597-0CCE-4A8A-9326-AA52691A1C81}"/>
+              </a:ext>
+              <a:ext uri="{C183D7F6-B498-43B3-948B-1728B52AA6E4}">
+                <adec:decorative xmlns:adec="http://schemas.microsoft.com/office/drawing/2017/decorative" val="1"/>
+              </a:ext>
+            </a:extLst>
+          </p:cNvPr>
+          <p:cNvGrpSpPr>
+            <a:grpSpLocks noGrp="1" noUngrp="1" noRot="1" noChangeAspect="1" noMove="1" noResize="1"/>
+          </p:cNvGrpSpPr>
+          <p:nvPr>
+            <p:extLst>
+              <p:ext uri="{386F3935-93C4-4BCD-93E2-E3B085C9AB24}">
+                <p16:designElem xmlns:p16="http://schemas.microsoft.com/office/powerpoint/2015/main" val="1"/>
+              </p:ext>
+            </p:extLst>
+          </p:nvPr>
+        </p:nvGrpSpPr>
+        <p:grpSpPr>
+          <a:xfrm>
+            <a:off x="640080" y="640080"/>
+            <a:ext cx="1128382" cy="847206"/>
+            <a:chOff x="5307830" y="325570"/>
+            <a:chExt cx="1128382" cy="847206"/>
+          </a:xfrm>
+        </p:grpSpPr>
+        <p:sp>
+          <p:nvSpPr>
+            <p:cNvPr id="144" name="Freeform 5">
+              <a:extLst>
+                <a:ext uri="{FF2B5EF4-FFF2-40B4-BE49-F238E27FC236}">
+                  <a16:creationId xmlns:a16="http://schemas.microsoft.com/office/drawing/2014/main" id="{E78FE76E-DF1D-420B-957F-8ECE93C02B85}"/>
+                </a:ext>
+                <a:ext uri="{C183D7F6-B498-43B3-948B-1728B52AA6E4}">
+                  <adec:decorative xmlns:adec="http://schemas.microsoft.com/office/drawing/2017/decorative" val="1"/>
+                </a:ext>
+              </a:extLst>
+            </p:cNvPr>
+            <p:cNvSpPr>
+              <a:spLocks/>
+            </p:cNvSpPr>
+            <p:nvPr>
+              <p:extLst>
+                <p:ext uri="{386F3935-93C4-4BCD-93E2-E3B085C9AB24}">
+                  <p16:designElem xmlns:p16="http://schemas.microsoft.com/office/powerpoint/2015/main" val="1"/>
+                </p:ext>
+              </p:extLst>
+            </p:nvPr>
+          </p:nvSpPr>
+          <p:spPr bwMode="auto">
+            <a:xfrm>
+              <a:off x="5307830" y="577396"/>
+              <a:ext cx="675351" cy="595380"/>
+            </a:xfrm>
+            <a:custGeom>
+              <a:avLst/>
+              <a:gdLst>
+                <a:gd name="T0" fmla="*/ 225 w 785"/>
+                <a:gd name="T1" fmla="*/ 692 h 692"/>
+                <a:gd name="T2" fmla="*/ 177 w 785"/>
+                <a:gd name="T3" fmla="*/ 665 h 692"/>
+                <a:gd name="T4" fmla="*/ 9 w 785"/>
+                <a:gd name="T5" fmla="*/ 374 h 692"/>
+                <a:gd name="T6" fmla="*/ 9 w 785"/>
+                <a:gd name="T7" fmla="*/ 318 h 692"/>
+                <a:gd name="T8" fmla="*/ 177 w 785"/>
+                <a:gd name="T9" fmla="*/ 27 h 692"/>
+                <a:gd name="T10" fmla="*/ 225 w 785"/>
+                <a:gd name="T11" fmla="*/ 0 h 692"/>
+                <a:gd name="T12" fmla="*/ 561 w 785"/>
+                <a:gd name="T13" fmla="*/ 0 h 692"/>
+                <a:gd name="T14" fmla="*/ 609 w 785"/>
+                <a:gd name="T15" fmla="*/ 27 h 692"/>
+                <a:gd name="T16" fmla="*/ 777 w 785"/>
+                <a:gd name="T17" fmla="*/ 318 h 692"/>
+                <a:gd name="T18" fmla="*/ 777 w 785"/>
+                <a:gd name="T19" fmla="*/ 374 h 692"/>
+                <a:gd name="T20" fmla="*/ 609 w 785"/>
+                <a:gd name="T21" fmla="*/ 665 h 692"/>
+                <a:gd name="T22" fmla="*/ 561 w 785"/>
+                <a:gd name="T23" fmla="*/ 692 h 692"/>
+                <a:gd name="T24" fmla="*/ 225 w 785"/>
+                <a:gd name="T25" fmla="*/ 692 h 692"/>
+              </a:gdLst>
+              <a:ahLst/>
+              <a:cxnLst>
+                <a:cxn ang="0">
+                  <a:pos x="T0" y="T1"/>
+                </a:cxn>
+                <a:cxn ang="0">
+                  <a:pos x="T2" y="T3"/>
+                </a:cxn>
+                <a:cxn ang="0">
+                  <a:pos x="T4" y="T5"/>
+                </a:cxn>
+                <a:cxn ang="0">
+                  <a:pos x="T6" y="T7"/>
+                </a:cxn>
+                <a:cxn ang="0">
+                  <a:pos x="T8" y="T9"/>
+                </a:cxn>
+                <a:cxn ang="0">
+                  <a:pos x="T10" y="T11"/>
+                </a:cxn>
+                <a:cxn ang="0">
+                  <a:pos x="T12" y="T13"/>
+                </a:cxn>
+                <a:cxn ang="0">
+                  <a:pos x="T14" y="T15"/>
+                </a:cxn>
+                <a:cxn ang="0">
+                  <a:pos x="T16" y="T17"/>
+                </a:cxn>
+                <a:cxn ang="0">
+                  <a:pos x="T18" y="T19"/>
+                </a:cxn>
+                <a:cxn ang="0">
+                  <a:pos x="T20" y="T21"/>
+                </a:cxn>
+                <a:cxn ang="0">
+                  <a:pos x="T22" y="T23"/>
+                </a:cxn>
+                <a:cxn ang="0">
+                  <a:pos x="T24" y="T25"/>
+                </a:cxn>
+              </a:cxnLst>
+              <a:rect l="0" t="0" r="r" b="b"/>
+              <a:pathLst>
+                <a:path w="785" h="692">
+                  <a:moveTo>
+                    <a:pt x="225" y="692"/>
+                  </a:moveTo>
+                  <a:cubicBezTo>
+                    <a:pt x="207" y="692"/>
+                    <a:pt x="185" y="680"/>
+                    <a:pt x="177" y="665"/>
+                  </a:cubicBezTo>
+                  <a:cubicBezTo>
+                    <a:pt x="9" y="374"/>
+                    <a:pt x="9" y="374"/>
+                    <a:pt x="9" y="374"/>
+                  </a:cubicBezTo>
+                  <a:cubicBezTo>
+                    <a:pt x="0" y="358"/>
+                    <a:pt x="0" y="334"/>
+                    <a:pt x="9" y="318"/>
+                  </a:cubicBezTo>
+                  <a:cubicBezTo>
+                    <a:pt x="177" y="27"/>
+                    <a:pt x="177" y="27"/>
+                    <a:pt x="177" y="27"/>
+                  </a:cubicBezTo>
+                  <a:cubicBezTo>
+                    <a:pt x="185" y="12"/>
+                    <a:pt x="207" y="0"/>
+                    <a:pt x="225" y="0"/>
+                  </a:cubicBezTo>
+                  <a:cubicBezTo>
+                    <a:pt x="561" y="0"/>
+                    <a:pt x="561" y="0"/>
+                    <a:pt x="561" y="0"/>
+                  </a:cubicBezTo>
+                  <a:cubicBezTo>
+                    <a:pt x="578" y="0"/>
+                    <a:pt x="600" y="12"/>
+                    <a:pt x="609" y="27"/>
+                  </a:cubicBezTo>
+                  <a:cubicBezTo>
+                    <a:pt x="777" y="318"/>
+                    <a:pt x="777" y="318"/>
+                    <a:pt x="777" y="318"/>
+                  </a:cubicBezTo>
+                  <a:cubicBezTo>
+                    <a:pt x="785" y="334"/>
+                    <a:pt x="785" y="358"/>
+                    <a:pt x="777" y="374"/>
+                  </a:cubicBezTo>
+                  <a:cubicBezTo>
+                    <a:pt x="609" y="665"/>
+                    <a:pt x="609" y="665"/>
+                    <a:pt x="609" y="665"/>
+                  </a:cubicBezTo>
+                  <a:cubicBezTo>
+                    <a:pt x="600" y="680"/>
+                    <a:pt x="578" y="692"/>
+                    <a:pt x="561" y="692"/>
+                  </a:cubicBezTo>
+                  <a:lnTo>
+                    <a:pt x="225" y="692"/>
+                  </a:lnTo>
+                  <a:close/>
+                </a:path>
+              </a:pathLst>
+            </a:custGeom>
+            <a:noFill/>
+            <a:ln w="28575" cmpd="sng">
+              <a:solidFill>
+                <a:schemeClr val="bg1"/>
+              </a:solidFill>
+            </a:ln>
+          </p:spPr>
+          <p:txBody>
+            <a:bodyPr vert="horz" wrap="square" lIns="91440" tIns="45720" rIns="91440" bIns="45720" numCol="1" anchor="t" anchorCtr="0" compatLnSpc="1">
+              <a:prstTxWarp prst="textNoShape">
+                <a:avLst/>
+              </a:prstTxWarp>
+            </a:bodyPr>
+            <a:lstStyle/>
+            <a:p>
+              <a:endParaRPr lang="en-US"/>
+            </a:p>
+          </p:txBody>
+        </p:sp>
+        <p:sp>
+          <p:nvSpPr>
+            <p:cNvPr id="145" name="Freeform 5">
+              <a:extLst>
+                <a:ext uri="{FF2B5EF4-FFF2-40B4-BE49-F238E27FC236}">
+                  <a16:creationId xmlns:a16="http://schemas.microsoft.com/office/drawing/2014/main" id="{CF2F61F0-9758-4DEF-AC08-7B00F04A4639}"/>
+                </a:ext>
+                <a:ext uri="{C183D7F6-B498-43B3-948B-1728B52AA6E4}">
+                  <adec:decorative xmlns:adec="http://schemas.microsoft.com/office/drawing/2017/decorative" val="1"/>
+                </a:ext>
+              </a:extLst>
+            </p:cNvPr>
+            <p:cNvSpPr>
+              <a:spLocks/>
+            </p:cNvSpPr>
+            <p:nvPr>
+              <p:extLst>
+                <p:ext uri="{386F3935-93C4-4BCD-93E2-E3B085C9AB24}">
+                  <p16:designElem xmlns:p16="http://schemas.microsoft.com/office/powerpoint/2015/main" val="1"/>
+                </p:ext>
+              </p:extLst>
+            </p:nvPr>
+          </p:nvSpPr>
+          <p:spPr bwMode="auto">
+            <a:xfrm>
+              <a:off x="5885720" y="325570"/>
+              <a:ext cx="550492" cy="485306"/>
+            </a:xfrm>
+            <a:custGeom>
+              <a:avLst/>
+              <a:gdLst>
+                <a:gd name="T0" fmla="*/ 225 w 785"/>
+                <a:gd name="T1" fmla="*/ 692 h 692"/>
+                <a:gd name="T2" fmla="*/ 177 w 785"/>
+                <a:gd name="T3" fmla="*/ 665 h 692"/>
+                <a:gd name="T4" fmla="*/ 9 w 785"/>
+                <a:gd name="T5" fmla="*/ 374 h 692"/>
+                <a:gd name="T6" fmla="*/ 9 w 785"/>
+                <a:gd name="T7" fmla="*/ 318 h 692"/>
+                <a:gd name="T8" fmla="*/ 177 w 785"/>
+                <a:gd name="T9" fmla="*/ 27 h 692"/>
+                <a:gd name="T10" fmla="*/ 225 w 785"/>
+                <a:gd name="T11" fmla="*/ 0 h 692"/>
+                <a:gd name="T12" fmla="*/ 561 w 785"/>
+                <a:gd name="T13" fmla="*/ 0 h 692"/>
+                <a:gd name="T14" fmla="*/ 609 w 785"/>
+                <a:gd name="T15" fmla="*/ 27 h 692"/>
+                <a:gd name="T16" fmla="*/ 777 w 785"/>
+                <a:gd name="T17" fmla="*/ 318 h 692"/>
+                <a:gd name="T18" fmla="*/ 777 w 785"/>
+                <a:gd name="T19" fmla="*/ 374 h 692"/>
+                <a:gd name="T20" fmla="*/ 609 w 785"/>
+                <a:gd name="T21" fmla="*/ 665 h 692"/>
+                <a:gd name="T22" fmla="*/ 561 w 785"/>
+                <a:gd name="T23" fmla="*/ 692 h 692"/>
+                <a:gd name="T24" fmla="*/ 225 w 785"/>
+                <a:gd name="T25" fmla="*/ 692 h 692"/>
+              </a:gdLst>
+              <a:ahLst/>
+              <a:cxnLst>
+                <a:cxn ang="0">
+                  <a:pos x="T0" y="T1"/>
+                </a:cxn>
+                <a:cxn ang="0">
+                  <a:pos x="T2" y="T3"/>
+                </a:cxn>
+                <a:cxn ang="0">
+                  <a:pos x="T4" y="T5"/>
+                </a:cxn>
+                <a:cxn ang="0">
+                  <a:pos x="T6" y="T7"/>
+                </a:cxn>
+                <a:cxn ang="0">
+                  <a:pos x="T8" y="T9"/>
+                </a:cxn>
+                <a:cxn ang="0">
+                  <a:pos x="T10" y="T11"/>
+                </a:cxn>
+                <a:cxn ang="0">
+                  <a:pos x="T12" y="T13"/>
+                </a:cxn>
+                <a:cxn ang="0">
+                  <a:pos x="T14" y="T15"/>
+                </a:cxn>
+                <a:cxn ang="0">
+                  <a:pos x="T16" y="T17"/>
+                </a:cxn>
+                <a:cxn ang="0">
+                  <a:pos x="T18" y="T19"/>
+                </a:cxn>
+                <a:cxn ang="0">
+                  <a:pos x="T20" y="T21"/>
+                </a:cxn>
+                <a:cxn ang="0">
+                  <a:pos x="T22" y="T23"/>
+                </a:cxn>
+                <a:cxn ang="0">
+                  <a:pos x="T24" y="T25"/>
+                </a:cxn>
+              </a:cxnLst>
+              <a:rect l="0" t="0" r="r" b="b"/>
+              <a:pathLst>
+                <a:path w="785" h="692">
+                  <a:moveTo>
+                    <a:pt x="225" y="692"/>
+                  </a:moveTo>
+                  <a:cubicBezTo>
+                    <a:pt x="207" y="692"/>
+                    <a:pt x="185" y="680"/>
+                    <a:pt x="177" y="665"/>
+                  </a:cubicBezTo>
+                  <a:cubicBezTo>
+                    <a:pt x="9" y="374"/>
+                    <a:pt x="9" y="374"/>
+                    <a:pt x="9" y="374"/>
+                  </a:cubicBezTo>
+                  <a:cubicBezTo>
+                    <a:pt x="0" y="358"/>
+                    <a:pt x="0" y="334"/>
+                    <a:pt x="9" y="318"/>
+                  </a:cubicBezTo>
+                  <a:cubicBezTo>
+                    <a:pt x="177" y="27"/>
+                    <a:pt x="177" y="27"/>
+                    <a:pt x="177" y="27"/>
+                  </a:cubicBezTo>
+                  <a:cubicBezTo>
+                    <a:pt x="185" y="12"/>
+                    <a:pt x="207" y="0"/>
+                    <a:pt x="225" y="0"/>
+                  </a:cubicBezTo>
+                  <a:cubicBezTo>
+                    <a:pt x="561" y="0"/>
+                    <a:pt x="561" y="0"/>
+                    <a:pt x="561" y="0"/>
+                  </a:cubicBezTo>
+                  <a:cubicBezTo>
+                    <a:pt x="578" y="0"/>
+                    <a:pt x="600" y="12"/>
+                    <a:pt x="609" y="27"/>
+                  </a:cubicBezTo>
+                  <a:cubicBezTo>
+                    <a:pt x="777" y="318"/>
+                    <a:pt x="777" y="318"/>
+                    <a:pt x="777" y="318"/>
+                  </a:cubicBezTo>
+                  <a:cubicBezTo>
+                    <a:pt x="785" y="334"/>
+                    <a:pt x="785" y="358"/>
+                    <a:pt x="777" y="374"/>
+                  </a:cubicBezTo>
+                  <a:cubicBezTo>
+                    <a:pt x="609" y="665"/>
+                    <a:pt x="609" y="665"/>
+                    <a:pt x="609" y="665"/>
+                  </a:cubicBezTo>
+                  <a:cubicBezTo>
+                    <a:pt x="600" y="680"/>
+                    <a:pt x="578" y="692"/>
+                    <a:pt x="561" y="692"/>
+                  </a:cubicBezTo>
+                  <a:lnTo>
+                    <a:pt x="225" y="692"/>
+                  </a:lnTo>
+                  <a:close/>
+                </a:path>
+              </a:pathLst>
+            </a:custGeom>
+            <a:noFill/>
+            <a:ln w="28575" cmpd="sng">
+              <a:solidFill>
+                <a:schemeClr val="bg1"/>
+              </a:solidFill>
+            </a:ln>
+          </p:spPr>
+          <p:txBody>
+            <a:bodyPr vert="horz" wrap="square" lIns="91440" tIns="45720" rIns="91440" bIns="45720" numCol="1" anchor="t" anchorCtr="0" compatLnSpc="1">
+              <a:prstTxWarp prst="textNoShape">
+                <a:avLst/>
+              </a:prstTxWarp>
+            </a:bodyPr>
+            <a:lstStyle/>
+            <a:p>
+              <a:endParaRPr lang="en-US"/>
+            </a:p>
+          </p:txBody>
+        </p:sp>
+      </p:grpSp>
+      <p:sp>
+        <p:nvSpPr>
+          <p:cNvPr id="2" name="Title 1">
+            <a:extLst>
+              <a:ext uri="{FF2B5EF4-FFF2-40B4-BE49-F238E27FC236}">
+                <a16:creationId xmlns:a16="http://schemas.microsoft.com/office/drawing/2014/main" id="{D9A8A42C-CEE1-0945-B240-DE710040AF31}"/>
+              </a:ext>
+            </a:extLst>
+          </p:cNvPr>
+          <p:cNvSpPr>
+            <a:spLocks noGrp="1"/>
+          </p:cNvSpPr>
+          <p:nvPr>
+            <p:ph type="title"/>
+          </p:nvPr>
+        </p:nvSpPr>
+        <p:spPr>
+          <a:xfrm>
+            <a:off x="767289" y="1487285"/>
+            <a:ext cx="4220967" cy="1717091"/>
+          </a:xfrm>
+        </p:spPr>
+        <p:txBody>
+          <a:bodyPr vert="horz" lIns="91440" tIns="45720" rIns="91440" bIns="45720" rtlCol="0" anchor="b">
+            <a:normAutofit/>
+          </a:bodyPr>
+          <a:lstStyle/>
+          <a:p>
+            <a:r>
+              <a:rPr lang="en-US" sz="4100">
+                <a:solidFill>
+                  <a:schemeClr val="bg1"/>
+                </a:solidFill>
+              </a:rPr>
+              <a:t>Slight Complication -- Chess</a:t>
+            </a:r>
+          </a:p>
+        </p:txBody>
+      </p:sp>
+      <p:pic>
+        <p:nvPicPr>
+          <p:cNvPr id="5" name="Picture 4" descr="Text&#10;&#10;Description automatically generated">
+            <a:extLst>
+              <a:ext uri="{FF2B5EF4-FFF2-40B4-BE49-F238E27FC236}">
+                <a16:creationId xmlns:a16="http://schemas.microsoft.com/office/drawing/2014/main" id="{71DE6A9A-8C86-5947-AB62-BF7A13323699}"/>
+              </a:ext>
+            </a:extLst>
+          </p:cNvPr>
+          <p:cNvPicPr>
+            <a:picLocks noChangeAspect="1"/>
+          </p:cNvPicPr>
+          <p:nvPr/>
+        </p:nvPicPr>
+        <p:blipFill>
+          <a:blip r:embed="rId2"/>
+          <a:stretch>
+            <a:fillRect/>
+          </a:stretch>
+        </p:blipFill>
+        <p:spPr>
+          <a:xfrm>
+            <a:off x="6649166" y="4390943"/>
+            <a:ext cx="4882283" cy="1721004"/>
+          </a:xfrm>
+          <a:prstGeom prst="rect">
+            <a:avLst/>
+          </a:prstGeom>
+        </p:spPr>
+      </p:pic>
+      <p:sp>
+        <p:nvSpPr>
+          <p:cNvPr id="3" name="TextBox 2">
+            <a:extLst>
+              <a:ext uri="{FF2B5EF4-FFF2-40B4-BE49-F238E27FC236}">
+                <a16:creationId xmlns:a16="http://schemas.microsoft.com/office/drawing/2014/main" id="{9F80B2F2-DF8A-0841-90F2-533FB6C52CF6}"/>
+              </a:ext>
+            </a:extLst>
+          </p:cNvPr>
+          <p:cNvSpPr txBox="1"/>
+          <p:nvPr/>
+        </p:nvSpPr>
+        <p:spPr>
+          <a:xfrm>
+            <a:off x="767290" y="3428999"/>
+            <a:ext cx="4075054" cy="2741213"/>
+          </a:xfrm>
+          <a:prstGeom prst="rect">
+            <a:avLst/>
+          </a:prstGeom>
+        </p:spPr>
+        <p:txBody>
+          <a:bodyPr vert="horz" lIns="91440" tIns="45720" rIns="91440" bIns="45720" rtlCol="0" anchor="t">
+            <a:normAutofit/>
+          </a:bodyPr>
+          <a:lstStyle/>
+          <a:p>
+            <a:pPr marL="285750" indent="-228600">
+              <a:lnSpc>
+                <a:spcPct val="90000"/>
+              </a:lnSpc>
+              <a:spcAft>
+                <a:spcPts val="600"/>
+              </a:spcAft>
+              <a:buFont typeface="Arial" panose="020B0604020202020204" pitchFamily="34" charset="0"/>
+              <a:buChar char="•"/>
+            </a:pPr>
+            <a:r>
+              <a:rPr lang="en-US" sz="2000" i="1">
+                <a:solidFill>
+                  <a:schemeClr val="bg1"/>
+                </a:solidFill>
+              </a:rPr>
+              <a:t>Define Rules</a:t>
+            </a:r>
+          </a:p>
+          <a:p>
+            <a:pPr marL="285750" indent="-228600">
+              <a:lnSpc>
+                <a:spcPct val="90000"/>
+              </a:lnSpc>
+              <a:spcAft>
+                <a:spcPts val="600"/>
+              </a:spcAft>
+              <a:buFont typeface="Arial" panose="020B0604020202020204" pitchFamily="34" charset="0"/>
+              <a:buChar char="•"/>
+            </a:pPr>
+            <a:r>
+              <a:rPr lang="en-US" sz="2000" i="1">
+                <a:solidFill>
+                  <a:schemeClr val="bg1"/>
+                </a:solidFill>
+              </a:rPr>
+              <a:t>Execute a Search Algorithm </a:t>
+            </a:r>
+          </a:p>
+        </p:txBody>
+      </p:sp>
+      <mc:AlternateContent xmlns:mc="http://schemas.openxmlformats.org/markup-compatibility/2006">
+        <mc:Choice xmlns:a14="http://schemas.microsoft.com/office/drawing/2010/main" Requires="a14">
+          <p:sp>
+            <p:nvSpPr>
+              <p:cNvPr id="6" name="TextBox 5">
+                <a:extLst>
+                  <a:ext uri="{FF2B5EF4-FFF2-40B4-BE49-F238E27FC236}">
+                    <a16:creationId xmlns:a16="http://schemas.microsoft.com/office/drawing/2014/main" id="{052645C7-B289-E04A-9217-2BFC0A2660B9}"/>
+                  </a:ext>
+                </a:extLst>
+              </p:cNvPr>
+              <p:cNvSpPr txBox="1"/>
+              <p:nvPr/>
+            </p:nvSpPr>
+            <p:spPr>
+              <a:xfrm>
+                <a:off x="3290080" y="5016772"/>
+                <a:ext cx="1508660" cy="707886"/>
+              </a:xfrm>
+              <a:prstGeom prst="rect">
+                <a:avLst/>
+              </a:prstGeom>
+              <a:noFill/>
+            </p:spPr>
+            <p:txBody>
+              <a:bodyPr wrap="square" rtlCol="0">
+                <a:spAutoFit/>
+              </a:bodyPr>
+              <a:lstStyle/>
+              <a:p>
+                <a14:m>
+                  <m:oMathPara xmlns:m="http://schemas.openxmlformats.org/officeDocument/2006/math">
+                    <m:oMathParaPr>
+                      <m:jc m:val="centerGroup"/>
+                    </m:oMathParaPr>
+                    <m:oMath xmlns:m="http://schemas.openxmlformats.org/officeDocument/2006/math">
+                      <m:sSup>
+                        <m:sSupPr>
+                          <m:ctrlPr>
+                            <a:rPr lang="nl-NL" sz="4000" b="0" smtClean="0">
+                              <a:solidFill>
+                                <a:srgbClr val="FFC000"/>
+                              </a:solidFill>
+                              <a:latin typeface="Cambria Math" panose="02040503050406030204" pitchFamily="18" charset="0"/>
+                            </a:rPr>
+                          </m:ctrlPr>
+                        </m:sSupPr>
+                        <m:e>
+                          <m:r>
+                            <a:rPr lang="nl-NL" sz="4000" b="0" i="0" smtClean="0">
+                              <a:solidFill>
+                                <a:srgbClr val="FFC000"/>
+                              </a:solidFill>
+                              <a:latin typeface="Cambria Math" panose="02040503050406030204" pitchFamily="18" charset="0"/>
+                            </a:rPr>
+                            <m:t>10</m:t>
+                          </m:r>
+                        </m:e>
+                        <m:sup>
+                          <m:r>
+                            <a:rPr lang="nl-NL" sz="4000" b="0" i="0" smtClean="0">
+                              <a:solidFill>
+                                <a:srgbClr val="FFC000"/>
+                              </a:solidFill>
+                              <a:latin typeface="Cambria Math" panose="02040503050406030204" pitchFamily="18" charset="0"/>
+                            </a:rPr>
+                            <m:t>120</m:t>
+                          </m:r>
+                        </m:sup>
+                      </m:sSup>
+                    </m:oMath>
+                  </m:oMathPara>
+                </a14:m>
+                <a:endParaRPr lang="en-NL" sz="4000" dirty="0">
+                  <a:solidFill>
+                    <a:srgbClr val="FFC000"/>
+                  </a:solidFill>
+                </a:endParaRPr>
+              </a:p>
+            </p:txBody>
+          </p:sp>
+        </mc:Choice>
+        <mc:Fallback>
+          <p:sp>
+            <p:nvSpPr>
+              <p:cNvPr id="6" name="TextBox 5">
+                <a:extLst>
+                  <a:ext uri="{FF2B5EF4-FFF2-40B4-BE49-F238E27FC236}">
+                    <a16:creationId xmlns:a16="http://schemas.microsoft.com/office/drawing/2014/main" id="{052645C7-B289-E04A-9217-2BFC0A2660B9}"/>
+                  </a:ext>
+                </a:extLst>
+              </p:cNvPr>
+              <p:cNvSpPr txBox="1">
+                <a:spLocks noRot="1" noChangeAspect="1" noMove="1" noResize="1" noEditPoints="1" noAdjustHandles="1" noChangeArrowheads="1" noChangeShapeType="1" noTextEdit="1"/>
+              </p:cNvSpPr>
+              <p:nvPr/>
+            </p:nvSpPr>
+            <p:spPr>
+              <a:xfrm>
+                <a:off x="3290080" y="5016772"/>
+                <a:ext cx="1508660" cy="707886"/>
+              </a:xfrm>
+              <a:prstGeom prst="rect">
+                <a:avLst/>
+              </a:prstGeom>
+              <a:blipFill>
+                <a:blip r:embed="rId3"/>
+                <a:stretch>
+                  <a:fillRect l="-2521"/>
+                </a:stretch>
+              </a:blipFill>
+            </p:spPr>
+            <p:txBody>
+              <a:bodyPr/>
+              <a:lstStyle/>
+              <a:p>
+                <a:r>
+                  <a:rPr lang="en-NL">
+                    <a:noFill/>
+                  </a:rPr>
+                  <a:t> </a:t>
+                </a:r>
+              </a:p>
+            </p:txBody>
+          </p:sp>
+        </mc:Fallback>
+      </mc:AlternateContent>
+      <p:pic>
+        <p:nvPicPr>
+          <p:cNvPr id="8" name="Picture 7" descr="A person in a suit&#10;&#10;Description automatically generated with medium confidence">
+            <a:extLst>
+              <a:ext uri="{FF2B5EF4-FFF2-40B4-BE49-F238E27FC236}">
+                <a16:creationId xmlns:a16="http://schemas.microsoft.com/office/drawing/2014/main" id="{316FD076-6888-C141-9E07-11EACBF938CE}"/>
+              </a:ext>
+            </a:extLst>
+          </p:cNvPr>
+          <p:cNvPicPr>
+            <a:picLocks noChangeAspect="1"/>
+          </p:cNvPicPr>
+          <p:nvPr/>
+        </p:nvPicPr>
+        <p:blipFill>
+          <a:blip r:embed="rId4"/>
+          <a:stretch>
+            <a:fillRect/>
+          </a:stretch>
+        </p:blipFill>
+        <p:spPr>
+          <a:xfrm>
+            <a:off x="7996526" y="0"/>
+            <a:ext cx="2322220" cy="4450922"/>
+          </a:xfrm>
+          <a:prstGeom prst="rect">
+            <a:avLst/>
+          </a:prstGeom>
+        </p:spPr>
+      </p:pic>
+      <p:pic>
+        <p:nvPicPr>
+          <p:cNvPr id="6146" name="Picture 2">
+            <a:extLst>
+              <a:ext uri="{FF2B5EF4-FFF2-40B4-BE49-F238E27FC236}">
+                <a16:creationId xmlns:a16="http://schemas.microsoft.com/office/drawing/2014/main" id="{56B0AAD9-7AA2-0247-89C2-B9BA6CC16311}"/>
+              </a:ext>
+            </a:extLst>
+          </p:cNvPr>
+          <p:cNvPicPr>
+            <a:picLocks noChangeAspect="1" noChangeArrowheads="1"/>
+          </p:cNvPicPr>
+          <p:nvPr/>
+        </p:nvPicPr>
+        <p:blipFill>
+          <a:blip r:embed="rId5">
+            <a:extLst>
+              <a:ext uri="{28A0092B-C50C-407E-A947-70E740481C1C}">
+                <a14:useLocalDpi xmlns:a14="http://schemas.microsoft.com/office/drawing/2010/main" val="0"/>
+              </a:ext>
+            </a:extLst>
+          </a:blip>
+          <a:srcRect/>
+          <a:stretch>
+            <a:fillRect/>
+          </a:stretch>
+        </p:blipFill>
+        <p:spPr bwMode="auto">
+          <a:xfrm>
+            <a:off x="244864" y="4446081"/>
+            <a:ext cx="2318211" cy="2107908"/>
+          </a:xfrm>
+          <a:prstGeom prst="rect">
+            <a:avLst/>
+          </a:prstGeom>
+          <a:noFill/>
+          <a:extLst>
+            <a:ext uri="{909E8E84-426E-40DD-AFC4-6F175D3DCCD1}">
+              <a14:hiddenFill xmlns:a14="http://schemas.microsoft.com/office/drawing/2010/main">
+                <a:solidFill>
+                  <a:srgbClr val="FFFFFF"/>
+                </a:solidFill>
+              </a14:hiddenFill>
+            </a:ext>
+          </a:extLst>
+        </p:spPr>
+      </p:pic>
+      <p:sp>
+        <p:nvSpPr>
+          <p:cNvPr id="11" name="AutoShape 6" descr="{\displaystyle {\mathsf {EXPTIME}}=\bigcup _{k\in \mathbb {N} }{\mathsf {DTIME}}\left(2^{n^{k}}\right).}">
+            <a:extLst>
+              <a:ext uri="{FF2B5EF4-FFF2-40B4-BE49-F238E27FC236}">
+                <a16:creationId xmlns:a16="http://schemas.microsoft.com/office/drawing/2014/main" id="{EC0E3DBF-C559-0441-837F-308F8BB87AE2}"/>
+              </a:ext>
+            </a:extLst>
+          </p:cNvPr>
+          <p:cNvSpPr>
+            <a:spLocks noChangeAspect="1" noChangeArrowheads="1"/>
+          </p:cNvSpPr>
+          <p:nvPr/>
+        </p:nvSpPr>
+        <p:spPr bwMode="auto">
+          <a:xfrm flipV="1">
+            <a:off x="3441840" y="2772035"/>
+            <a:ext cx="2801007" cy="864681"/>
+          </a:xfrm>
+          <a:prstGeom prst="rect">
+            <a:avLst/>
+          </a:prstGeom>
+          <a:noFill/>
+          <a:extLst>
+            <a:ext uri="{909E8E84-426E-40DD-AFC4-6F175D3DCCD1}">
+              <a14:hiddenFill xmlns:a14="http://schemas.microsoft.com/office/drawing/2010/main">
+                <a:solidFill>
+                  <a:srgbClr val="FFFFFF"/>
+                </a:solidFill>
+              </a14:hiddenFill>
+            </a:ext>
+          </a:extLst>
+        </p:spPr>
+        <p:txBody>
+          <a:bodyPr vert="horz" wrap="square" lIns="91440" tIns="45720" rIns="91440" bIns="45720" numCol="1" anchor="t" anchorCtr="0" compatLnSpc="1">
+            <a:prstTxWarp prst="textNoShape">
+              <a:avLst/>
+            </a:prstTxWarp>
+          </a:bodyPr>
+          <a:lstStyle/>
+          <a:p>
+            <a:endParaRPr lang="en-NL"/>
+          </a:p>
+        </p:txBody>
+      </p:sp>
+      <p:pic>
+        <p:nvPicPr>
+          <p:cNvPr id="13" name="Picture 12" descr="Text&#10;&#10;Description automatically generated with medium confidence">
+            <a:extLst>
+              <a:ext uri="{FF2B5EF4-FFF2-40B4-BE49-F238E27FC236}">
+                <a16:creationId xmlns:a16="http://schemas.microsoft.com/office/drawing/2014/main" id="{7C55A0C1-1DC5-0C46-8BB8-BDD1CE02E16D}"/>
+              </a:ext>
+            </a:extLst>
+          </p:cNvPr>
+          <p:cNvPicPr>
+            <a:picLocks noChangeAspect="1"/>
+          </p:cNvPicPr>
+          <p:nvPr/>
+        </p:nvPicPr>
+        <p:blipFill>
+          <a:blip r:embed="rId6"/>
+          <a:stretch>
+            <a:fillRect/>
+          </a:stretch>
+        </p:blipFill>
+        <p:spPr>
+          <a:xfrm>
+            <a:off x="7604407" y="6161123"/>
+            <a:ext cx="2971800" cy="647700"/>
+          </a:xfrm>
+          <a:prstGeom prst="rect">
+            <a:avLst/>
+          </a:prstGeom>
+        </p:spPr>
+      </p:pic>
+    </p:spTree>
+    <p:extLst>
+      <p:ext uri="{BB962C8B-B14F-4D97-AF65-F5344CB8AC3E}">
+        <p14:creationId xmlns:p14="http://schemas.microsoft.com/office/powerpoint/2010/main" val="2562966995"/>
+      </p:ext>
+    </p:extLst>
+  </p:cSld>
+  <p:clrMapOvr>
+    <a:masterClrMapping/>
+  </p:clrMapOvr>
+</p:sld>
+</file>
+
+<file path=ppt/slides/slide8.xml><?xml version="1.0" encoding="utf-8"?>
 <p:sld xmlns:a="http://schemas.openxmlformats.org/drawingml/2006/main" xmlns:r="http://schemas.openxmlformats.org/officeDocument/2006/relationships" xmlns:p="http://schemas.openxmlformats.org/presentationml/2006/main">
   <p:cSld>
     <p:bg>
@@ -5136,9 +9224,17 @@
 </p:sld>
 </file>
 
-<file path=ppt/slides/slide6.xml><?xml version="1.0" encoding="utf-8"?>
+<file path=ppt/slides/slide9.xml><?xml version="1.0" encoding="utf-8"?>
 <p:sld xmlns:a="http://schemas.openxmlformats.org/drawingml/2006/main" xmlns:r="http://schemas.openxmlformats.org/officeDocument/2006/relationships" xmlns:p="http://schemas.openxmlformats.org/presentationml/2006/main">
   <p:cSld>
+    <p:bg>
+      <p:bgPr>
+        <a:solidFill>
+          <a:schemeClr val="bg1"/>
+        </a:solidFill>
+        <a:effectLst/>
+      </p:bgPr>
+    </p:bg>
     <p:spTree>
       <p:nvGrpSpPr>
         <p:cNvPr id="1" name=""/>
@@ -5153,41 +9249,129 @@
           <a:chExt cx="0" cy="0"/>
         </a:xfrm>
       </p:grpSpPr>
+      <p:cxnSp>
+        <p:nvCxnSpPr>
+          <p:cNvPr id="73" name="Straight Connector 72">
+            <a:extLst>
+              <a:ext uri="{FF2B5EF4-FFF2-40B4-BE49-F238E27FC236}">
+                <a16:creationId xmlns:a16="http://schemas.microsoft.com/office/drawing/2014/main" id="{DB146403-F3D6-484B-B2ED-97F9565D0370}"/>
+              </a:ext>
+              <a:ext uri="{C183D7F6-B498-43B3-948B-1728B52AA6E4}">
+                <adec:decorative xmlns:adec="http://schemas.microsoft.com/office/drawing/2017/decorative" val="1"/>
+              </a:ext>
+            </a:extLst>
+          </p:cNvPr>
+          <p:cNvCxnSpPr>
+            <a:cxnSpLocks noGrp="1" noRot="1" noChangeAspect="1" noMove="1" noResize="1" noEditPoints="1" noAdjustHandles="1" noChangeArrowheads="1" noChangeShapeType="1"/>
+          </p:cNvCxnSpPr>
+          <p:nvPr>
+            <p:extLst>
+              <p:ext uri="{386F3935-93C4-4BCD-93E2-E3B085C9AB24}">
+                <p16:designElem xmlns:p16="http://schemas.microsoft.com/office/powerpoint/2015/main" val="1"/>
+              </p:ext>
+            </p:extLst>
+          </p:nvPr>
+        </p:nvCxnSpPr>
+        <p:spPr>
+          <a:xfrm>
+            <a:off x="6096000" y="477749"/>
+            <a:ext cx="0" cy="3657600"/>
+          </a:xfrm>
+          <a:prstGeom prst="line">
+            <a:avLst/>
+          </a:prstGeom>
+          <a:ln w="101600" cmpd="dbl">
+            <a:solidFill>
+              <a:srgbClr val="595959"/>
+            </a:solidFill>
+          </a:ln>
+        </p:spPr>
+        <p:style>
+          <a:lnRef idx="1">
+            <a:schemeClr val="accent1"/>
+          </a:lnRef>
+          <a:fillRef idx="0">
+            <a:schemeClr val="accent1"/>
+          </a:fillRef>
+          <a:effectRef idx="0">
+            <a:schemeClr val="accent1"/>
+          </a:effectRef>
+          <a:fontRef idx="minor">
+            <a:schemeClr val="tx1"/>
+          </a:fontRef>
+        </p:style>
+      </p:cxnSp>
       <p:sp>
         <p:nvSpPr>
-          <p:cNvPr id="2" name="Title 1">
-            <a:extLst>
-              <a:ext uri="{FF2B5EF4-FFF2-40B4-BE49-F238E27FC236}">
-                <a16:creationId xmlns:a16="http://schemas.microsoft.com/office/drawing/2014/main" id="{A34C498C-846F-BF4F-9986-8D31FF6CE521}"/>
+          <p:cNvPr id="75" name="Rectangle 74">
+            <a:extLst>
+              <a:ext uri="{FF2B5EF4-FFF2-40B4-BE49-F238E27FC236}">
+                <a16:creationId xmlns:a16="http://schemas.microsoft.com/office/drawing/2014/main" id="{823AC064-BC96-4F32-8AE1-B2FD38754823}"/>
+              </a:ext>
+              <a:ext uri="{C183D7F6-B498-43B3-948B-1728B52AA6E4}">
+                <adec:decorative xmlns:adec="http://schemas.microsoft.com/office/drawing/2017/decorative" val="1"/>
               </a:ext>
             </a:extLst>
           </p:cNvPr>
           <p:cNvSpPr>
-            <a:spLocks noGrp="1"/>
+            <a:spLocks noGrp="1" noRot="1" noChangeAspect="1" noMove="1" noResize="1" noEditPoints="1" noAdjustHandles="1" noChangeArrowheads="1" noChangeShapeType="1" noTextEdit="1"/>
           </p:cNvSpPr>
           <p:nvPr>
-            <p:ph type="title"/>
+            <p:extLst>
+              <p:ext uri="{386F3935-93C4-4BCD-93E2-E3B085C9AB24}">
+                <p16:designElem xmlns:p16="http://schemas.microsoft.com/office/powerpoint/2015/main" val="1"/>
+              </p:ext>
+            </p:extLst>
           </p:nvPr>
         </p:nvSpPr>
-        <p:spPr/>
+        <p:spPr bwMode="ltGray">
+          <a:xfrm>
+            <a:off x="378068" y="4633546"/>
+            <a:ext cx="11438793" cy="1844256"/>
+          </a:xfrm>
+          <a:prstGeom prst="rect">
+            <a:avLst/>
+          </a:prstGeom>
+          <a:solidFill>
+            <a:srgbClr val="404040"/>
+          </a:solidFill>
+          <a:ln w="127000" cap="sq" cmpd="thinThick">
+            <a:solidFill>
+              <a:srgbClr val="404040"/>
+            </a:solidFill>
+          </a:ln>
+        </p:spPr>
+        <p:style>
+          <a:lnRef idx="2">
+            <a:schemeClr val="accent1">
+              <a:shade val="50000"/>
+            </a:schemeClr>
+          </a:lnRef>
+          <a:fillRef idx="1">
+            <a:schemeClr val="accent1"/>
+          </a:fillRef>
+          <a:effectRef idx="0">
+            <a:schemeClr val="accent1"/>
+          </a:effectRef>
+          <a:fontRef idx="minor">
+            <a:schemeClr val="lt1"/>
+          </a:fontRef>
+        </p:style>
         <p:txBody>
-          <a:bodyPr/>
+          <a:bodyPr rtlCol="0" anchor="ctr"/>
           <a:lstStyle/>
           <a:p>
-            <a:r>
-              <a:rPr lang="en-GB" dirty="0"/>
-              <a:t>Incompleteness</a:t>
-            </a:r>
-            <a:endParaRPr lang="en-NL" dirty="0"/>
+            <a:pPr algn="ctr"/>
+            <a:endParaRPr lang="en-US"/>
           </a:p>
         </p:txBody>
       </p:sp>
       <p:sp>
         <p:nvSpPr>
-          <p:cNvPr id="3" name="Content Placeholder 2">
-            <a:extLst>
-              <a:ext uri="{FF2B5EF4-FFF2-40B4-BE49-F238E27FC236}">
-                <a16:creationId xmlns:a16="http://schemas.microsoft.com/office/drawing/2014/main" id="{5443F6DD-4851-C14D-B47B-89B25DB743B6}"/>
+          <p:cNvPr id="2" name="Title 1">
+            <a:extLst>
+              <a:ext uri="{FF2B5EF4-FFF2-40B4-BE49-F238E27FC236}">
+                <a16:creationId xmlns:a16="http://schemas.microsoft.com/office/drawing/2014/main" id="{23C59D1A-2007-C745-9182-60C9874C40D3}"/>
               </a:ext>
             </a:extLst>
           </p:cNvPr>
@@ -5195,22 +9379,181 @@
             <a:spLocks noGrp="1"/>
           </p:cNvSpPr>
           <p:nvPr>
-            <p:ph idx="1"/>
+            <p:ph type="title"/>
           </p:nvPr>
         </p:nvSpPr>
-        <p:spPr/>
+        <p:spPr>
+          <a:xfrm>
+            <a:off x="527538" y="4756638"/>
+            <a:ext cx="11139854" cy="930447"/>
+          </a:xfrm>
+        </p:spPr>
         <p:txBody>
-          <a:bodyPr/>
+          <a:bodyPr vert="horz" lIns="91440" tIns="45720" rIns="91440" bIns="45720" rtlCol="0" anchor="b">
+            <a:normAutofit/>
+          </a:bodyPr>
           <a:lstStyle/>
           <a:p>
-            <a:endParaRPr lang="en-NL"/>
+            <a:pPr algn="ctr"/>
+            <a:r>
+              <a:rPr lang="en-US" sz="5400">
+                <a:solidFill>
+                  <a:srgbClr val="FFFFFF"/>
+                </a:solidFill>
+              </a:rPr>
+              <a:t>What is Software 2.0?</a:t>
+            </a:r>
           </a:p>
         </p:txBody>
       </p:sp>
+      <p:pic>
+        <p:nvPicPr>
+          <p:cNvPr id="7170" name="Picture 2" descr="Software 2.0. I sometimes see people refer to neural… | by Andrej Karpathy  | Medium">
+            <a:extLst>
+              <a:ext uri="{FF2B5EF4-FFF2-40B4-BE49-F238E27FC236}">
+                <a16:creationId xmlns:a16="http://schemas.microsoft.com/office/drawing/2014/main" id="{66587C63-386A-7D4E-869D-6ABEB676EC6E}"/>
+              </a:ext>
+            </a:extLst>
+          </p:cNvPr>
+          <p:cNvPicPr>
+            <a:picLocks noChangeAspect="1" noChangeArrowheads="1"/>
+          </p:cNvPicPr>
+          <p:nvPr/>
+        </p:nvPicPr>
+        <p:blipFill>
+          <a:blip r:embed="rId2">
+            <a:extLst>
+              <a:ext uri="{28A0092B-C50C-407E-A947-70E740481C1C}">
+                <a14:useLocalDpi xmlns:a14="http://schemas.microsoft.com/office/drawing/2010/main" val="0"/>
+              </a:ext>
+            </a:extLst>
+          </a:blip>
+          <a:stretch>
+            <a:fillRect/>
+          </a:stretch>
+        </p:blipFill>
+        <p:spPr bwMode="auto">
+          <a:xfrm>
+            <a:off x="320040" y="737974"/>
+            <a:ext cx="5455917" cy="3137151"/>
+          </a:xfrm>
+          <a:prstGeom prst="rect">
+            <a:avLst/>
+          </a:prstGeom>
+          <a:noFill/>
+          <a:extLst>
+            <a:ext uri="{909E8E84-426E-40DD-AFC4-6F175D3DCCD1}">
+              <a14:hiddenFill xmlns:a14="http://schemas.microsoft.com/office/drawing/2010/main">
+                <a:solidFill>
+                  <a:srgbClr val="FFFFFF"/>
+                </a:solidFill>
+              </a14:hiddenFill>
+            </a:ext>
+          </a:extLst>
+        </p:spPr>
+      </p:pic>
+      <p:pic>
+        <p:nvPicPr>
+          <p:cNvPr id="7172" name="Picture 4" descr="AI is beatable: A simple paradigm from Chess engines">
+            <a:extLst>
+              <a:ext uri="{FF2B5EF4-FFF2-40B4-BE49-F238E27FC236}">
+                <a16:creationId xmlns:a16="http://schemas.microsoft.com/office/drawing/2014/main" id="{3BAC92F7-84AB-D14B-9C57-7775EEBB7DBA}"/>
+              </a:ext>
+            </a:extLst>
+          </p:cNvPr>
+          <p:cNvPicPr>
+            <a:picLocks noChangeAspect="1" noChangeArrowheads="1"/>
+          </p:cNvPicPr>
+          <p:nvPr/>
+        </p:nvPicPr>
+        <p:blipFill>
+          <a:blip r:embed="rId3">
+            <a:extLst>
+              <a:ext uri="{28A0092B-C50C-407E-A947-70E740481C1C}">
+                <a14:useLocalDpi xmlns:a14="http://schemas.microsoft.com/office/drawing/2010/main" val="0"/>
+              </a:ext>
+            </a:extLst>
+          </a:blip>
+          <a:stretch>
+            <a:fillRect/>
+          </a:stretch>
+        </p:blipFill>
+        <p:spPr bwMode="auto">
+          <a:xfrm>
+            <a:off x="6416043" y="778893"/>
+            <a:ext cx="5455917" cy="3055313"/>
+          </a:xfrm>
+          <a:prstGeom prst="rect">
+            <a:avLst/>
+          </a:prstGeom>
+          <a:noFill/>
+          <a:extLst>
+            <a:ext uri="{909E8E84-426E-40DD-AFC4-6F175D3DCCD1}">
+              <a14:hiddenFill xmlns:a14="http://schemas.microsoft.com/office/drawing/2010/main">
+                <a:solidFill>
+                  <a:srgbClr val="FFFFFF"/>
+                </a:solidFill>
+              </a14:hiddenFill>
+            </a:ext>
+          </a:extLst>
+        </p:spPr>
+      </p:pic>
+      <p:cxnSp>
+        <p:nvCxnSpPr>
+          <p:cNvPr id="77" name="Straight Connector 76">
+            <a:extLst>
+              <a:ext uri="{FF2B5EF4-FFF2-40B4-BE49-F238E27FC236}">
+                <a16:creationId xmlns:a16="http://schemas.microsoft.com/office/drawing/2014/main" id="{7E7C77BC-7138-40B1-A15B-20F57A494629}"/>
+              </a:ext>
+              <a:ext uri="{C183D7F6-B498-43B3-948B-1728B52AA6E4}">
+                <adec:decorative xmlns:adec="http://schemas.microsoft.com/office/drawing/2017/decorative" val="1"/>
+              </a:ext>
+            </a:extLst>
+          </p:cNvPr>
+          <p:cNvCxnSpPr>
+            <a:cxnSpLocks noGrp="1" noRot="1" noChangeAspect="1" noMove="1" noResize="1" noEditPoints="1" noAdjustHandles="1" noChangeArrowheads="1" noChangeShapeType="1"/>
+          </p:cNvCxnSpPr>
+          <p:nvPr>
+            <p:extLst>
+              <p:ext uri="{386F3935-93C4-4BCD-93E2-E3B085C9AB24}">
+                <p16:designElem xmlns:p16="http://schemas.microsoft.com/office/powerpoint/2015/main" val="1"/>
+              </p:ext>
+            </p:extLst>
+          </p:nvPr>
+        </p:nvCxnSpPr>
+        <p:spPr>
+          <a:xfrm>
+            <a:off x="2209800" y="5738691"/>
+            <a:ext cx="7772400" cy="0"/>
+          </a:xfrm>
+          <a:prstGeom prst="line">
+            <a:avLst/>
+          </a:prstGeom>
+          <a:ln w="22225">
+            <a:solidFill>
+              <a:srgbClr val="D9D9D9"/>
+            </a:solidFill>
+          </a:ln>
+        </p:spPr>
+        <p:style>
+          <a:lnRef idx="1">
+            <a:schemeClr val="accent1"/>
+          </a:lnRef>
+          <a:fillRef idx="0">
+            <a:schemeClr val="accent1"/>
+          </a:fillRef>
+          <a:effectRef idx="0">
+            <a:schemeClr val="accent1"/>
+          </a:effectRef>
+          <a:fontRef idx="minor">
+            <a:schemeClr val="tx1"/>
+          </a:fontRef>
+        </p:style>
+      </p:cxnSp>
     </p:spTree>
     <p:extLst>
       <p:ext uri="{BB962C8B-B14F-4D97-AF65-F5344CB8AC3E}">
-        <p14:creationId xmlns:p14="http://schemas.microsoft.com/office/powerpoint/2010/main" val="2642275506"/>
+        <p14:creationId xmlns:p14="http://schemas.microsoft.com/office/powerpoint/2010/main" val="1326179213"/>
       </p:ext>
     </p:extLst>
   </p:cSld>

--- a/presentation/Presentation1.pptx
+++ b/presentation/Presentation1.pptx
@@ -15,9 +15,10 @@
     <p:sldId id="260" r:id="rId9"/>
     <p:sldId id="266" r:id="rId10"/>
     <p:sldId id="268" r:id="rId11"/>
-    <p:sldId id="269" r:id="rId12"/>
-    <p:sldId id="267" r:id="rId13"/>
-    <p:sldId id="258" r:id="rId14"/>
+    <p:sldId id="270" r:id="rId12"/>
+    <p:sldId id="269" r:id="rId13"/>
+    <p:sldId id="267" r:id="rId14"/>
+    <p:sldId id="258" r:id="rId15"/>
   </p:sldIdLst>
   <p:sldSz cx="12192000" cy="6858000"/>
   <p:notesSz cx="6858000" cy="9144000"/>
@@ -4917,7 +4918,7 @@
         <p:spPr>
           <a:xfrm>
             <a:off x="1223319" y="5128054"/>
-            <a:ext cx="2100649" cy="369332"/>
+            <a:ext cx="2100649" cy="646331"/>
           </a:xfrm>
           <a:prstGeom prst="rect">
             <a:avLst/>
@@ -4929,6 +4930,16 @@
             <a:spAutoFit/>
           </a:bodyPr>
           <a:lstStyle/>
+          <a:p>
+            <a:r>
+              <a:rPr lang="en-GB" dirty="0">
+                <a:solidFill>
+                  <a:srgbClr val="FFC000"/>
+                </a:solidFill>
+              </a:rPr>
+              <a:t>Nate</a:t>
+            </a:r>
+          </a:p>
           <a:p>
             <a:r>
               <a:rPr lang="en-GB" dirty="0">
@@ -5155,7 +5166,7 @@
                   <a:srgbClr val="FFC000"/>
                 </a:solidFill>
               </a:rPr>
-              <a:t>Extract Rules </a:t>
+              <a:t>Extract Rules</a:t>
             </a:r>
             <a:r>
               <a:rPr lang="en-US" sz="2000" i="1" dirty="0">
@@ -5163,7 +5174,7 @@
                   <a:srgbClr val="FFC000"/>
                 </a:solidFill>
               </a:rPr>
-              <a:t>from Data</a:t>
+              <a:t> from Data</a:t>
             </a:r>
           </a:p>
         </p:txBody>
@@ -5238,6 +5249,275 @@
       </p:grpSpPr>
       <p:sp>
         <p:nvSpPr>
+          <p:cNvPr id="80" name="Rectangle 79">
+            <a:extLst>
+              <a:ext uri="{FF2B5EF4-FFF2-40B4-BE49-F238E27FC236}">
+                <a16:creationId xmlns:a16="http://schemas.microsoft.com/office/drawing/2014/main" id="{2A8AA5BC-4F7A-4226-8F99-6D824B226A97}"/>
+              </a:ext>
+              <a:ext uri="{C183D7F6-B498-43B3-948B-1728B52AA6E4}">
+                <adec:decorative xmlns:adec="http://schemas.microsoft.com/office/drawing/2017/decorative" val="1"/>
+              </a:ext>
+            </a:extLst>
+          </p:cNvPr>
+          <p:cNvSpPr>
+            <a:spLocks noGrp="1" noRot="1" noChangeAspect="1" noMove="1" noResize="1" noEditPoints="1" noAdjustHandles="1" noChangeArrowheads="1" noChangeShapeType="1" noTextEdit="1"/>
+          </p:cNvSpPr>
+          <p:nvPr>
+            <p:extLst>
+              <p:ext uri="{386F3935-93C4-4BCD-93E2-E3B085C9AB24}">
+                <p16:designElem xmlns:p16="http://schemas.microsoft.com/office/powerpoint/2015/main" val="1"/>
+              </p:ext>
+            </p:extLst>
+          </p:nvPr>
+        </p:nvSpPr>
+        <p:spPr>
+          <a:xfrm>
+            <a:off x="0" y="-3324"/>
+            <a:ext cx="12192000" cy="6861324"/>
+          </a:xfrm>
+          <a:prstGeom prst="rect">
+            <a:avLst/>
+          </a:prstGeom>
+          <a:solidFill>
+            <a:schemeClr val="tx1"/>
+          </a:solidFill>
+          <a:ln>
+            <a:noFill/>
+          </a:ln>
+        </p:spPr>
+        <p:style>
+          <a:lnRef idx="2">
+            <a:schemeClr val="accent1">
+              <a:shade val="50000"/>
+            </a:schemeClr>
+          </a:lnRef>
+          <a:fillRef idx="1">
+            <a:schemeClr val="accent1"/>
+          </a:fillRef>
+          <a:effectRef idx="0">
+            <a:schemeClr val="accent1"/>
+          </a:effectRef>
+          <a:fontRef idx="minor">
+            <a:schemeClr val="lt1"/>
+          </a:fontRef>
+        </p:style>
+        <p:txBody>
+          <a:bodyPr rtlCol="0" anchor="ctr"/>
+          <a:lstStyle/>
+          <a:p>
+            <a:pPr algn="ctr"/>
+            <a:endParaRPr lang="en-US"/>
+          </a:p>
+        </p:txBody>
+      </p:sp>
+      <p:sp>
+        <p:nvSpPr>
+          <p:cNvPr id="82" name="Rectangle 81">
+            <a:extLst>
+              <a:ext uri="{FF2B5EF4-FFF2-40B4-BE49-F238E27FC236}">
+                <a16:creationId xmlns:a16="http://schemas.microsoft.com/office/drawing/2014/main" id="{3E5445C6-DD42-4979-86FF-03730E8C6DB0}"/>
+              </a:ext>
+              <a:ext uri="{C183D7F6-B498-43B3-948B-1728B52AA6E4}">
+                <adec:decorative xmlns:adec="http://schemas.microsoft.com/office/drawing/2017/decorative" val="1"/>
+              </a:ext>
+            </a:extLst>
+          </p:cNvPr>
+          <p:cNvSpPr>
+            <a:spLocks noGrp="1" noRot="1" noChangeAspect="1" noMove="1" noResize="1" noEditPoints="1" noAdjustHandles="1" noChangeArrowheads="1" noChangeShapeType="1" noTextEdit="1"/>
+          </p:cNvSpPr>
+          <p:nvPr>
+            <p:extLst>
+              <p:ext uri="{386F3935-93C4-4BCD-93E2-E3B085C9AB24}">
+                <p16:designElem xmlns:p16="http://schemas.microsoft.com/office/powerpoint/2015/main" val="1"/>
+              </p:ext>
+            </p:extLst>
+          </p:nvPr>
+        </p:nvSpPr>
+        <p:spPr bwMode="ltGray">
+          <a:xfrm>
+            <a:off x="321734" y="321733"/>
+            <a:ext cx="11573488" cy="6214534"/>
+          </a:xfrm>
+          <a:prstGeom prst="rect">
+            <a:avLst/>
+          </a:prstGeom>
+          <a:solidFill>
+            <a:schemeClr val="bg1">
+              <a:lumMod val="75000"/>
+              <a:lumOff val="25000"/>
+            </a:schemeClr>
+          </a:solidFill>
+          <a:ln w="127000" cap="sq" cmpd="thinThick">
+            <a:solidFill>
+              <a:schemeClr val="bg1">
+                <a:lumMod val="75000"/>
+                <a:lumOff val="25000"/>
+              </a:schemeClr>
+            </a:solidFill>
+          </a:ln>
+        </p:spPr>
+        <p:style>
+          <a:lnRef idx="2">
+            <a:schemeClr val="accent1">
+              <a:shade val="50000"/>
+            </a:schemeClr>
+          </a:lnRef>
+          <a:fillRef idx="1">
+            <a:schemeClr val="accent1"/>
+          </a:fillRef>
+          <a:effectRef idx="0">
+            <a:schemeClr val="accent1"/>
+          </a:effectRef>
+          <a:fontRef idx="minor">
+            <a:schemeClr val="lt1"/>
+          </a:fontRef>
+        </p:style>
+        <p:txBody>
+          <a:bodyPr rtlCol="0" anchor="ctr"/>
+          <a:lstStyle/>
+          <a:p>
+            <a:pPr algn="ctr"/>
+            <a:endParaRPr lang="en-US"/>
+          </a:p>
+        </p:txBody>
+      </p:sp>
+      <p:sp>
+        <p:nvSpPr>
+          <p:cNvPr id="2" name="Title 1">
+            <a:extLst>
+              <a:ext uri="{FF2B5EF4-FFF2-40B4-BE49-F238E27FC236}">
+                <a16:creationId xmlns:a16="http://schemas.microsoft.com/office/drawing/2014/main" id="{2F5F8789-70DF-5C46-9F5F-06D07D47D1CD}"/>
+              </a:ext>
+            </a:extLst>
+          </p:cNvPr>
+          <p:cNvSpPr>
+            <a:spLocks noGrp="1"/>
+          </p:cNvSpPr>
+          <p:nvPr>
+            <p:ph type="title"/>
+          </p:nvPr>
+        </p:nvSpPr>
+        <p:spPr>
+          <a:xfrm>
+            <a:off x="1524000" y="1122362"/>
+            <a:ext cx="9144000" cy="2840037"/>
+          </a:xfrm>
+        </p:spPr>
+        <p:txBody>
+          <a:bodyPr vert="horz" lIns="91440" tIns="45720" rIns="91440" bIns="45720" rtlCol="0" anchor="b">
+            <a:normAutofit/>
+          </a:bodyPr>
+          <a:lstStyle/>
+          <a:p>
+            <a:pPr algn="ctr"/>
+            <a:r>
+              <a:rPr lang="en-US" sz="5800" kern="1200" dirty="0">
+                <a:solidFill>
+                  <a:schemeClr val="tx1"/>
+                </a:solidFill>
+                <a:latin typeface="+mj-lt"/>
+                <a:ea typeface="+mj-ea"/>
+                <a:cs typeface="+mj-cs"/>
+              </a:rPr>
+              <a:t>What is Meaning?</a:t>
+            </a:r>
+          </a:p>
+        </p:txBody>
+      </p:sp>
+      <p:cxnSp>
+        <p:nvCxnSpPr>
+          <p:cNvPr id="84" name="Straight Connector 83">
+            <a:extLst>
+              <a:ext uri="{FF2B5EF4-FFF2-40B4-BE49-F238E27FC236}">
+                <a16:creationId xmlns:a16="http://schemas.microsoft.com/office/drawing/2014/main" id="{45000665-DFC7-417E-8FD7-516A0F15C975}"/>
+              </a:ext>
+              <a:ext uri="{C183D7F6-B498-43B3-948B-1728B52AA6E4}">
+                <adec:decorative xmlns:adec="http://schemas.microsoft.com/office/drawing/2017/decorative" val="1"/>
+              </a:ext>
+            </a:extLst>
+          </p:cNvPr>
+          <p:cNvCxnSpPr>
+            <a:cxnSpLocks noGrp="1" noRot="1" noChangeAspect="1" noMove="1" noResize="1" noEditPoints="1" noAdjustHandles="1" noChangeArrowheads="1" noChangeShapeType="1"/>
+          </p:cNvCxnSpPr>
+          <p:nvPr>
+            <p:extLst>
+              <p:ext uri="{386F3935-93C4-4BCD-93E2-E3B085C9AB24}">
+                <p16:designElem xmlns:p16="http://schemas.microsoft.com/office/powerpoint/2015/main" val="1"/>
+              </p:ext>
+            </p:extLst>
+          </p:nvPr>
+        </p:nvCxnSpPr>
+        <p:spPr>
+          <a:xfrm>
+            <a:off x="4724400" y="4109417"/>
+            <a:ext cx="2743200" cy="0"/>
+          </a:xfrm>
+          <a:prstGeom prst="line">
+            <a:avLst/>
+          </a:prstGeom>
+          <a:ln w="12700">
+            <a:solidFill>
+              <a:schemeClr val="tx1">
+                <a:lumMod val="85000"/>
+              </a:schemeClr>
+            </a:solidFill>
+          </a:ln>
+        </p:spPr>
+        <p:style>
+          <a:lnRef idx="1">
+            <a:schemeClr val="accent1"/>
+          </a:lnRef>
+          <a:fillRef idx="0">
+            <a:schemeClr val="accent1"/>
+          </a:fillRef>
+          <a:effectRef idx="0">
+            <a:schemeClr val="accent1"/>
+          </a:effectRef>
+          <a:fontRef idx="minor">
+            <a:schemeClr val="tx1"/>
+          </a:fontRef>
+        </p:style>
+      </p:cxnSp>
+    </p:spTree>
+    <p:extLst>
+      <p:ext uri="{BB962C8B-B14F-4D97-AF65-F5344CB8AC3E}">
+        <p14:creationId xmlns:p14="http://schemas.microsoft.com/office/powerpoint/2010/main" val="35089247"/>
+      </p:ext>
+    </p:extLst>
+  </p:cSld>
+  <p:clrMapOvr>
+    <a:overrideClrMapping bg1="dk1" tx1="lt1" bg2="dk2" tx2="lt2" accent1="accent1" accent2="accent2" accent3="accent3" accent4="accent4" accent5="accent5" accent6="accent6" hlink="hlink" folHlink="folHlink"/>
+  </p:clrMapOvr>
+</p:sld>
+</file>
+
+<file path=ppt/slides/slide12.xml><?xml version="1.0" encoding="utf-8"?>
+<p:sld xmlns:a="http://schemas.openxmlformats.org/drawingml/2006/main" xmlns:r="http://schemas.openxmlformats.org/officeDocument/2006/relationships" xmlns:p="http://schemas.openxmlformats.org/presentationml/2006/main">
+  <p:cSld>
+    <p:bg>
+      <p:bgPr>
+        <a:solidFill>
+          <a:schemeClr val="tx1"/>
+        </a:solidFill>
+        <a:effectLst/>
+      </p:bgPr>
+    </p:bg>
+    <p:spTree>
+      <p:nvGrpSpPr>
+        <p:cNvPr id="1" name=""/>
+        <p:cNvGrpSpPr/>
+        <p:nvPr/>
+      </p:nvGrpSpPr>
+      <p:grpSpPr>
+        <a:xfrm>
+          <a:off x="0" y="0"/>
+          <a:ext cx="0" cy="0"/>
+          <a:chOff x="0" y="0"/>
+          <a:chExt cx="0" cy="0"/>
+        </a:xfrm>
+      </p:grpSpPr>
+      <p:sp>
+        <p:nvSpPr>
           <p:cNvPr id="7" name="Rectangle 6">
             <a:extLst>
               <a:ext uri="{FF2B5EF4-FFF2-40B4-BE49-F238E27FC236}">
@@ -5480,7 +5760,7 @@
 </p:sld>
 </file>
 
-<file path=ppt/slides/slide12.xml><?xml version="1.0" encoding="utf-8"?>
+<file path=ppt/slides/slide13.xml><?xml version="1.0" encoding="utf-8"?>
 <p:sld xmlns:a="http://schemas.openxmlformats.org/drawingml/2006/main" xmlns:r="http://schemas.openxmlformats.org/officeDocument/2006/relationships" xmlns:p="http://schemas.openxmlformats.org/presentationml/2006/main">
   <p:cSld>
     <p:spTree>
@@ -5535,7 +5815,7 @@
 </p:sld>
 </file>
 
-<file path=ppt/slides/slide13.xml><?xml version="1.0" encoding="utf-8"?>
+<file path=ppt/slides/slide14.xml><?xml version="1.0" encoding="utf-8"?>
 <p:sld xmlns:a="http://schemas.openxmlformats.org/drawingml/2006/main" xmlns:r="http://schemas.openxmlformats.org/officeDocument/2006/relationships" xmlns:p="http://schemas.openxmlformats.org/presentationml/2006/main">
   <p:cSld>
     <p:spTree>
